--- a/PoliticoReview_docs/발표자료(Presentation Meterials)_1410641_이희선.pptx
+++ b/PoliticoReview_docs/발표자료(Presentation Meterials)_1410641_이희선.pptx
@@ -12,9 +12,9 @@
     <p:sldId id="270" r:id="rId3"/>
     <p:sldId id="258" r:id="rId4"/>
     <p:sldId id="262" r:id="rId5"/>
-    <p:sldId id="263" r:id="rId6"/>
+    <p:sldId id="271" r:id="rId6"/>
     <p:sldId id="264" r:id="rId7"/>
-    <p:sldId id="261" r:id="rId8"/>
+    <p:sldId id="263" r:id="rId8"/>
     <p:sldId id="269" r:id="rId9"/>
     <p:sldId id="259" r:id="rId10"/>
     <p:sldId id="257" r:id="rId11"/>
@@ -204,7 +204,7 @@
             <a:fld id="{6195FE2B-CB9A-4225-B38C-2F830683612F}" type="datetimeFigureOut">
               <a:rPr lang="ko-KR" altLang="en-US" smtClean="0"/>
               <a:pPr/>
-              <a:t>2018-03-10</a:t>
+              <a:t>2018-03-29</a:t>
             </a:fld>
             <a:endParaRPr lang="ko-KR" altLang="en-US"/>
           </a:p>
@@ -620,6 +620,206 @@
 </p:notes>
 </file>
 
+<file path=ppt/notesSlides/notesSlide10.xml><?xml version="1.0" encoding="utf-8"?>
+<p:notes xmlns:a="http://schemas.openxmlformats.org/drawingml/2006/main" xmlns:r="http://schemas.openxmlformats.org/officeDocument/2006/relationships" xmlns:p="http://schemas.openxmlformats.org/presentationml/2006/main">
+  <p:cSld>
+    <p:spTree>
+      <p:nvGrpSpPr>
+        <p:cNvPr id="1" name=""/>
+        <p:cNvGrpSpPr/>
+        <p:nvPr/>
+      </p:nvGrpSpPr>
+      <p:grpSpPr>
+        <a:xfrm>
+          <a:off x="0" y="0"/>
+          <a:ext cx="0" cy="0"/>
+          <a:chOff x="0" y="0"/>
+          <a:chExt cx="0" cy="0"/>
+        </a:xfrm>
+      </p:grpSpPr>
+      <p:sp>
+        <p:nvSpPr>
+          <p:cNvPr id="2" name="슬라이드 이미지 개체 틀 1"/>
+          <p:cNvSpPr>
+            <a:spLocks noGrp="1" noRot="1" noChangeAspect="1"/>
+          </p:cNvSpPr>
+          <p:nvPr>
+            <p:ph type="sldImg"/>
+          </p:nvPr>
+        </p:nvSpPr>
+        <p:spPr/>
+      </p:sp>
+      <p:sp>
+        <p:nvSpPr>
+          <p:cNvPr id="3" name="슬라이드 노트 개체 틀 2"/>
+          <p:cNvSpPr>
+            <a:spLocks noGrp="1"/>
+          </p:cNvSpPr>
+          <p:nvPr>
+            <p:ph type="body" idx="1"/>
+          </p:nvPr>
+        </p:nvSpPr>
+        <p:spPr/>
+        <p:txBody>
+          <a:bodyPr>
+            <a:normAutofit/>
+          </a:bodyPr>
+          <a:lstStyle/>
+          <a:p>
+            <a:r>
+              <a:rPr lang="en-US" altLang="ko-KR" dirty="0" err="1" smtClean="0"/>
+              <a:t>Param</a:t>
+            </a:r>
+            <a:r>
+              <a:rPr lang="en-US" altLang="ko-KR" baseline="0" dirty="0" smtClean="0"/>
+              <a:t> </a:t>
+            </a:r>
+            <a:r>
+              <a:rPr lang="ko-KR" altLang="en-US" baseline="0" dirty="0" smtClean="0"/>
+              <a:t>은 </a:t>
+            </a:r>
+            <a:r>
+              <a:rPr lang="en-US" altLang="ko-KR" baseline="0" dirty="0" smtClean="0"/>
+              <a:t>db</a:t>
+            </a:r>
+            <a:r>
+              <a:rPr lang="ko-KR" altLang="en-US" baseline="0" dirty="0" smtClean="0"/>
+              <a:t>들어 갈 때</a:t>
+            </a:r>
+            <a:r>
+              <a:rPr lang="en-US" altLang="ko-KR" baseline="0" dirty="0" smtClean="0"/>
+              <a:t>, </a:t>
+            </a:r>
+            <a:r>
+              <a:rPr lang="ko-KR" altLang="en-US" baseline="0" dirty="0" err="1" smtClean="0"/>
+              <a:t>디비</a:t>
+            </a:r>
+            <a:r>
+              <a:rPr lang="ko-KR" altLang="en-US" baseline="0" dirty="0" smtClean="0"/>
+              <a:t> 보여드리기</a:t>
+            </a:r>
+            <a:r>
+              <a:rPr lang="en-US" altLang="ko-KR" baseline="0" dirty="0" smtClean="0"/>
+              <a:t>!</a:t>
+            </a:r>
+            <a:endParaRPr lang="ko-KR" altLang="en-US" dirty="0"/>
+          </a:p>
+        </p:txBody>
+      </p:sp>
+      <p:sp>
+        <p:nvSpPr>
+          <p:cNvPr id="4" name="슬라이드 번호 개체 틀 3"/>
+          <p:cNvSpPr>
+            <a:spLocks noGrp="1"/>
+          </p:cNvSpPr>
+          <p:nvPr>
+            <p:ph type="sldNum" sz="quarter" idx="10"/>
+          </p:nvPr>
+        </p:nvSpPr>
+        <p:spPr/>
+        <p:txBody>
+          <a:bodyPr/>
+          <a:lstStyle/>
+          <a:p>
+            <a:fld id="{B4C1CF2D-54E2-4B04-8FB6-5D65A06867E1}" type="slidenum">
+              <a:rPr lang="ko-KR" altLang="en-US" smtClean="0"/>
+              <a:pPr/>
+              <a:t>11</a:t>
+            </a:fld>
+            <a:endParaRPr lang="ko-KR" altLang="en-US"/>
+          </a:p>
+        </p:txBody>
+      </p:sp>
+    </p:spTree>
+  </p:cSld>
+  <p:clrMapOvr>
+    <a:masterClrMapping/>
+  </p:clrMapOvr>
+</p:notes>
+</file>
+
+<file path=ppt/notesSlides/notesSlide11.xml><?xml version="1.0" encoding="utf-8"?>
+<p:notes xmlns:a="http://schemas.openxmlformats.org/drawingml/2006/main" xmlns:r="http://schemas.openxmlformats.org/officeDocument/2006/relationships" xmlns:p="http://schemas.openxmlformats.org/presentationml/2006/main">
+  <p:cSld>
+    <p:spTree>
+      <p:nvGrpSpPr>
+        <p:cNvPr id="1" name=""/>
+        <p:cNvGrpSpPr/>
+        <p:nvPr/>
+      </p:nvGrpSpPr>
+      <p:grpSpPr>
+        <a:xfrm>
+          <a:off x="0" y="0"/>
+          <a:ext cx="0" cy="0"/>
+          <a:chOff x="0" y="0"/>
+          <a:chExt cx="0" cy="0"/>
+        </a:xfrm>
+      </p:grpSpPr>
+      <p:sp>
+        <p:nvSpPr>
+          <p:cNvPr id="2" name="슬라이드 이미지 개체 틀 1"/>
+          <p:cNvSpPr>
+            <a:spLocks noGrp="1" noRot="1" noChangeAspect="1"/>
+          </p:cNvSpPr>
+          <p:nvPr>
+            <p:ph type="sldImg"/>
+          </p:nvPr>
+        </p:nvSpPr>
+        <p:spPr/>
+      </p:sp>
+      <p:sp>
+        <p:nvSpPr>
+          <p:cNvPr id="3" name="슬라이드 노트 개체 틀 2"/>
+          <p:cNvSpPr>
+            <a:spLocks noGrp="1"/>
+          </p:cNvSpPr>
+          <p:nvPr>
+            <p:ph type="body" idx="1"/>
+          </p:nvPr>
+        </p:nvSpPr>
+        <p:spPr/>
+        <p:txBody>
+          <a:bodyPr>
+            <a:normAutofit/>
+          </a:bodyPr>
+          <a:lstStyle/>
+          <a:p>
+            <a:endParaRPr lang="ko-KR" altLang="en-US" dirty="0"/>
+          </a:p>
+        </p:txBody>
+      </p:sp>
+      <p:sp>
+        <p:nvSpPr>
+          <p:cNvPr id="4" name="슬라이드 번호 개체 틀 3"/>
+          <p:cNvSpPr>
+            <a:spLocks noGrp="1"/>
+          </p:cNvSpPr>
+          <p:nvPr>
+            <p:ph type="sldNum" sz="quarter" idx="10"/>
+          </p:nvPr>
+        </p:nvSpPr>
+        <p:spPr/>
+        <p:txBody>
+          <a:bodyPr/>
+          <a:lstStyle/>
+          <a:p>
+            <a:fld id="{B4C1CF2D-54E2-4B04-8FB6-5D65A06867E1}" type="slidenum">
+              <a:rPr lang="ko-KR" altLang="en-US" smtClean="0"/>
+              <a:pPr/>
+              <a:t>12</a:t>
+            </a:fld>
+            <a:endParaRPr lang="ko-KR" altLang="en-US"/>
+          </a:p>
+        </p:txBody>
+      </p:sp>
+    </p:spTree>
+  </p:cSld>
+  <p:clrMapOvr>
+    <a:masterClrMapping/>
+  </p:clrMapOvr>
+</p:notes>
+</file>
+
 <file path=ppt/notesSlides/notesSlide2.xml><?xml version="1.0" encoding="utf-8"?>
 <p:notes xmlns:a="http://schemas.openxmlformats.org/drawingml/2006/main" xmlns:r="http://schemas.openxmlformats.org/officeDocument/2006/relationships" xmlns:p="http://schemas.openxmlformats.org/presentationml/2006/main">
   <p:cSld>
@@ -666,6 +866,10 @@
           </a:bodyPr>
           <a:lstStyle/>
           <a:p>
+            <a:r>
+              <a:rPr lang="en-US" altLang="ko-KR" dirty="0" smtClean="0"/>
+              <a:t>https://play.google.com/store/apps/details?id=kr.co.company.politicoreview</a:t>
+            </a:r>
             <a:endParaRPr lang="ko-KR" altLang="en-US" dirty="0"/>
           </a:p>
         </p:txBody>
@@ -688,7 +892,7 @@
             <a:fld id="{B4C1CF2D-54E2-4B04-8FB6-5D65A06867E1}" type="slidenum">
               <a:rPr lang="ko-KR" altLang="en-US" smtClean="0"/>
               <a:pPr/>
-              <a:t>7</a:t>
+              <a:t>2</a:t>
             </a:fld>
             <a:endParaRPr lang="ko-KR" altLang="en-US"/>
           </a:p>
@@ -748,94 +952,6 @@
           </a:bodyPr>
           <a:lstStyle/>
           <a:p>
-            <a:r>
-              <a:rPr lang="en-US" altLang="ko-KR" sz="1200" kern="1200" dirty="0" smtClean="0">
-                <a:solidFill>
-                  <a:schemeClr val="tx1"/>
-                </a:solidFill>
-                <a:latin typeface="+mn-lt"/>
-                <a:ea typeface="+mn-ea"/>
-                <a:cs typeface="+mn-cs"/>
-              </a:rPr>
-              <a:t>pc </a:t>
-            </a:r>
-            <a:r>
-              <a:rPr lang="ko-KR" altLang="en-US" sz="1200" kern="1200" dirty="0" smtClean="0">
-                <a:solidFill>
-                  <a:schemeClr val="tx1"/>
-                </a:solidFill>
-                <a:latin typeface="+mn-lt"/>
-                <a:ea typeface="+mn-ea"/>
-                <a:cs typeface="+mn-cs"/>
-              </a:rPr>
-              <a:t>버전</a:t>
-            </a:r>
-            <a:r>
-              <a:rPr lang="en-US" altLang="ko-KR" sz="1200" kern="1200" dirty="0" smtClean="0">
-                <a:solidFill>
-                  <a:schemeClr val="tx1"/>
-                </a:solidFill>
-                <a:latin typeface="+mn-lt"/>
-                <a:ea typeface="+mn-ea"/>
-                <a:cs typeface="+mn-cs"/>
-              </a:rPr>
-              <a:t>(</a:t>
-            </a:r>
-            <a:r>
-              <a:rPr lang="ko-KR" altLang="en-US" sz="1200" kern="1200" dirty="0" err="1" smtClean="0">
-                <a:solidFill>
-                  <a:schemeClr val="tx1"/>
-                </a:solidFill>
-                <a:latin typeface="+mn-lt"/>
-                <a:ea typeface="+mn-ea"/>
-                <a:cs typeface="+mn-cs"/>
-              </a:rPr>
-              <a:t>모바일</a:t>
-            </a:r>
-            <a:r>
-              <a:rPr lang="ko-KR" altLang="en-US" sz="1200" kern="1200" dirty="0" smtClean="0">
-                <a:solidFill>
-                  <a:schemeClr val="tx1"/>
-                </a:solidFill>
-                <a:latin typeface="+mn-lt"/>
-                <a:ea typeface="+mn-ea"/>
-                <a:cs typeface="+mn-cs"/>
-              </a:rPr>
-              <a:t> 운영체제와 무관하게 이용</a:t>
-            </a:r>
-            <a:r>
-              <a:rPr lang="en-US" altLang="ko-KR" sz="1200" kern="1200" dirty="0" smtClean="0">
-                <a:solidFill>
-                  <a:schemeClr val="tx1"/>
-                </a:solidFill>
-                <a:latin typeface="+mn-lt"/>
-                <a:ea typeface="+mn-ea"/>
-                <a:cs typeface="+mn-cs"/>
-              </a:rPr>
-              <a:t>, </a:t>
-            </a:r>
-            <a:r>
-              <a:rPr lang="ko-KR" altLang="en-US" sz="1200" kern="1200" dirty="0" smtClean="0">
-                <a:solidFill>
-                  <a:schemeClr val="tx1"/>
-                </a:solidFill>
-                <a:latin typeface="+mn-lt"/>
-                <a:ea typeface="+mn-ea"/>
-                <a:cs typeface="+mn-cs"/>
-              </a:rPr>
-              <a:t>큰 화면</a:t>
-            </a:r>
-            <a:r>
-              <a:rPr lang="en-US" altLang="ko-KR" sz="1200" kern="1200" dirty="0" smtClean="0">
-                <a:solidFill>
-                  <a:schemeClr val="tx1"/>
-                </a:solidFill>
-                <a:latin typeface="+mn-lt"/>
-                <a:ea typeface="+mn-ea"/>
-                <a:cs typeface="+mn-cs"/>
-              </a:rPr>
-              <a:t>)</a:t>
-            </a:r>
             <a:endParaRPr lang="ko-KR" altLang="en-US" dirty="0"/>
           </a:p>
         </p:txBody>
@@ -858,7 +974,7 @@
             <a:fld id="{B4C1CF2D-54E2-4B04-8FB6-5D65A06867E1}" type="slidenum">
               <a:rPr lang="ko-KR" altLang="en-US" smtClean="0"/>
               <a:pPr/>
-              <a:t>9</a:t>
+              <a:t>3</a:t>
             </a:fld>
             <a:endParaRPr lang="ko-KR" altLang="en-US"/>
           </a:p>
@@ -918,42 +1034,72 @@
           </a:bodyPr>
           <a:lstStyle/>
           <a:p>
-            <a:r>
-              <a:rPr lang="en-US" altLang="ko-KR" dirty="0" err="1" smtClean="0"/>
-              <a:t>Param</a:t>
-            </a:r>
-            <a:r>
-              <a:rPr lang="en-US" altLang="ko-KR" baseline="0" dirty="0" smtClean="0"/>
+            <a:pPr marL="0" marR="0" indent="0" algn="l" defTabSz="914400" rtl="0" eaLnBrk="1" fontAlgn="auto" latinLnBrk="1" hangingPunct="1">
+              <a:lnSpc>
+                <a:spcPct val="100000"/>
+              </a:lnSpc>
+              <a:spcBef>
+                <a:spcPts val="0"/>
+              </a:spcBef>
+              <a:spcAft>
+                <a:spcPts val="0"/>
+              </a:spcAft>
+              <a:buClrTx/>
+              <a:buSzTx/>
+              <a:buFontTx/>
+              <a:buNone/>
+              <a:tabLst/>
+              <a:defRPr/>
+            </a:pPr>
+            <a:r>
+              <a:rPr lang="en-US" altLang="ko-KR" sz="1200" dirty="0" smtClean="0"/>
+              <a:t>Web ftp,</a:t>
+            </a:r>
+            <a:r>
+              <a:rPr lang="ko-KR" altLang="ko-KR" sz="1200" dirty="0" smtClean="0"/>
               <a:t> </a:t>
             </a:r>
             <a:r>
-              <a:rPr lang="ko-KR" altLang="en-US" baseline="0" dirty="0" smtClean="0"/>
-              <a:t>은 </a:t>
-            </a:r>
-            <a:r>
-              <a:rPr lang="en-US" altLang="ko-KR" baseline="0" dirty="0" smtClean="0"/>
-              <a:t>db</a:t>
-            </a:r>
-            <a:r>
-              <a:rPr lang="ko-KR" altLang="en-US" baseline="0" dirty="0" smtClean="0"/>
-              <a:t>들어 갈 때</a:t>
-            </a:r>
-            <a:r>
-              <a:rPr lang="en-US" altLang="ko-KR" baseline="0" dirty="0" smtClean="0"/>
-              <a:t>, </a:t>
-            </a:r>
-            <a:r>
-              <a:rPr lang="ko-KR" altLang="en-US" baseline="0" dirty="0" err="1" smtClean="0"/>
-              <a:t>디비</a:t>
-            </a:r>
-            <a:r>
-              <a:rPr lang="ko-KR" altLang="en-US" baseline="0" dirty="0" smtClean="0"/>
-              <a:t> 보여드리기</a:t>
-            </a:r>
-            <a:r>
-              <a:rPr lang="en-US" altLang="ko-KR" baseline="0" dirty="0" smtClean="0"/>
-              <a:t>!</a:t>
-            </a:r>
+              <a:rPr lang="en-US" altLang="ko-KR" sz="1200" dirty="0" smtClean="0"/>
+              <a:t>Database : </a:t>
+            </a:r>
+            <a:r>
+              <a:rPr lang="ko-KR" altLang="ko-KR" sz="1200" dirty="0" smtClean="0"/>
+              <a:t>무료 웹 </a:t>
+            </a:r>
+            <a:r>
+              <a:rPr lang="ko-KR" altLang="ko-KR" sz="1200" dirty="0" err="1" smtClean="0"/>
+              <a:t>호스팅</a:t>
+            </a:r>
+            <a:r>
+              <a:rPr lang="ko-KR" altLang="ko-KR" sz="1200" dirty="0" smtClean="0"/>
+              <a:t> </a:t>
+            </a:r>
+            <a:r>
+              <a:rPr lang="en-US" altLang="ko-KR" sz="1200" dirty="0" smtClean="0"/>
+              <a:t>‘</a:t>
+            </a:r>
+            <a:r>
+              <a:rPr lang="ko-KR" altLang="ko-KR" sz="1200" dirty="0" err="1" smtClean="0"/>
+              <a:t>닷홈</a:t>
+            </a:r>
+            <a:r>
+              <a:rPr lang="en-US" altLang="ko-KR" sz="1200" dirty="0" smtClean="0"/>
+              <a:t>’</a:t>
+            </a:r>
+            <a:r>
+              <a:rPr lang="ko-KR" altLang="ko-KR" sz="1200" dirty="0" smtClean="0"/>
+              <a:t> </a:t>
+            </a:r>
+            <a:r>
+              <a:rPr lang="en-US" altLang="ko-KR" sz="1050" dirty="0" smtClean="0">
+                <a:hlinkClick r:id="rId3"/>
+              </a:rPr>
+              <a:t>https://www.dothome.co.kr/</a:t>
+            </a:r>
+            <a:endParaRPr lang="en-US" altLang="ko-KR" sz="1050" dirty="0" smtClean="0"/>
+          </a:p>
+          <a:p>
             <a:endParaRPr lang="ko-KR" altLang="en-US" dirty="0"/>
           </a:p>
         </p:txBody>
@@ -976,7 +1122,1130 @@
             <a:fld id="{B4C1CF2D-54E2-4B04-8FB6-5D65A06867E1}" type="slidenum">
               <a:rPr lang="ko-KR" altLang="en-US" smtClean="0"/>
               <a:pPr/>
-              <a:t>11</a:t>
+              <a:t>4</a:t>
+            </a:fld>
+            <a:endParaRPr lang="ko-KR" altLang="en-US"/>
+          </a:p>
+        </p:txBody>
+      </p:sp>
+    </p:spTree>
+  </p:cSld>
+  <p:clrMapOvr>
+    <a:masterClrMapping/>
+  </p:clrMapOvr>
+</p:notes>
+</file>
+
+<file path=ppt/notesSlides/notesSlide5.xml><?xml version="1.0" encoding="utf-8"?>
+<p:notes xmlns:a="http://schemas.openxmlformats.org/drawingml/2006/main" xmlns:r="http://schemas.openxmlformats.org/officeDocument/2006/relationships" xmlns:p="http://schemas.openxmlformats.org/presentationml/2006/main">
+  <p:cSld>
+    <p:spTree>
+      <p:nvGrpSpPr>
+        <p:cNvPr id="1" name=""/>
+        <p:cNvGrpSpPr/>
+        <p:nvPr/>
+      </p:nvGrpSpPr>
+      <p:grpSpPr>
+        <a:xfrm>
+          <a:off x="0" y="0"/>
+          <a:ext cx="0" cy="0"/>
+          <a:chOff x="0" y="0"/>
+          <a:chExt cx="0" cy="0"/>
+        </a:xfrm>
+      </p:grpSpPr>
+      <p:sp>
+        <p:nvSpPr>
+          <p:cNvPr id="2" name="슬라이드 이미지 개체 틀 1"/>
+          <p:cNvSpPr>
+            <a:spLocks noGrp="1" noRot="1" noChangeAspect="1"/>
+          </p:cNvSpPr>
+          <p:nvPr>
+            <p:ph type="sldImg"/>
+          </p:nvPr>
+        </p:nvSpPr>
+        <p:spPr/>
+      </p:sp>
+      <p:sp>
+        <p:nvSpPr>
+          <p:cNvPr id="3" name="슬라이드 노트 개체 틀 2"/>
+          <p:cNvSpPr>
+            <a:spLocks noGrp="1"/>
+          </p:cNvSpPr>
+          <p:nvPr>
+            <p:ph type="body" idx="1"/>
+          </p:nvPr>
+        </p:nvSpPr>
+        <p:spPr/>
+        <p:txBody>
+          <a:bodyPr>
+            <a:normAutofit/>
+          </a:bodyPr>
+          <a:lstStyle/>
+          <a:p>
+            <a:endParaRPr lang="ko-KR" altLang="en-US" dirty="0"/>
+          </a:p>
+        </p:txBody>
+      </p:sp>
+      <p:sp>
+        <p:nvSpPr>
+          <p:cNvPr id="4" name="슬라이드 번호 개체 틀 3"/>
+          <p:cNvSpPr>
+            <a:spLocks noGrp="1"/>
+          </p:cNvSpPr>
+          <p:nvPr>
+            <p:ph type="sldNum" sz="quarter" idx="10"/>
+          </p:nvPr>
+        </p:nvSpPr>
+        <p:spPr/>
+        <p:txBody>
+          <a:bodyPr/>
+          <a:lstStyle/>
+          <a:p>
+            <a:fld id="{B4C1CF2D-54E2-4B04-8FB6-5D65A06867E1}" type="slidenum">
+              <a:rPr lang="ko-KR" altLang="en-US" smtClean="0"/>
+              <a:pPr/>
+              <a:t>5</a:t>
+            </a:fld>
+            <a:endParaRPr lang="ko-KR" altLang="en-US"/>
+          </a:p>
+        </p:txBody>
+      </p:sp>
+    </p:spTree>
+  </p:cSld>
+  <p:clrMapOvr>
+    <a:masterClrMapping/>
+  </p:clrMapOvr>
+</p:notes>
+</file>
+
+<file path=ppt/notesSlides/notesSlide6.xml><?xml version="1.0" encoding="utf-8"?>
+<p:notes xmlns:a="http://schemas.openxmlformats.org/drawingml/2006/main" xmlns:r="http://schemas.openxmlformats.org/officeDocument/2006/relationships" xmlns:p="http://schemas.openxmlformats.org/presentationml/2006/main">
+  <p:cSld>
+    <p:spTree>
+      <p:nvGrpSpPr>
+        <p:cNvPr id="1" name=""/>
+        <p:cNvGrpSpPr/>
+        <p:nvPr/>
+      </p:nvGrpSpPr>
+      <p:grpSpPr>
+        <a:xfrm>
+          <a:off x="0" y="0"/>
+          <a:ext cx="0" cy="0"/>
+          <a:chOff x="0" y="0"/>
+          <a:chExt cx="0" cy="0"/>
+        </a:xfrm>
+      </p:grpSpPr>
+      <p:sp>
+        <p:nvSpPr>
+          <p:cNvPr id="2" name="슬라이드 이미지 개체 틀 1"/>
+          <p:cNvSpPr>
+            <a:spLocks noGrp="1" noRot="1" noChangeAspect="1"/>
+          </p:cNvSpPr>
+          <p:nvPr>
+            <p:ph type="sldImg"/>
+          </p:nvPr>
+        </p:nvSpPr>
+        <p:spPr/>
+      </p:sp>
+      <p:sp>
+        <p:nvSpPr>
+          <p:cNvPr id="3" name="슬라이드 노트 개체 틀 2"/>
+          <p:cNvSpPr>
+            <a:spLocks noGrp="1"/>
+          </p:cNvSpPr>
+          <p:nvPr>
+            <p:ph type="body" idx="1"/>
+          </p:nvPr>
+        </p:nvSpPr>
+        <p:spPr/>
+        <p:txBody>
+          <a:bodyPr>
+            <a:normAutofit fontScale="25000" lnSpcReduction="20000"/>
+          </a:bodyPr>
+          <a:lstStyle/>
+          <a:p>
+            <a:r>
+              <a:rPr lang="ko-KR" altLang="ko-KR" sz="7200" dirty="0" smtClean="0"/>
+              <a:t>회원가입 화면 </a:t>
+            </a:r>
+          </a:p>
+          <a:p>
+            <a:pPr lvl="1"/>
+            <a:r>
+              <a:rPr lang="ko-KR" altLang="ko-KR" sz="7200" dirty="0" smtClean="0"/>
+              <a:t>정교한 통계를 위해 회원가입 시 아이디</a:t>
+            </a:r>
+            <a:r>
+              <a:rPr lang="en-US" altLang="ko-KR" sz="7200" dirty="0" smtClean="0"/>
+              <a:t>, </a:t>
+            </a:r>
+            <a:r>
+              <a:rPr lang="ko-KR" altLang="ko-KR" sz="7200" dirty="0" smtClean="0"/>
+              <a:t>비밀번호</a:t>
+            </a:r>
+            <a:r>
+              <a:rPr lang="en-US" altLang="ko-KR" sz="7200" dirty="0" smtClean="0"/>
+              <a:t>, </a:t>
+            </a:r>
+            <a:r>
+              <a:rPr lang="ko-KR" altLang="ko-KR" sz="7200" dirty="0" smtClean="0"/>
+              <a:t>만 나이</a:t>
+            </a:r>
+            <a:r>
+              <a:rPr lang="en-US" altLang="ko-KR" sz="7200" dirty="0" smtClean="0"/>
+              <a:t>, </a:t>
+            </a:r>
+            <a:r>
+              <a:rPr lang="ko-KR" altLang="ko-KR" sz="7200" dirty="0" err="1" smtClean="0"/>
+              <a:t>이메일</a:t>
+            </a:r>
+            <a:r>
+              <a:rPr lang="en-US" altLang="ko-KR" sz="7200" dirty="0" smtClean="0"/>
+              <a:t>, </a:t>
+            </a:r>
+            <a:r>
+              <a:rPr lang="ko-KR" altLang="ko-KR" sz="7200" dirty="0" smtClean="0"/>
+              <a:t>소속지역구</a:t>
+            </a:r>
+            <a:r>
+              <a:rPr lang="en-US" altLang="ko-KR" sz="7200" dirty="0" smtClean="0"/>
+              <a:t>, </a:t>
+            </a:r>
+            <a:r>
+              <a:rPr lang="ko-KR" altLang="ko-KR" sz="7200" dirty="0" smtClean="0"/>
+              <a:t>성별을 입력하도록 한다</a:t>
+            </a:r>
+            <a:r>
+              <a:rPr lang="en-US" altLang="ko-KR" sz="7200" dirty="0" smtClean="0"/>
+              <a:t>. </a:t>
+            </a:r>
+            <a:endParaRPr lang="ko-KR" altLang="ko-KR" sz="7200" dirty="0" smtClean="0"/>
+          </a:p>
+          <a:p>
+            <a:r>
+              <a:rPr lang="ko-KR" altLang="ko-KR" sz="7200" dirty="0" smtClean="0"/>
+              <a:t>로그인 화면</a:t>
+            </a:r>
+            <a:r>
+              <a:rPr lang="en-US" altLang="ko-KR" sz="7200" dirty="0" smtClean="0"/>
+              <a:t> </a:t>
+            </a:r>
+            <a:endParaRPr lang="ko-KR" altLang="ko-KR" sz="7200" dirty="0" smtClean="0"/>
+          </a:p>
+          <a:p>
+            <a:pPr lvl="1"/>
+            <a:r>
+              <a:rPr lang="ko-KR" altLang="ko-KR" sz="7200" dirty="0" smtClean="0"/>
+              <a:t>회원 가입과 </a:t>
+            </a:r>
+            <a:r>
+              <a:rPr lang="ko-KR" altLang="ko-KR" sz="7200" dirty="0" err="1" smtClean="0"/>
+              <a:t>로그인을</a:t>
+            </a:r>
+            <a:r>
+              <a:rPr lang="ko-KR" altLang="ko-KR" sz="7200" dirty="0" smtClean="0"/>
+              <a:t> 해야 투표 및 결과 조회를 할 수 있다</a:t>
+            </a:r>
+            <a:r>
+              <a:rPr lang="en-US" altLang="ko-KR" sz="7200" dirty="0" smtClean="0"/>
+              <a:t>. </a:t>
+            </a:r>
+            <a:endParaRPr lang="ko-KR" altLang="ko-KR" sz="7200" dirty="0" smtClean="0"/>
+          </a:p>
+          <a:p>
+            <a:r>
+              <a:rPr lang="ko-KR" altLang="ko-KR" sz="7200" dirty="0" smtClean="0"/>
+              <a:t>공지사항</a:t>
+            </a:r>
+            <a:r>
+              <a:rPr lang="en-US" altLang="ko-KR" sz="7200" dirty="0" smtClean="0"/>
+              <a:t> </a:t>
+            </a:r>
+            <a:endParaRPr lang="ko-KR" altLang="ko-KR" sz="7200" dirty="0" smtClean="0"/>
+          </a:p>
+          <a:p>
+            <a:pPr lvl="1"/>
+            <a:r>
+              <a:rPr lang="ko-KR" altLang="ko-KR" sz="7200" dirty="0" smtClean="0"/>
+              <a:t>전체 사용자에게 안내할 것이 있을 때 공지를 게시할 수 있다</a:t>
+            </a:r>
+            <a:r>
+              <a:rPr lang="en-US" altLang="ko-KR" sz="7200" dirty="0" smtClean="0"/>
+              <a:t>.   </a:t>
+            </a:r>
+            <a:endParaRPr lang="ko-KR" altLang="ko-KR" sz="7200" dirty="0" smtClean="0"/>
+          </a:p>
+          <a:p>
+            <a:r>
+              <a:rPr lang="ko-KR" altLang="ko-KR" sz="7200" dirty="0" smtClean="0"/>
+              <a:t>국회의원 검색하기</a:t>
+            </a:r>
+            <a:r>
+              <a:rPr lang="en-US" altLang="ko-KR" sz="7200" dirty="0" smtClean="0"/>
+              <a:t> </a:t>
+            </a:r>
+            <a:endParaRPr lang="ko-KR" altLang="ko-KR" sz="7200" dirty="0" smtClean="0"/>
+          </a:p>
+          <a:p>
+            <a:pPr lvl="1"/>
+            <a:r>
+              <a:rPr lang="ko-KR" altLang="ko-KR" sz="7200" dirty="0" smtClean="0"/>
+              <a:t>비례대표 의원과 지역구 의원으로 나눠서 검색할 수 있다</a:t>
+            </a:r>
+            <a:r>
+              <a:rPr lang="en-US" altLang="ko-KR" sz="7200" dirty="0" smtClean="0"/>
+              <a:t>. </a:t>
+            </a:r>
+            <a:endParaRPr lang="ko-KR" altLang="ko-KR" sz="7200" dirty="0" smtClean="0"/>
+          </a:p>
+          <a:p>
+            <a:r>
+              <a:rPr lang="ko-KR" altLang="ko-KR" sz="7200" dirty="0" smtClean="0"/>
+              <a:t>투표하기 </a:t>
+            </a:r>
+          </a:p>
+          <a:p>
+            <a:pPr lvl="1"/>
+            <a:r>
+              <a:rPr lang="ko-KR" altLang="ko-KR" sz="7200" dirty="0" smtClean="0"/>
+              <a:t>검색 결과를 조회한 후 좋아하는 의원에게 투표 할 수 있다</a:t>
+            </a:r>
+            <a:r>
+              <a:rPr lang="en-US" altLang="ko-KR" sz="7200" dirty="0" smtClean="0"/>
+              <a:t>. </a:t>
+            </a:r>
+            <a:endParaRPr lang="ko-KR" altLang="ko-KR" sz="7200" dirty="0" smtClean="0"/>
+          </a:p>
+          <a:p>
+            <a:r>
+              <a:rPr lang="ko-KR" altLang="ko-KR" sz="7200" dirty="0" smtClean="0"/>
+              <a:t>투표내역 보기</a:t>
+            </a:r>
+            <a:r>
+              <a:rPr lang="en-US" altLang="ko-KR" sz="7200" dirty="0" smtClean="0"/>
+              <a:t> </a:t>
+            </a:r>
+            <a:endParaRPr lang="ko-KR" altLang="ko-KR" sz="7200" dirty="0" smtClean="0"/>
+          </a:p>
+          <a:p>
+            <a:pPr lvl="1"/>
+            <a:r>
+              <a:rPr lang="ko-KR" altLang="ko-KR" sz="7200" dirty="0" smtClean="0"/>
+              <a:t>사용자 개인의 투표 결과를 조회할 수 있다</a:t>
+            </a:r>
+            <a:r>
+              <a:rPr lang="en-US" altLang="ko-KR" sz="7200" dirty="0" smtClean="0"/>
+              <a:t>. </a:t>
+            </a:r>
+            <a:r>
+              <a:rPr lang="ko-KR" altLang="ko-KR" sz="7200" dirty="0" smtClean="0"/>
+              <a:t>투표내역을 삭제할 수 있다</a:t>
+            </a:r>
+            <a:r>
+              <a:rPr lang="en-US" altLang="ko-KR" sz="7200" dirty="0" smtClean="0"/>
+              <a:t>. </a:t>
+            </a:r>
+            <a:r>
+              <a:rPr lang="ko-KR" altLang="ko-KR" sz="7200" dirty="0" smtClean="0"/>
+              <a:t>의원 한 명이 전체 사용자에게서 몇 표를 받았는지 확인 할 수 있다</a:t>
+            </a:r>
+            <a:r>
+              <a:rPr lang="en-US" altLang="ko-KR" sz="7200" dirty="0" smtClean="0"/>
+              <a:t>. </a:t>
+            </a:r>
+            <a:endParaRPr lang="ko-KR" altLang="ko-KR" sz="7200" dirty="0" smtClean="0"/>
+          </a:p>
+          <a:p>
+            <a:r>
+              <a:rPr lang="ko-KR" altLang="ko-KR" sz="7200" dirty="0" smtClean="0"/>
+              <a:t>통계</a:t>
+            </a:r>
+          </a:p>
+          <a:p>
+            <a:pPr lvl="1"/>
+            <a:r>
+              <a:rPr lang="ko-KR" altLang="ko-KR" sz="7200" dirty="0" smtClean="0"/>
+              <a:t>전체 사용자의 투표결과를 통계대상으로 한다</a:t>
+            </a:r>
+            <a:r>
+              <a:rPr lang="en-US" altLang="ko-KR" sz="7200" dirty="0" smtClean="0"/>
+              <a:t>. </a:t>
+            </a:r>
+            <a:r>
+              <a:rPr lang="ko-KR" altLang="ko-KR" sz="7200" dirty="0" err="1" smtClean="0"/>
+              <a:t>분류별로</a:t>
+            </a:r>
+            <a:r>
+              <a:rPr lang="ko-KR" altLang="ko-KR" sz="7200" dirty="0" smtClean="0"/>
+              <a:t> 인기순위를 확인 할 수 있다</a:t>
+            </a:r>
+            <a:r>
+              <a:rPr lang="en-US" altLang="ko-KR" sz="7200" dirty="0" smtClean="0"/>
+              <a:t>. </a:t>
+            </a:r>
+            <a:r>
+              <a:rPr lang="ko-KR" altLang="ko-KR" sz="7200" dirty="0" smtClean="0"/>
+              <a:t>분류종류는</a:t>
+            </a:r>
+            <a:r>
+              <a:rPr lang="en-US" altLang="ko-KR" sz="7200" dirty="0" smtClean="0"/>
+              <a:t> '</a:t>
+            </a:r>
+            <a:r>
+              <a:rPr lang="ko-KR" altLang="ko-KR" sz="7200" dirty="0" smtClean="0"/>
+              <a:t>전체에서</a:t>
+            </a:r>
+            <a:r>
+              <a:rPr lang="en-US" altLang="ko-KR" sz="7200" dirty="0" smtClean="0"/>
+              <a:t>', '</a:t>
+            </a:r>
+            <a:r>
+              <a:rPr lang="ko-KR" altLang="ko-KR" sz="7200" dirty="0" smtClean="0"/>
+              <a:t>남자 선호도</a:t>
+            </a:r>
+            <a:r>
+              <a:rPr lang="en-US" altLang="ko-KR" sz="7200" dirty="0" smtClean="0"/>
+              <a:t>', '</a:t>
+            </a:r>
+            <a:r>
+              <a:rPr lang="ko-KR" altLang="ko-KR" sz="7200" dirty="0" smtClean="0"/>
+              <a:t>여자 선호도</a:t>
+            </a:r>
+            <a:r>
+              <a:rPr lang="en-US" altLang="ko-KR" sz="7200" dirty="0" smtClean="0"/>
+              <a:t>' </a:t>
+            </a:r>
+            <a:r>
+              <a:rPr lang="ko-KR" altLang="ko-KR" sz="7200" dirty="0" smtClean="0"/>
+              <a:t>등이 있다</a:t>
+            </a:r>
+            <a:r>
+              <a:rPr lang="en-US" altLang="ko-KR" sz="7200" dirty="0" smtClean="0"/>
+              <a:t>.  </a:t>
+            </a:r>
+            <a:endParaRPr lang="ko-KR" altLang="ko-KR" sz="7200" dirty="0" smtClean="0"/>
+          </a:p>
+          <a:p>
+            <a:endParaRPr lang="ko-KR" altLang="en-US" dirty="0"/>
+          </a:p>
+        </p:txBody>
+      </p:sp>
+      <p:sp>
+        <p:nvSpPr>
+          <p:cNvPr id="4" name="슬라이드 번호 개체 틀 3"/>
+          <p:cNvSpPr>
+            <a:spLocks noGrp="1"/>
+          </p:cNvSpPr>
+          <p:nvPr>
+            <p:ph type="sldNum" sz="quarter" idx="10"/>
+          </p:nvPr>
+        </p:nvSpPr>
+        <p:spPr/>
+        <p:txBody>
+          <a:bodyPr/>
+          <a:lstStyle/>
+          <a:p>
+            <a:fld id="{B4C1CF2D-54E2-4B04-8FB6-5D65A06867E1}" type="slidenum">
+              <a:rPr lang="ko-KR" altLang="en-US" smtClean="0"/>
+              <a:pPr/>
+              <a:t>6</a:t>
+            </a:fld>
+            <a:endParaRPr lang="ko-KR" altLang="en-US"/>
+          </a:p>
+        </p:txBody>
+      </p:sp>
+    </p:spTree>
+  </p:cSld>
+  <p:clrMapOvr>
+    <a:masterClrMapping/>
+  </p:clrMapOvr>
+</p:notes>
+</file>
+
+<file path=ppt/notesSlides/notesSlide7.xml><?xml version="1.0" encoding="utf-8"?>
+<p:notes xmlns:a="http://schemas.openxmlformats.org/drawingml/2006/main" xmlns:r="http://schemas.openxmlformats.org/officeDocument/2006/relationships" xmlns:p="http://schemas.openxmlformats.org/presentationml/2006/main">
+  <p:cSld>
+    <p:spTree>
+      <p:nvGrpSpPr>
+        <p:cNvPr id="1" name=""/>
+        <p:cNvGrpSpPr/>
+        <p:nvPr/>
+      </p:nvGrpSpPr>
+      <p:grpSpPr>
+        <a:xfrm>
+          <a:off x="0" y="0"/>
+          <a:ext cx="0" cy="0"/>
+          <a:chOff x="0" y="0"/>
+          <a:chExt cx="0" cy="0"/>
+        </a:xfrm>
+      </p:grpSpPr>
+      <p:sp>
+        <p:nvSpPr>
+          <p:cNvPr id="2" name="슬라이드 이미지 개체 틀 1"/>
+          <p:cNvSpPr>
+            <a:spLocks noGrp="1" noRot="1" noChangeAspect="1"/>
+          </p:cNvSpPr>
+          <p:nvPr>
+            <p:ph type="sldImg"/>
+          </p:nvPr>
+        </p:nvSpPr>
+        <p:spPr/>
+      </p:sp>
+      <p:sp>
+        <p:nvSpPr>
+          <p:cNvPr id="3" name="슬라이드 노트 개체 틀 2"/>
+          <p:cNvSpPr>
+            <a:spLocks noGrp="1"/>
+          </p:cNvSpPr>
+          <p:nvPr>
+            <p:ph type="body" idx="1"/>
+          </p:nvPr>
+        </p:nvSpPr>
+        <p:spPr/>
+        <p:txBody>
+          <a:bodyPr>
+            <a:normAutofit/>
+          </a:bodyPr>
+          <a:lstStyle/>
+          <a:p>
+            <a:pPr marL="0" marR="0" indent="0" algn="l" defTabSz="914400" rtl="0" eaLnBrk="1" fontAlgn="auto" latinLnBrk="1" hangingPunct="1">
+              <a:lnSpc>
+                <a:spcPct val="100000"/>
+              </a:lnSpc>
+              <a:spcBef>
+                <a:spcPts val="0"/>
+              </a:spcBef>
+              <a:spcAft>
+                <a:spcPts val="0"/>
+              </a:spcAft>
+              <a:buClrTx/>
+              <a:buSzTx/>
+              <a:buFontTx/>
+              <a:buNone/>
+              <a:tabLst/>
+              <a:defRPr/>
+            </a:pPr>
+            <a:r>
+              <a:rPr lang="ko-KR" altLang="en-US" sz="1200" dirty="0" smtClean="0">
+                <a:latin typeface="Arial Unicode MS" pitchFamily="50" charset="-127"/>
+                <a:ea typeface="Arial Unicode MS" pitchFamily="50" charset="-127"/>
+                <a:cs typeface="Arial Unicode MS" pitchFamily="50" charset="-127"/>
+              </a:rPr>
+              <a:t>인기도 조사만이 목표는 아님 </a:t>
+            </a:r>
+            <a:endParaRPr lang="en-US" altLang="ko-KR" sz="1200" dirty="0" smtClean="0">
+              <a:latin typeface="Arial Unicode MS" pitchFamily="50" charset="-127"/>
+              <a:ea typeface="Arial Unicode MS" pitchFamily="50" charset="-127"/>
+              <a:cs typeface="Arial Unicode MS" pitchFamily="50" charset="-127"/>
+            </a:endParaRPr>
+          </a:p>
+          <a:p>
+            <a:endParaRPr lang="ko-KR" altLang="en-US" dirty="0"/>
+          </a:p>
+        </p:txBody>
+      </p:sp>
+      <p:sp>
+        <p:nvSpPr>
+          <p:cNvPr id="4" name="슬라이드 번호 개체 틀 3"/>
+          <p:cNvSpPr>
+            <a:spLocks noGrp="1"/>
+          </p:cNvSpPr>
+          <p:nvPr>
+            <p:ph type="sldNum" sz="quarter" idx="10"/>
+          </p:nvPr>
+        </p:nvSpPr>
+        <p:spPr/>
+        <p:txBody>
+          <a:bodyPr/>
+          <a:lstStyle/>
+          <a:p>
+            <a:fld id="{B4C1CF2D-54E2-4B04-8FB6-5D65A06867E1}" type="slidenum">
+              <a:rPr lang="ko-KR" altLang="en-US" smtClean="0"/>
+              <a:pPr/>
+              <a:t>8</a:t>
+            </a:fld>
+            <a:endParaRPr lang="ko-KR" altLang="en-US"/>
+          </a:p>
+        </p:txBody>
+      </p:sp>
+    </p:spTree>
+  </p:cSld>
+  <p:clrMapOvr>
+    <a:masterClrMapping/>
+  </p:clrMapOvr>
+</p:notes>
+</file>
+
+<file path=ppt/notesSlides/notesSlide8.xml><?xml version="1.0" encoding="utf-8"?>
+<p:notes xmlns:a="http://schemas.openxmlformats.org/drawingml/2006/main" xmlns:r="http://schemas.openxmlformats.org/officeDocument/2006/relationships" xmlns:p="http://schemas.openxmlformats.org/presentationml/2006/main">
+  <p:cSld>
+    <p:spTree>
+      <p:nvGrpSpPr>
+        <p:cNvPr id="1" name=""/>
+        <p:cNvGrpSpPr/>
+        <p:nvPr/>
+      </p:nvGrpSpPr>
+      <p:grpSpPr>
+        <a:xfrm>
+          <a:off x="0" y="0"/>
+          <a:ext cx="0" cy="0"/>
+          <a:chOff x="0" y="0"/>
+          <a:chExt cx="0" cy="0"/>
+        </a:xfrm>
+      </p:grpSpPr>
+      <p:sp>
+        <p:nvSpPr>
+          <p:cNvPr id="2" name="슬라이드 이미지 개체 틀 1"/>
+          <p:cNvSpPr>
+            <a:spLocks noGrp="1" noRot="1" noChangeAspect="1"/>
+          </p:cNvSpPr>
+          <p:nvPr>
+            <p:ph type="sldImg"/>
+          </p:nvPr>
+        </p:nvSpPr>
+        <p:spPr/>
+      </p:sp>
+      <p:sp>
+        <p:nvSpPr>
+          <p:cNvPr id="3" name="슬라이드 노트 개체 틀 2"/>
+          <p:cNvSpPr>
+            <a:spLocks noGrp="1"/>
+          </p:cNvSpPr>
+          <p:nvPr>
+            <p:ph type="body" idx="1"/>
+          </p:nvPr>
+        </p:nvSpPr>
+        <p:spPr/>
+        <p:txBody>
+          <a:bodyPr>
+            <a:normAutofit/>
+          </a:bodyPr>
+          <a:lstStyle/>
+          <a:p>
+            <a:r>
+              <a:rPr lang="en-US" altLang="ko-KR" sz="1200" kern="1200" dirty="0" smtClean="0">
+                <a:solidFill>
+                  <a:schemeClr val="tx1"/>
+                </a:solidFill>
+                <a:latin typeface="+mn-lt"/>
+                <a:ea typeface="+mn-ea"/>
+                <a:cs typeface="+mn-cs"/>
+              </a:rPr>
+              <a:t>pc </a:t>
+            </a:r>
+            <a:r>
+              <a:rPr lang="ko-KR" altLang="en-US" sz="1200" kern="1200" dirty="0" smtClean="0">
+                <a:solidFill>
+                  <a:schemeClr val="tx1"/>
+                </a:solidFill>
+                <a:latin typeface="+mn-lt"/>
+                <a:ea typeface="+mn-ea"/>
+                <a:cs typeface="+mn-cs"/>
+              </a:rPr>
+              <a:t>버전</a:t>
+            </a:r>
+            <a:r>
+              <a:rPr lang="en-US" altLang="ko-KR" sz="1200" kern="1200" dirty="0" smtClean="0">
+                <a:solidFill>
+                  <a:schemeClr val="tx1"/>
+                </a:solidFill>
+                <a:latin typeface="+mn-lt"/>
+                <a:ea typeface="+mn-ea"/>
+                <a:cs typeface="+mn-cs"/>
+              </a:rPr>
+              <a:t>(</a:t>
+            </a:r>
+            <a:r>
+              <a:rPr lang="ko-KR" altLang="en-US" sz="1200" kern="1200" dirty="0" err="1" smtClean="0">
+                <a:solidFill>
+                  <a:schemeClr val="tx1"/>
+                </a:solidFill>
+                <a:latin typeface="+mn-lt"/>
+                <a:ea typeface="+mn-ea"/>
+                <a:cs typeface="+mn-cs"/>
+              </a:rPr>
+              <a:t>모바일</a:t>
+            </a:r>
+            <a:r>
+              <a:rPr lang="ko-KR" altLang="en-US" sz="1200" kern="1200" dirty="0" smtClean="0">
+                <a:solidFill>
+                  <a:schemeClr val="tx1"/>
+                </a:solidFill>
+                <a:latin typeface="+mn-lt"/>
+                <a:ea typeface="+mn-ea"/>
+                <a:cs typeface="+mn-cs"/>
+              </a:rPr>
+              <a:t> 운영체제와 무관하게 이용</a:t>
+            </a:r>
+            <a:r>
+              <a:rPr lang="en-US" altLang="ko-KR" sz="1200" kern="1200" dirty="0" smtClean="0">
+                <a:solidFill>
+                  <a:schemeClr val="tx1"/>
+                </a:solidFill>
+                <a:latin typeface="+mn-lt"/>
+                <a:ea typeface="+mn-ea"/>
+                <a:cs typeface="+mn-cs"/>
+              </a:rPr>
+              <a:t>, </a:t>
+            </a:r>
+            <a:r>
+              <a:rPr lang="ko-KR" altLang="en-US" sz="1200" kern="1200" dirty="0" smtClean="0">
+                <a:solidFill>
+                  <a:schemeClr val="tx1"/>
+                </a:solidFill>
+                <a:latin typeface="+mn-lt"/>
+                <a:ea typeface="+mn-ea"/>
+                <a:cs typeface="+mn-cs"/>
+              </a:rPr>
+              <a:t>큰 화면</a:t>
+            </a:r>
+            <a:r>
+              <a:rPr lang="en-US" altLang="ko-KR" sz="1200" kern="1200" dirty="0" smtClean="0">
+                <a:solidFill>
+                  <a:schemeClr val="tx1"/>
+                </a:solidFill>
+                <a:latin typeface="+mn-lt"/>
+                <a:ea typeface="+mn-ea"/>
+                <a:cs typeface="+mn-cs"/>
+              </a:rPr>
+              <a:t>)</a:t>
+            </a:r>
+            <a:r>
+              <a:rPr lang="ko-KR" altLang="ko-KR" sz="1200" dirty="0" smtClean="0"/>
+              <a:t> 현직 교육감</a:t>
+            </a:r>
+            <a:r>
+              <a:rPr lang="en-US" altLang="ko-KR" sz="1200" dirty="0" smtClean="0"/>
+              <a:t>, </a:t>
+            </a:r>
+            <a:r>
+              <a:rPr lang="ko-KR" altLang="ko-KR" sz="1200" dirty="0" smtClean="0"/>
+              <a:t>시도지사</a:t>
+            </a:r>
+            <a:r>
+              <a:rPr lang="en-US" altLang="ko-KR" sz="1200" dirty="0" smtClean="0"/>
+              <a:t>, </a:t>
+            </a:r>
+            <a:r>
+              <a:rPr lang="ko-KR" altLang="ko-KR" sz="1200" dirty="0" smtClean="0"/>
+              <a:t>구</a:t>
+            </a:r>
+            <a:r>
+              <a:rPr lang="ko-KR" altLang="en-US" sz="1200" dirty="0" smtClean="0"/>
+              <a:t>청장</a:t>
+            </a:r>
+            <a:r>
+              <a:rPr lang="ko-KR" altLang="ko-KR" sz="1200" dirty="0" smtClean="0"/>
+              <a:t>시</a:t>
+            </a:r>
+            <a:r>
+              <a:rPr lang="ko-KR" altLang="en-US" sz="1200" dirty="0" smtClean="0"/>
+              <a:t>장</a:t>
+            </a:r>
+            <a:r>
+              <a:rPr lang="ko-KR" altLang="ko-KR" sz="1200" dirty="0" smtClean="0"/>
+              <a:t>군</a:t>
+            </a:r>
+            <a:r>
+              <a:rPr lang="ko-KR" altLang="en-US" sz="1200" dirty="0" smtClean="0"/>
+              <a:t>수</a:t>
+            </a:r>
+            <a:r>
+              <a:rPr lang="ko-KR" altLang="ko-KR" sz="1200" dirty="0" smtClean="0"/>
+              <a:t> 인기도 조사로 확대</a:t>
+            </a:r>
+            <a:endParaRPr lang="en-US" altLang="ko-KR" sz="1200" dirty="0" smtClean="0"/>
+          </a:p>
+          <a:p>
+            <a:r>
+              <a:rPr lang="ko-KR" altLang="ko-KR" sz="1200" dirty="0" smtClean="0"/>
+              <a:t>의원의 공식사이트 링크</a:t>
+            </a:r>
+            <a:r>
+              <a:rPr lang="en-US" altLang="ko-KR" sz="1200" dirty="0" smtClean="0"/>
+              <a:t>, SNS </a:t>
+            </a:r>
+            <a:r>
+              <a:rPr lang="ko-KR" altLang="ko-KR" sz="1200" dirty="0" smtClean="0"/>
+              <a:t>계정 링크</a:t>
+            </a:r>
+            <a:r>
+              <a:rPr lang="en-US" altLang="ko-KR" sz="1200" dirty="0" smtClean="0"/>
+              <a:t>, </a:t>
+            </a:r>
+            <a:r>
+              <a:rPr lang="ko-KR" altLang="ko-KR" sz="1200" dirty="0" smtClean="0"/>
+              <a:t>전과 기록 조회 추가 </a:t>
+            </a:r>
+            <a:r>
+              <a:rPr lang="en-US" altLang="ko-KR" sz="1200" dirty="0" smtClean="0"/>
+              <a:t>  </a:t>
+            </a:r>
+            <a:endParaRPr lang="ko-KR" altLang="ko-KR" sz="1200" dirty="0" smtClean="0"/>
+          </a:p>
+          <a:p>
+            <a:r>
+              <a:rPr lang="en-US" altLang="ko-KR" sz="1200" dirty="0" smtClean="0"/>
+              <a:t>6</a:t>
+            </a:r>
+            <a:r>
+              <a:rPr lang="ko-KR" altLang="ko-KR" sz="1200" dirty="0" smtClean="0"/>
+              <a:t>월 </a:t>
+            </a:r>
+            <a:r>
+              <a:rPr lang="en-US" altLang="ko-KR" sz="1200" dirty="0" smtClean="0"/>
+              <a:t>13</a:t>
+            </a:r>
+            <a:r>
+              <a:rPr lang="ko-KR" altLang="ko-KR" sz="1200" dirty="0" smtClean="0"/>
+              <a:t>일 지방선거의 </a:t>
+            </a:r>
+            <a:r>
+              <a:rPr lang="en-US" altLang="ko-KR" sz="1200" dirty="0" smtClean="0"/>
+              <a:t>(</a:t>
+            </a:r>
+            <a:r>
+              <a:rPr lang="ko-KR" altLang="ko-KR" sz="1200" dirty="0" smtClean="0"/>
+              <a:t>예비</a:t>
+            </a:r>
+            <a:r>
+              <a:rPr lang="en-US" altLang="ko-KR" sz="1200" dirty="0" smtClean="0"/>
+              <a:t>)</a:t>
+            </a:r>
+            <a:r>
+              <a:rPr lang="ko-KR" altLang="ko-KR" sz="1200" dirty="0" smtClean="0"/>
+              <a:t>후보들의 </a:t>
+            </a:r>
+            <a:r>
+              <a:rPr lang="ko-KR" altLang="ko-KR" sz="1200" dirty="0" err="1" smtClean="0"/>
+              <a:t>인기도를</a:t>
+            </a:r>
+            <a:r>
+              <a:rPr lang="ko-KR" altLang="ko-KR" sz="1200" dirty="0" smtClean="0"/>
+              <a:t> 조사하는 애플리케이션으로 변형할 수 있다</a:t>
+            </a:r>
+            <a:r>
+              <a:rPr lang="en-US" altLang="ko-KR" sz="1200" dirty="0" smtClean="0"/>
+              <a:t>. </a:t>
+            </a:r>
+            <a:r>
+              <a:rPr lang="ko-KR" altLang="ko-KR" sz="1200" dirty="0" smtClean="0"/>
+              <a:t>단</a:t>
+            </a:r>
+            <a:r>
+              <a:rPr lang="en-US" altLang="ko-KR" sz="1200" dirty="0" smtClean="0"/>
+              <a:t>, </a:t>
+            </a:r>
+            <a:r>
+              <a:rPr lang="ko-KR" altLang="ko-KR" sz="1200" dirty="0" smtClean="0"/>
+              <a:t>출시할 때는 선거법 위반</a:t>
+            </a:r>
+            <a:r>
+              <a:rPr lang="en-US" altLang="ko-KR" sz="1200" dirty="0" smtClean="0"/>
+              <a:t>(</a:t>
+            </a:r>
+            <a:r>
+              <a:rPr lang="ko-KR" altLang="ko-KR" sz="1200" dirty="0" smtClean="0"/>
+              <a:t>선거운동</a:t>
+            </a:r>
+            <a:r>
+              <a:rPr lang="en-US" altLang="ko-KR" sz="1200" dirty="0" smtClean="0"/>
+              <a:t>)</a:t>
+            </a:r>
+            <a:r>
+              <a:rPr lang="ko-KR" altLang="ko-KR" sz="1200" dirty="0" smtClean="0"/>
+              <a:t>에 유의하여야 한다</a:t>
+            </a:r>
+            <a:r>
+              <a:rPr lang="en-US" altLang="ko-KR" sz="1200" dirty="0" smtClean="0"/>
+              <a:t>.</a:t>
+            </a:r>
+          </a:p>
+          <a:p>
+            <a:endParaRPr lang="ko-KR" altLang="en-US" dirty="0"/>
+          </a:p>
+        </p:txBody>
+      </p:sp>
+      <p:sp>
+        <p:nvSpPr>
+          <p:cNvPr id="4" name="슬라이드 번호 개체 틀 3"/>
+          <p:cNvSpPr>
+            <a:spLocks noGrp="1"/>
+          </p:cNvSpPr>
+          <p:nvPr>
+            <p:ph type="sldNum" sz="quarter" idx="10"/>
+          </p:nvPr>
+        </p:nvSpPr>
+        <p:spPr/>
+        <p:txBody>
+          <a:bodyPr/>
+          <a:lstStyle/>
+          <a:p>
+            <a:fld id="{B4C1CF2D-54E2-4B04-8FB6-5D65A06867E1}" type="slidenum">
+              <a:rPr lang="ko-KR" altLang="en-US" smtClean="0"/>
+              <a:pPr/>
+              <a:t>9</a:t>
+            </a:fld>
+            <a:endParaRPr lang="ko-KR" altLang="en-US"/>
+          </a:p>
+        </p:txBody>
+      </p:sp>
+    </p:spTree>
+  </p:cSld>
+  <p:clrMapOvr>
+    <a:masterClrMapping/>
+  </p:clrMapOvr>
+</p:notes>
+</file>
+
+<file path=ppt/notesSlides/notesSlide9.xml><?xml version="1.0" encoding="utf-8"?>
+<p:notes xmlns:a="http://schemas.openxmlformats.org/drawingml/2006/main" xmlns:r="http://schemas.openxmlformats.org/officeDocument/2006/relationships" xmlns:p="http://schemas.openxmlformats.org/presentationml/2006/main">
+  <p:cSld>
+    <p:spTree>
+      <p:nvGrpSpPr>
+        <p:cNvPr id="1" name=""/>
+        <p:cNvGrpSpPr/>
+        <p:nvPr/>
+      </p:nvGrpSpPr>
+      <p:grpSpPr>
+        <a:xfrm>
+          <a:off x="0" y="0"/>
+          <a:ext cx="0" cy="0"/>
+          <a:chOff x="0" y="0"/>
+          <a:chExt cx="0" cy="0"/>
+        </a:xfrm>
+      </p:grpSpPr>
+      <p:sp>
+        <p:nvSpPr>
+          <p:cNvPr id="2" name="슬라이드 이미지 개체 틀 1"/>
+          <p:cNvSpPr>
+            <a:spLocks noGrp="1" noRot="1" noChangeAspect="1"/>
+          </p:cNvSpPr>
+          <p:nvPr>
+            <p:ph type="sldImg"/>
+          </p:nvPr>
+        </p:nvSpPr>
+        <p:spPr/>
+      </p:sp>
+      <p:sp>
+        <p:nvSpPr>
+          <p:cNvPr id="3" name="슬라이드 노트 개체 틀 2"/>
+          <p:cNvSpPr>
+            <a:spLocks noGrp="1"/>
+          </p:cNvSpPr>
+          <p:nvPr>
+            <p:ph type="body" idx="1"/>
+          </p:nvPr>
+        </p:nvSpPr>
+        <p:spPr/>
+        <p:txBody>
+          <a:bodyPr>
+            <a:normAutofit/>
+          </a:bodyPr>
+          <a:lstStyle/>
+          <a:p>
+            <a:pPr marL="0" marR="0" indent="0" algn="l" defTabSz="914400" rtl="0" eaLnBrk="1" fontAlgn="auto" latinLnBrk="1" hangingPunct="1">
+              <a:lnSpc>
+                <a:spcPct val="100000"/>
+              </a:lnSpc>
+              <a:spcBef>
+                <a:spcPts val="0"/>
+              </a:spcBef>
+              <a:spcAft>
+                <a:spcPts val="0"/>
+              </a:spcAft>
+              <a:buClrTx/>
+              <a:buSzTx/>
+              <a:buFontTx/>
+              <a:buNone/>
+              <a:tabLst/>
+              <a:defRPr/>
+            </a:pPr>
+            <a:r>
+              <a:rPr lang="en-US" altLang="ko-KR" dirty="0" smtClean="0"/>
+              <a:t>3. </a:t>
+            </a:r>
+            <a:r>
+              <a:rPr lang="ko-KR" altLang="en-US" dirty="0" smtClean="0"/>
+              <a:t>비밀번호 암호화는 어떻게</a:t>
+            </a:r>
+            <a:r>
+              <a:rPr lang="en-US" altLang="ko-KR" dirty="0" smtClean="0"/>
+              <a:t>? (upon question)</a:t>
+            </a:r>
+          </a:p>
+          <a:p>
+            <a:pPr>
+              <a:buNone/>
+            </a:pPr>
+            <a:endParaRPr lang="en-US" altLang="ko-KR" dirty="0" smtClean="0"/>
+          </a:p>
+          <a:p>
+            <a:pPr>
+              <a:buNone/>
+            </a:pPr>
+            <a:endParaRPr lang="en-US" altLang="ko-KR" dirty="0" smtClean="0"/>
+          </a:p>
+          <a:p>
+            <a:pPr>
+              <a:buNone/>
+            </a:pPr>
+            <a:r>
+              <a:rPr lang="en-US" altLang="ko-KR" dirty="0" smtClean="0"/>
+              <a:t>2. </a:t>
+            </a:r>
+            <a:r>
+              <a:rPr lang="ko-KR" altLang="en-US" dirty="0" smtClean="0"/>
+              <a:t>참고한 강의와 다른 점은</a:t>
+            </a:r>
+            <a:r>
+              <a:rPr lang="en-US" altLang="ko-KR" dirty="0" smtClean="0"/>
+              <a:t>? </a:t>
+            </a:r>
+          </a:p>
+          <a:p>
+            <a:pPr lvl="1"/>
+            <a:r>
+              <a:rPr lang="ko-KR" altLang="en-US" sz="2600" dirty="0" smtClean="0"/>
+              <a:t>시간표 기능 삭제</a:t>
+            </a:r>
+            <a:endParaRPr lang="en-US" altLang="ko-KR" sz="2600" dirty="0" smtClean="0"/>
+          </a:p>
+          <a:p>
+            <a:pPr lvl="1"/>
+            <a:r>
+              <a:rPr lang="en-US" altLang="ko-KR" sz="2600" dirty="0" smtClean="0"/>
+              <a:t> </a:t>
+            </a:r>
+            <a:r>
+              <a:rPr lang="ko-KR" altLang="en-US" sz="2600" dirty="0" smtClean="0"/>
+              <a:t>통계 </a:t>
+            </a:r>
+            <a:r>
+              <a:rPr lang="en-US" altLang="ko-KR" sz="2600" dirty="0" smtClean="0"/>
+              <a:t>fragment </a:t>
+            </a:r>
+            <a:r>
+              <a:rPr lang="ko-KR" altLang="en-US" sz="2600" dirty="0" smtClean="0"/>
+              <a:t>에 신청한 강의목록과 인기순위가 같이 있었으나 투표한 정치인은 </a:t>
+            </a:r>
+            <a:r>
+              <a:rPr lang="en-US" altLang="ko-KR" sz="2600" dirty="0" smtClean="0"/>
+              <a:t>‘</a:t>
+            </a:r>
+            <a:r>
+              <a:rPr lang="ko-KR" altLang="en-US" sz="2600" dirty="0" smtClean="0"/>
+              <a:t>투표내역</a:t>
+            </a:r>
+            <a:r>
+              <a:rPr lang="en-US" altLang="ko-KR" sz="2600" dirty="0" smtClean="0"/>
+              <a:t>’</a:t>
+            </a:r>
+            <a:r>
+              <a:rPr lang="ko-KR" altLang="en-US" sz="2600" dirty="0" smtClean="0"/>
+              <a:t> </a:t>
+            </a:r>
+            <a:r>
+              <a:rPr lang="en-US" altLang="ko-KR" sz="2600" dirty="0" smtClean="0"/>
+              <a:t>fragment </a:t>
+            </a:r>
+            <a:r>
+              <a:rPr lang="ko-KR" altLang="en-US" sz="2600" dirty="0" smtClean="0"/>
+              <a:t>로</a:t>
+            </a:r>
+            <a:r>
+              <a:rPr lang="en-US" altLang="ko-KR" sz="2600" dirty="0" smtClean="0"/>
+              <a:t>, </a:t>
+            </a:r>
+            <a:r>
+              <a:rPr lang="ko-KR" altLang="en-US" sz="2600" dirty="0" smtClean="0"/>
+              <a:t>인기순위는 </a:t>
+            </a:r>
+            <a:r>
+              <a:rPr lang="en-US" altLang="ko-KR" sz="2600" dirty="0" smtClean="0"/>
+              <a:t>‘</a:t>
+            </a:r>
+            <a:r>
+              <a:rPr lang="ko-KR" altLang="en-US" sz="2600" dirty="0" smtClean="0"/>
+              <a:t>통계</a:t>
+            </a:r>
+            <a:r>
+              <a:rPr lang="en-US" altLang="ko-KR" sz="2600" dirty="0" smtClean="0"/>
+              <a:t>’</a:t>
+            </a:r>
+            <a:r>
+              <a:rPr lang="ko-KR" altLang="en-US" sz="2600" dirty="0" smtClean="0"/>
+              <a:t> </a:t>
+            </a:r>
+            <a:r>
+              <a:rPr lang="en-US" altLang="ko-KR" sz="2600" dirty="0" smtClean="0"/>
+              <a:t>fragment</a:t>
+            </a:r>
+            <a:r>
+              <a:rPr lang="ko-KR" altLang="en-US" sz="2600" dirty="0" smtClean="0"/>
+              <a:t>로 분할</a:t>
+            </a:r>
+            <a:r>
+              <a:rPr lang="en-US" altLang="ko-KR" sz="2600" dirty="0" smtClean="0"/>
+              <a:t>.</a:t>
+            </a:r>
+          </a:p>
+          <a:p>
+            <a:pPr lvl="1"/>
+            <a:r>
+              <a:rPr lang="ko-KR" altLang="en-US" sz="2600" dirty="0" smtClean="0"/>
+              <a:t>강의경쟁률 삭제</a:t>
+            </a:r>
+            <a:r>
+              <a:rPr lang="en-US" altLang="ko-KR" sz="2600" dirty="0" smtClean="0"/>
+              <a:t>, </a:t>
+            </a:r>
+            <a:r>
+              <a:rPr lang="ko-KR" altLang="en-US" sz="2600" dirty="0" smtClean="0"/>
+              <a:t>통계분류변경</a:t>
+            </a:r>
+            <a:r>
+              <a:rPr lang="en-US" altLang="ko-KR" sz="2600" dirty="0" smtClean="0"/>
+              <a:t>, PHP </a:t>
+            </a:r>
+            <a:r>
+              <a:rPr lang="ko-KR" altLang="en-US" sz="2600" dirty="0" smtClean="0"/>
+              <a:t>파일 변경</a:t>
+            </a:r>
+            <a:r>
+              <a:rPr lang="en-US" altLang="ko-KR" sz="2600" dirty="0" smtClean="0"/>
+              <a:t>, DB </a:t>
+            </a:r>
+            <a:r>
+              <a:rPr lang="ko-KR" altLang="en-US" sz="2600" dirty="0" smtClean="0"/>
+              <a:t>테이블 변경</a:t>
+            </a:r>
+            <a:endParaRPr lang="en-US" altLang="ko-KR" sz="2600" dirty="0" smtClean="0"/>
+          </a:p>
+          <a:p>
+            <a:endParaRPr lang="ko-KR" altLang="en-US" dirty="0"/>
+          </a:p>
+        </p:txBody>
+      </p:sp>
+      <p:sp>
+        <p:nvSpPr>
+          <p:cNvPr id="4" name="슬라이드 번호 개체 틀 3"/>
+          <p:cNvSpPr>
+            <a:spLocks noGrp="1"/>
+          </p:cNvSpPr>
+          <p:nvPr>
+            <p:ph type="sldNum" sz="quarter" idx="10"/>
+          </p:nvPr>
+        </p:nvSpPr>
+        <p:spPr/>
+        <p:txBody>
+          <a:bodyPr/>
+          <a:lstStyle/>
+          <a:p>
+            <a:fld id="{B4C1CF2D-54E2-4B04-8FB6-5D65A06867E1}" type="slidenum">
+              <a:rPr lang="ko-KR" altLang="en-US" smtClean="0"/>
+              <a:pPr/>
+              <a:t>10</a:t>
             </a:fld>
             <a:endParaRPr lang="ko-KR" altLang="en-US"/>
           </a:p>
@@ -1172,7 +2441,7 @@
             <a:fld id="{E1A164FF-BACE-4820-ACED-A48F1A47FB70}" type="datetimeFigureOut">
               <a:rPr lang="ko-KR" altLang="en-US" smtClean="0"/>
               <a:pPr/>
-              <a:t>2018-03-10</a:t>
+              <a:t>2018-03-29</a:t>
             </a:fld>
             <a:endParaRPr lang="ko-KR" altLang="en-US"/>
           </a:p>
@@ -1339,7 +2608,7 @@
             <a:fld id="{E1A164FF-BACE-4820-ACED-A48F1A47FB70}" type="datetimeFigureOut">
               <a:rPr lang="ko-KR" altLang="en-US" smtClean="0"/>
               <a:pPr/>
-              <a:t>2018-03-10</a:t>
+              <a:t>2018-03-29</a:t>
             </a:fld>
             <a:endParaRPr lang="ko-KR" altLang="en-US"/>
           </a:p>
@@ -1516,7 +2785,7 @@
             <a:fld id="{E1A164FF-BACE-4820-ACED-A48F1A47FB70}" type="datetimeFigureOut">
               <a:rPr lang="ko-KR" altLang="en-US" smtClean="0"/>
               <a:pPr/>
-              <a:t>2018-03-10</a:t>
+              <a:t>2018-03-29</a:t>
             </a:fld>
             <a:endParaRPr lang="ko-KR" altLang="en-US"/>
           </a:p>
@@ -2271,7 +3540,7 @@
             <a:fld id="{E1A164FF-BACE-4820-ACED-A48F1A47FB70}" type="datetimeFigureOut">
               <a:rPr lang="ko-KR" altLang="en-US" smtClean="0"/>
               <a:pPr/>
-              <a:t>2018-03-10</a:t>
+              <a:t>2018-03-29</a:t>
             </a:fld>
             <a:endParaRPr lang="ko-KR" altLang="en-US"/>
           </a:p>
@@ -2514,7 +3783,7 @@
             <a:fld id="{E1A164FF-BACE-4820-ACED-A48F1A47FB70}" type="datetimeFigureOut">
               <a:rPr lang="ko-KR" altLang="en-US" smtClean="0"/>
               <a:pPr/>
-              <a:t>2018-03-10</a:t>
+              <a:t>2018-03-29</a:t>
             </a:fld>
             <a:endParaRPr lang="ko-KR" altLang="en-US"/>
           </a:p>
@@ -2799,7 +4068,7 @@
             <a:fld id="{E1A164FF-BACE-4820-ACED-A48F1A47FB70}" type="datetimeFigureOut">
               <a:rPr lang="ko-KR" altLang="en-US" smtClean="0"/>
               <a:pPr/>
-              <a:t>2018-03-10</a:t>
+              <a:t>2018-03-29</a:t>
             </a:fld>
             <a:endParaRPr lang="ko-KR" altLang="en-US"/>
           </a:p>
@@ -3218,7 +4487,7 @@
             <a:fld id="{E1A164FF-BACE-4820-ACED-A48F1A47FB70}" type="datetimeFigureOut">
               <a:rPr lang="ko-KR" altLang="en-US" smtClean="0"/>
               <a:pPr/>
-              <a:t>2018-03-10</a:t>
+              <a:t>2018-03-29</a:t>
             </a:fld>
             <a:endParaRPr lang="ko-KR" altLang="en-US"/>
           </a:p>
@@ -3333,7 +4602,7 @@
             <a:fld id="{E1A164FF-BACE-4820-ACED-A48F1A47FB70}" type="datetimeFigureOut">
               <a:rPr lang="ko-KR" altLang="en-US" smtClean="0"/>
               <a:pPr/>
-              <a:t>2018-03-10</a:t>
+              <a:t>2018-03-29</a:t>
             </a:fld>
             <a:endParaRPr lang="ko-KR" altLang="en-US"/>
           </a:p>
@@ -3425,7 +4694,7 @@
             <a:fld id="{E1A164FF-BACE-4820-ACED-A48F1A47FB70}" type="datetimeFigureOut">
               <a:rPr lang="ko-KR" altLang="en-US" smtClean="0"/>
               <a:pPr/>
-              <a:t>2018-03-10</a:t>
+              <a:t>2018-03-29</a:t>
             </a:fld>
             <a:endParaRPr lang="ko-KR" altLang="en-US"/>
           </a:p>
@@ -3699,7 +4968,7 @@
             <a:fld id="{E1A164FF-BACE-4820-ACED-A48F1A47FB70}" type="datetimeFigureOut">
               <a:rPr lang="ko-KR" altLang="en-US" smtClean="0"/>
               <a:pPr/>
-              <a:t>2018-03-10</a:t>
+              <a:t>2018-03-29</a:t>
             </a:fld>
             <a:endParaRPr lang="ko-KR" altLang="en-US"/>
           </a:p>
@@ -3949,7 +5218,7 @@
             <a:fld id="{E1A164FF-BACE-4820-ACED-A48F1A47FB70}" type="datetimeFigureOut">
               <a:rPr lang="ko-KR" altLang="en-US" smtClean="0"/>
               <a:pPr/>
-              <a:t>2018-03-10</a:t>
+              <a:t>2018-03-29</a:t>
             </a:fld>
             <a:endParaRPr lang="ko-KR" altLang="en-US"/>
           </a:p>
@@ -4159,7 +5428,7 @@
             <a:fld id="{E1A164FF-BACE-4820-ACED-A48F1A47FB70}" type="datetimeFigureOut">
               <a:rPr lang="ko-KR" altLang="en-US" smtClean="0"/>
               <a:pPr/>
-              <a:t>2018-03-10</a:t>
+              <a:t>2018-03-29</a:t>
             </a:fld>
             <a:endParaRPr lang="ko-KR" altLang="en-US"/>
           </a:p>
@@ -4822,7 +6091,6 @@
               <a:rPr lang="en-US" altLang="ko-KR" sz="8000" dirty="0" smtClean="0"/>
               <a:t>heesunleecs@gmail.com</a:t>
             </a:r>
-            <a:endParaRPr lang="en-US" altLang="ko-KR" sz="8000" dirty="0" smtClean="0"/>
           </a:p>
           <a:p>
             <a:pPr lvl="0"/>
@@ -4832,11 +6100,7 @@
             <a:pPr lvl="0"/>
             <a:r>
               <a:rPr lang="en-US" altLang="ko-KR" sz="24000" dirty="0" smtClean="0"/>
-              <a:t>Politico </a:t>
-            </a:r>
-            <a:r>
-              <a:rPr lang="en-US" altLang="ko-KR" sz="24000" dirty="0" smtClean="0"/>
-              <a:t>Review</a:t>
+              <a:t>Politico Review</a:t>
             </a:r>
             <a:endParaRPr sz="24000" dirty="0" smtClean="0"/>
           </a:p>
@@ -4891,7 +6155,7 @@
           <a:p>
             <a:r>
               <a:rPr lang="en-US" altLang="ko-KR" dirty="0" smtClean="0"/>
-              <a:t>Q &amp; A</a:t>
+              <a:t>9. Q &amp; A</a:t>
             </a:r>
             <a:endParaRPr lang="ko-KR" altLang="en-US" dirty="0"/>
           </a:p>
@@ -4910,7 +6174,7 @@
         <p:spPr/>
         <p:txBody>
           <a:bodyPr>
-            <a:normAutofit fontScale="92500" lnSpcReduction="10000"/>
+            <a:normAutofit/>
           </a:bodyPr>
           <a:lstStyle/>
           <a:p>
@@ -4918,10 +6182,6 @@
               <a:buNone/>
             </a:pPr>
             <a:r>
-              <a:rPr lang="en-US" altLang="ko-KR" dirty="0" smtClean="0"/>
-              <a:t>1. </a:t>
-            </a:r>
-            <a:r>
               <a:rPr lang="ko-KR" altLang="en-US" dirty="0" smtClean="0"/>
               <a:t>왜 혼자 했는가</a:t>
             </a:r>
@@ -4931,176 +6191,49 @@
             </a:r>
           </a:p>
           <a:p>
-            <a:pPr lvl="1"/>
+            <a:pPr lvl="1">
+              <a:buFont typeface="Symbol"/>
+              <a:buChar char="Þ"/>
+            </a:pPr>
             <a:r>
               <a:rPr lang="ko-KR" altLang="en-US" dirty="0" smtClean="0"/>
-              <a:t>팀원을 못 구했습니다</a:t>
+              <a:t>팀원을 </a:t>
+            </a:r>
+            <a:r>
+              <a:rPr lang="ko-KR" altLang="en-US" dirty="0" smtClean="0"/>
+              <a:t>못 구했습니다</a:t>
             </a:r>
             <a:r>
               <a:rPr lang="en-US" altLang="ko-KR" dirty="0" smtClean="0"/>
-              <a:t>. </a:t>
-            </a:r>
-          </a:p>
-          <a:p>
-            <a:pPr>
+              <a:t>.</a:t>
+            </a:r>
+          </a:p>
+          <a:p>
+            <a:pPr lvl="1">
               <a:buNone/>
             </a:pPr>
+            <a:endParaRPr lang="en-US" altLang="ko-KR" dirty="0" smtClean="0"/>
+          </a:p>
+          <a:p>
+            <a:pPr lvl="1">
+              <a:buNone/>
+            </a:pPr>
             <a:r>
               <a:rPr lang="en-US" altLang="ko-KR" dirty="0" smtClean="0"/>
-              <a:t>2. </a:t>
-            </a:r>
-            <a:r>
-              <a:rPr lang="ko-KR" altLang="en-US" dirty="0" smtClean="0"/>
-              <a:t>참고한 강의와 다른 점은</a:t>
-            </a:r>
-            <a:r>
-              <a:rPr lang="en-US" altLang="ko-KR" dirty="0" smtClean="0"/>
-              <a:t>? </a:t>
-            </a:r>
-          </a:p>
-          <a:p>
-            <a:pPr lvl="1"/>
-            <a:r>
-              <a:rPr lang="ko-KR" altLang="en-US" sz="2600" dirty="0" smtClean="0"/>
-              <a:t>시간표 기능 삭제</a:t>
-            </a:r>
-            <a:endParaRPr lang="en-US" altLang="ko-KR" sz="2600" dirty="0" smtClean="0"/>
-          </a:p>
-          <a:p>
-            <a:pPr lvl="1"/>
-            <a:r>
-              <a:rPr lang="en-US" altLang="ko-KR" sz="2600" dirty="0" smtClean="0"/>
               <a:t> </a:t>
             </a:r>
-            <a:r>
-              <a:rPr lang="ko-KR" altLang="en-US" sz="2600" dirty="0" smtClean="0"/>
-              <a:t>통계 </a:t>
-            </a:r>
-            <a:r>
-              <a:rPr lang="en-US" altLang="ko-KR" sz="2600" dirty="0" smtClean="0"/>
-              <a:t>fragment </a:t>
-            </a:r>
-            <a:r>
-              <a:rPr lang="ko-KR" altLang="en-US" sz="2600" dirty="0"/>
-              <a:t>에</a:t>
-            </a:r>
-            <a:r>
-              <a:rPr lang="ko-KR" altLang="en-US" sz="2600" dirty="0" smtClean="0"/>
-              <a:t> 신청한 강의목록과 인기순위가 같이 있었으나 투표한 정치인은 </a:t>
-            </a:r>
-            <a:r>
-              <a:rPr lang="en-US" altLang="ko-KR" sz="2600" dirty="0" smtClean="0"/>
-              <a:t>‘</a:t>
-            </a:r>
-            <a:r>
-              <a:rPr lang="ko-KR" altLang="en-US" sz="2600" dirty="0" smtClean="0"/>
-              <a:t>투표내</a:t>
-            </a:r>
-            <a:r>
-              <a:rPr lang="ko-KR" altLang="en-US" sz="2600" dirty="0"/>
-              <a:t>역</a:t>
-            </a:r>
-            <a:r>
-              <a:rPr lang="en-US" altLang="ko-KR" sz="2600" dirty="0" smtClean="0"/>
-              <a:t>’</a:t>
-            </a:r>
-            <a:r>
-              <a:rPr lang="ko-KR" altLang="en-US" sz="2600" dirty="0" smtClean="0"/>
-              <a:t> </a:t>
-            </a:r>
-            <a:r>
-              <a:rPr lang="en-US" altLang="ko-KR" sz="2600" dirty="0" smtClean="0"/>
-              <a:t>fragment </a:t>
-            </a:r>
-            <a:r>
-              <a:rPr lang="ko-KR" altLang="en-US" sz="2600" dirty="0" smtClean="0"/>
-              <a:t>로</a:t>
-            </a:r>
-            <a:r>
-              <a:rPr lang="en-US" altLang="ko-KR" sz="2600" dirty="0" smtClean="0"/>
-              <a:t>, </a:t>
-            </a:r>
-            <a:r>
-              <a:rPr lang="ko-KR" altLang="en-US" sz="2600" dirty="0" smtClean="0"/>
-              <a:t>인기순위는 </a:t>
-            </a:r>
-            <a:r>
-              <a:rPr lang="en-US" altLang="ko-KR" sz="2600" dirty="0" smtClean="0"/>
-              <a:t>‘</a:t>
-            </a:r>
-            <a:r>
-              <a:rPr lang="ko-KR" altLang="en-US" sz="2600" dirty="0" smtClean="0"/>
-              <a:t>통계</a:t>
-            </a:r>
-            <a:r>
-              <a:rPr lang="en-US" altLang="ko-KR" sz="2600" dirty="0" smtClean="0"/>
-              <a:t>’</a:t>
-            </a:r>
-            <a:r>
-              <a:rPr lang="ko-KR" altLang="en-US" sz="2600" dirty="0" smtClean="0"/>
-              <a:t> </a:t>
-            </a:r>
-            <a:r>
-              <a:rPr lang="en-US" altLang="ko-KR" sz="2600" dirty="0" smtClean="0"/>
-              <a:t>fragment</a:t>
-            </a:r>
-            <a:r>
-              <a:rPr lang="ko-KR" altLang="en-US" sz="2600" dirty="0" smtClean="0"/>
-              <a:t>로 분할</a:t>
-            </a:r>
-            <a:r>
-              <a:rPr lang="en-US" altLang="ko-KR" sz="2600" dirty="0" smtClean="0"/>
-              <a:t>.</a:t>
-            </a:r>
-          </a:p>
-          <a:p>
-            <a:pPr lvl="1"/>
-            <a:r>
-              <a:rPr lang="ko-KR" altLang="en-US" sz="2600" dirty="0" smtClean="0"/>
-              <a:t>강의경쟁률 삭제</a:t>
-            </a:r>
-            <a:r>
-              <a:rPr lang="en-US" altLang="ko-KR" sz="2600" dirty="0" smtClean="0"/>
-              <a:t>, </a:t>
-            </a:r>
-            <a:r>
-              <a:rPr lang="ko-KR" altLang="en-US" sz="2600" dirty="0" smtClean="0"/>
-              <a:t>통계분류변경</a:t>
-            </a:r>
-            <a:r>
-              <a:rPr lang="en-US" altLang="ko-KR" sz="2600" dirty="0" smtClean="0"/>
-              <a:t>, PHP </a:t>
-            </a:r>
-            <a:r>
-              <a:rPr lang="ko-KR" altLang="en-US" sz="2600" dirty="0" smtClean="0"/>
-              <a:t>파일 변경</a:t>
-            </a:r>
-            <a:r>
-              <a:rPr lang="en-US" altLang="ko-KR" sz="2600" dirty="0" smtClean="0"/>
-              <a:t>, DB </a:t>
-            </a:r>
-            <a:r>
-              <a:rPr lang="ko-KR" altLang="en-US" sz="2600" dirty="0" smtClean="0"/>
-              <a:t>테이블 변경</a:t>
-            </a:r>
-            <a:endParaRPr lang="en-US" altLang="ko-KR" sz="2600" dirty="0" smtClean="0"/>
-          </a:p>
-          <a:p>
-            <a:pPr>
+          </a:p>
+          <a:p>
+            <a:pPr lvl="1">
               <a:buNone/>
             </a:pPr>
-            <a:r>
-              <a:rPr lang="en-US" altLang="ko-KR" dirty="0" smtClean="0"/>
-              <a:t>3. </a:t>
-            </a:r>
-            <a:r>
-              <a:rPr lang="ko-KR" altLang="en-US" dirty="0" smtClean="0"/>
-              <a:t>비밀번호 암호화는 어떻게</a:t>
-            </a:r>
-            <a:r>
-              <a:rPr lang="en-US" altLang="ko-KR" dirty="0" smtClean="0"/>
-              <a:t>? (upon question)</a:t>
-            </a:r>
+            <a:endParaRPr lang="en-US" altLang="ko-KR" dirty="0" smtClean="0"/>
+          </a:p>
+          <a:p>
+            <a:pPr lvl="1">
+              <a:buNone/>
+            </a:pPr>
+            <a:endParaRPr lang="en-US" altLang="ko-KR" dirty="0" smtClean="0"/>
           </a:p>
           <a:p>
             <a:endParaRPr lang="en-US" altLang="ko-KR" dirty="0"/>
@@ -5512,7 +6645,7 @@
           <p:nvPr/>
         </p:nvPicPr>
         <p:blipFill>
-          <a:blip r:embed="rId2" cstate="print"/>
+          <a:blip r:embed="rId3" cstate="print"/>
           <a:srcRect/>
           <a:stretch>
             <a:fillRect/>
@@ -5583,10 +6716,18 @@
           <a:lstStyle/>
           <a:p>
             <a:r>
-              <a:rPr lang="en-US" altLang="ko-KR" dirty="0" smtClean="0"/>
-              <a:t>Before we start : Deliverables</a:t>
-            </a:r>
-            <a:endParaRPr lang="ko-KR" altLang="en-US" dirty="0"/>
+              <a:rPr lang="en-US" altLang="ko-KR" dirty="0" smtClean="0">
+                <a:latin typeface="Arial Unicode MS" pitchFamily="50" charset="-127"/>
+                <a:ea typeface="Arial Unicode MS" pitchFamily="50" charset="-127"/>
+                <a:cs typeface="Arial Unicode MS" pitchFamily="50" charset="-127"/>
+              </a:rPr>
+              <a:t>1. Deliverables</a:t>
+            </a:r>
+            <a:endParaRPr lang="ko-KR" altLang="en-US" dirty="0">
+              <a:latin typeface="Arial Unicode MS" pitchFamily="50" charset="-127"/>
+              <a:ea typeface="Arial Unicode MS" pitchFamily="50" charset="-127"/>
+              <a:cs typeface="Arial Unicode MS" pitchFamily="50" charset="-127"/>
+            </a:endParaRPr>
           </a:p>
         </p:txBody>
       </p:sp>
@@ -5603,134 +6744,214 @@
         <p:spPr/>
         <p:txBody>
           <a:bodyPr>
-            <a:normAutofit fontScale="85000" lnSpcReduction="20000"/>
+            <a:normAutofit lnSpcReduction="10000"/>
           </a:bodyPr>
           <a:lstStyle/>
           <a:p>
             <a:r>
-              <a:rPr lang="en-US" altLang="ko-KR" dirty="0" smtClean="0"/>
-              <a:t>On Google </a:t>
-            </a:r>
-            <a:r>
-              <a:rPr lang="en-US" altLang="ko-KR" dirty="0" err="1" smtClean="0"/>
+              <a:rPr lang="en-US" altLang="ko-KR" dirty="0" smtClean="0">
+                <a:latin typeface="Arial Unicode MS" pitchFamily="50" charset="-127"/>
+                <a:ea typeface="Arial Unicode MS" pitchFamily="50" charset="-127"/>
+                <a:cs typeface="Arial Unicode MS" pitchFamily="50" charset="-127"/>
+              </a:rPr>
+              <a:t>Google </a:t>
+            </a:r>
+            <a:r>
+              <a:rPr lang="en-US" altLang="ko-KR" dirty="0" err="1" smtClean="0">
+                <a:latin typeface="Arial Unicode MS" pitchFamily="50" charset="-127"/>
+                <a:ea typeface="Arial Unicode MS" pitchFamily="50" charset="-127"/>
+                <a:cs typeface="Arial Unicode MS" pitchFamily="50" charset="-127"/>
+              </a:rPr>
               <a:t>playstore</a:t>
             </a:r>
+            <a:r>
+              <a:rPr lang="en-US" altLang="ko-KR" dirty="0" smtClean="0">
+                <a:latin typeface="Arial Unicode MS" pitchFamily="50" charset="-127"/>
+                <a:ea typeface="Arial Unicode MS" pitchFamily="50" charset="-127"/>
+                <a:cs typeface="Arial Unicode MS" pitchFamily="50" charset="-127"/>
+              </a:rPr>
+              <a:t> </a:t>
+            </a:r>
+          </a:p>
+          <a:p>
+            <a:pPr lvl="1"/>
+            <a:r>
+              <a:rPr lang="en-US" altLang="ko-KR" dirty="0" smtClean="0">
+                <a:latin typeface="Arial Unicode MS" pitchFamily="50" charset="-127"/>
+                <a:ea typeface="Arial Unicode MS" pitchFamily="50" charset="-127"/>
+                <a:cs typeface="Arial Unicode MS" pitchFamily="50" charset="-127"/>
+              </a:rPr>
+              <a:t> ‘</a:t>
+            </a:r>
+            <a:r>
+              <a:rPr lang="ko-KR" altLang="en-US" dirty="0" smtClean="0">
+                <a:latin typeface="Arial Unicode MS" pitchFamily="50" charset="-127"/>
+                <a:ea typeface="Arial Unicode MS" pitchFamily="50" charset="-127"/>
+                <a:cs typeface="Arial Unicode MS" pitchFamily="50" charset="-127"/>
+              </a:rPr>
+              <a:t>생활정치</a:t>
+            </a:r>
+            <a:r>
+              <a:rPr lang="en-US" altLang="ko-KR" dirty="0" smtClean="0">
+                <a:latin typeface="Arial Unicode MS" pitchFamily="50" charset="-127"/>
+                <a:ea typeface="Arial Unicode MS" pitchFamily="50" charset="-127"/>
+                <a:cs typeface="Arial Unicode MS" pitchFamily="50" charset="-127"/>
+              </a:rPr>
+              <a:t>’</a:t>
+            </a:r>
+            <a:r>
+              <a:rPr lang="ko-KR" altLang="en-US" dirty="0" smtClean="0">
+                <a:latin typeface="Arial Unicode MS" pitchFamily="50" charset="-127"/>
+                <a:ea typeface="Arial Unicode MS" pitchFamily="50" charset="-127"/>
+                <a:cs typeface="Arial Unicode MS" pitchFamily="50" charset="-127"/>
+              </a:rPr>
+              <a:t> </a:t>
+            </a:r>
+            <a:r>
+              <a:rPr lang="en-US" altLang="ko-KR" dirty="0" smtClean="0">
+                <a:latin typeface="Arial Unicode MS" pitchFamily="50" charset="-127"/>
+                <a:ea typeface="Arial Unicode MS" pitchFamily="50" charset="-127"/>
+                <a:cs typeface="Arial Unicode MS" pitchFamily="50" charset="-127"/>
+              </a:rPr>
+              <a:t>or ‘Politico Review’</a:t>
+            </a:r>
+          </a:p>
+          <a:p>
+            <a:endParaRPr lang="en-US" altLang="ko-KR" dirty="0" smtClean="0">
+              <a:latin typeface="Arial Unicode MS" pitchFamily="50" charset="-127"/>
+              <a:ea typeface="Arial Unicode MS" pitchFamily="50" charset="-127"/>
+              <a:cs typeface="Arial Unicode MS" pitchFamily="50" charset="-127"/>
+            </a:endParaRPr>
+          </a:p>
+          <a:p>
+            <a:r>
+              <a:rPr lang="en-US" altLang="ko-KR" dirty="0" smtClean="0">
+                <a:latin typeface="Arial Unicode MS" pitchFamily="50" charset="-127"/>
+                <a:ea typeface="Arial Unicode MS" pitchFamily="50" charset="-127"/>
+                <a:cs typeface="Arial Unicode MS" pitchFamily="50" charset="-127"/>
+              </a:rPr>
+              <a:t>On </a:t>
+            </a:r>
+            <a:r>
+              <a:rPr lang="en-US" altLang="ko-KR" dirty="0" err="1" smtClean="0">
+                <a:latin typeface="Arial Unicode MS" pitchFamily="50" charset="-127"/>
+                <a:ea typeface="Arial Unicode MS" pitchFamily="50" charset="-127"/>
+                <a:cs typeface="Arial Unicode MS" pitchFamily="50" charset="-127"/>
+              </a:rPr>
+              <a:t>github</a:t>
+            </a:r>
+            <a:r>
+              <a:rPr lang="en-US" altLang="ko-KR" dirty="0" smtClean="0">
+                <a:latin typeface="Arial Unicode MS" pitchFamily="50" charset="-127"/>
+                <a:ea typeface="Arial Unicode MS" pitchFamily="50" charset="-127"/>
+                <a:cs typeface="Arial Unicode MS" pitchFamily="50" charset="-127"/>
+              </a:rPr>
+              <a:t> </a:t>
+            </a:r>
+          </a:p>
+          <a:p>
+            <a:pPr lvl="1">
+              <a:buNone/>
+            </a:pPr>
+            <a:r>
+              <a:rPr lang="en-US" altLang="ko-KR" dirty="0" smtClean="0">
+                <a:latin typeface="Arial Unicode MS" pitchFamily="50" charset="-127"/>
+                <a:ea typeface="Arial Unicode MS" pitchFamily="50" charset="-127"/>
+                <a:cs typeface="Arial Unicode MS" pitchFamily="50" charset="-127"/>
+                <a:hlinkClick r:id="rId3"/>
+              </a:rPr>
+              <a:t>https://github.com/HeesunLee9/PoliticoReview</a:t>
+            </a:r>
+            <a:endParaRPr lang="en-US" altLang="ko-KR" dirty="0" smtClean="0">
+              <a:latin typeface="Arial Unicode MS" pitchFamily="50" charset="-127"/>
+              <a:ea typeface="Arial Unicode MS" pitchFamily="50" charset="-127"/>
+              <a:cs typeface="Arial Unicode MS" pitchFamily="50" charset="-127"/>
+            </a:endParaRPr>
+          </a:p>
+          <a:p>
+            <a:pPr lvl="1"/>
+            <a:r>
+              <a:rPr lang="en-US" altLang="ko-KR" dirty="0" smtClean="0">
+                <a:latin typeface="Arial Unicode MS" pitchFamily="50" charset="-127"/>
+                <a:ea typeface="Arial Unicode MS" pitchFamily="50" charset="-127"/>
+                <a:cs typeface="Arial Unicode MS" pitchFamily="50" charset="-127"/>
+              </a:rPr>
+              <a:t>Source code</a:t>
+            </a:r>
+          </a:p>
+          <a:p>
+            <a:pPr lvl="1"/>
+            <a:r>
+              <a:rPr lang="en-US" altLang="ko-KR" dirty="0" smtClean="0">
+                <a:latin typeface="Arial Unicode MS" pitchFamily="50" charset="-127"/>
+                <a:ea typeface="Arial Unicode MS" pitchFamily="50" charset="-127"/>
+                <a:cs typeface="Arial Unicode MS" pitchFamily="50" charset="-127"/>
+              </a:rPr>
+              <a:t>PHP files</a:t>
+            </a:r>
+          </a:p>
+          <a:p>
+            <a:pPr lvl="1"/>
+            <a:r>
+              <a:rPr lang="en-US" altLang="ko-KR" dirty="0" smtClean="0">
+                <a:latin typeface="Arial Unicode MS" pitchFamily="50" charset="-127"/>
+                <a:ea typeface="Arial Unicode MS" pitchFamily="50" charset="-127"/>
+                <a:cs typeface="Arial Unicode MS" pitchFamily="50" charset="-127"/>
+              </a:rPr>
+              <a:t>Information file of legislators</a:t>
+            </a:r>
+          </a:p>
+          <a:p>
+            <a:pPr lvl="1"/>
+            <a:r>
+              <a:rPr lang="en-US" altLang="ko-KR" dirty="0" smtClean="0">
+                <a:latin typeface="Arial Unicode MS" pitchFamily="50" charset="-127"/>
+                <a:ea typeface="Arial Unicode MS" pitchFamily="50" charset="-127"/>
+                <a:cs typeface="Arial Unicode MS" pitchFamily="50" charset="-127"/>
+              </a:rPr>
+              <a:t>Documentation</a:t>
+            </a:r>
+          </a:p>
+          <a:p>
             <a:endParaRPr lang="en-US" altLang="ko-KR" dirty="0" smtClean="0"/>
           </a:p>
           <a:p>
-            <a:pPr lvl="1"/>
-            <a:r>
-              <a:rPr lang="en-US" altLang="ko-KR" dirty="0" smtClean="0"/>
-              <a:t>Search ‘</a:t>
-            </a:r>
-            <a:r>
-              <a:rPr lang="ko-KR" altLang="en-US" dirty="0" smtClean="0"/>
-              <a:t>생활정치</a:t>
-            </a:r>
-            <a:r>
-              <a:rPr lang="en-US" altLang="ko-KR" dirty="0" smtClean="0"/>
-              <a:t>’</a:t>
-            </a:r>
-            <a:r>
-              <a:rPr lang="ko-KR" altLang="en-US" dirty="0" smtClean="0"/>
-              <a:t> </a:t>
-            </a:r>
-            <a:r>
-              <a:rPr lang="en-US" altLang="ko-KR" dirty="0" smtClean="0"/>
-              <a:t>or ‘Politico Review’ : now on service!</a:t>
-            </a:r>
-          </a:p>
-          <a:p>
-            <a:r>
-              <a:rPr lang="en-US" altLang="ko-KR" dirty="0" smtClean="0"/>
-              <a:t>On </a:t>
-            </a:r>
-            <a:r>
-              <a:rPr lang="en-US" altLang="ko-KR" dirty="0" err="1" smtClean="0"/>
-              <a:t>github</a:t>
-            </a:r>
-            <a:r>
-              <a:rPr lang="en-US" altLang="ko-KR" dirty="0" smtClean="0"/>
-              <a:t> the followings are provided</a:t>
-            </a:r>
-          </a:p>
-          <a:p>
-            <a:pPr lvl="1">
-              <a:buNone/>
-            </a:pPr>
-            <a:r>
-              <a:rPr lang="en-US" altLang="ko-KR" dirty="0" smtClean="0">
-                <a:hlinkClick r:id="rId2"/>
-              </a:rPr>
-              <a:t>https://github.com/HeesunLee9/PoliticoReview</a:t>
-            </a:r>
-            <a:endParaRPr lang="en-US" altLang="ko-KR" dirty="0" smtClean="0"/>
-          </a:p>
-          <a:p>
-            <a:pPr lvl="1">
-              <a:buNone/>
-            </a:pPr>
-            <a:r>
-              <a:rPr lang="en-US" altLang="ko-KR" dirty="0" smtClean="0"/>
-              <a:t>(You can also visit my </a:t>
-            </a:r>
-            <a:r>
-              <a:rPr lang="en-US" altLang="ko-KR" dirty="0" err="1" smtClean="0"/>
-              <a:t>Github</a:t>
-            </a:r>
-            <a:r>
-              <a:rPr lang="en-US" altLang="ko-KR" dirty="0" smtClean="0"/>
-              <a:t> via </a:t>
-            </a:r>
-            <a:r>
-              <a:rPr lang="en-US" altLang="ko-KR" dirty="0" err="1" smtClean="0"/>
-              <a:t>playstore’s</a:t>
-            </a:r>
-            <a:r>
-              <a:rPr lang="ko-KR" altLang="en-US" dirty="0" smtClean="0"/>
-              <a:t> </a:t>
-            </a:r>
-            <a:r>
-              <a:rPr lang="en-US" altLang="ko-KR" dirty="0" smtClean="0"/>
-              <a:t>Politico Review page) </a:t>
-            </a:r>
-          </a:p>
-          <a:p>
-            <a:pPr lvl="1"/>
-            <a:r>
-              <a:rPr lang="en-US" altLang="ko-KR" dirty="0" smtClean="0"/>
-              <a:t>Source code</a:t>
-            </a:r>
-          </a:p>
-          <a:p>
-            <a:pPr lvl="1"/>
-            <a:r>
-              <a:rPr lang="en-US" altLang="ko-KR" dirty="0" smtClean="0"/>
-              <a:t>PHP files</a:t>
-            </a:r>
-          </a:p>
-          <a:p>
-            <a:pPr lvl="1"/>
-            <a:r>
-              <a:rPr lang="en-US" altLang="ko-KR" dirty="0" smtClean="0"/>
-              <a:t>Information file of legislators</a:t>
-            </a:r>
-          </a:p>
-          <a:p>
-            <a:pPr lvl="1"/>
-            <a:r>
-              <a:rPr lang="en-US" altLang="ko-KR" dirty="0" smtClean="0"/>
-              <a:t>Documentation : presentation material, final report, summary report, user manual.</a:t>
-            </a:r>
-          </a:p>
-          <a:p>
-            <a:endParaRPr lang="en-US" altLang="ko-KR" dirty="0" smtClean="0"/>
-          </a:p>
-          <a:p>
             <a:endParaRPr lang="ko-KR" altLang="en-US" dirty="0"/>
           </a:p>
         </p:txBody>
       </p:sp>
+      <p:pic>
+        <p:nvPicPr>
+          <p:cNvPr id="1027" name="Picture 3"/>
+          <p:cNvPicPr>
+            <a:picLocks noChangeAspect="1" noChangeArrowheads="1"/>
+          </p:cNvPicPr>
+          <p:nvPr/>
+        </p:nvPicPr>
+        <p:blipFill>
+          <a:blip r:embed="rId4" cstate="print"/>
+          <a:srcRect/>
+          <a:stretch>
+            <a:fillRect/>
+          </a:stretch>
+        </p:blipFill>
+        <p:spPr bwMode="auto">
+          <a:xfrm>
+            <a:off x="6228184" y="1700808"/>
+            <a:ext cx="2849732" cy="936104"/>
+          </a:xfrm>
+          <a:prstGeom prst="rect">
+            <a:avLst/>
+          </a:prstGeom>
+          <a:noFill/>
+          <a:ln w="9525">
+            <a:noFill/>
+            <a:miter lim="800000"/>
+            <a:headEnd/>
+            <a:tailEnd/>
+          </a:ln>
+        </p:spPr>
+      </p:pic>
     </p:spTree>
   </p:cSld>
   <p:clrMapOvr>
@@ -5775,158 +6996,191 @@
         </p:nvSpPr>
         <p:spPr/>
         <p:txBody>
+          <a:bodyPr>
+            <a:normAutofit/>
+          </a:bodyPr>
+          <a:lstStyle/>
+          <a:p>
+            <a:r>
+              <a:rPr lang="en-US" altLang="ko-KR" dirty="0" smtClean="0">
+                <a:latin typeface="Arial Unicode MS" pitchFamily="50" charset="-127"/>
+                <a:ea typeface="Arial Unicode MS" pitchFamily="50" charset="-127"/>
+                <a:cs typeface="Arial Unicode MS" pitchFamily="50" charset="-127"/>
+              </a:rPr>
+              <a:t>2. Goal</a:t>
+            </a:r>
+            <a:endParaRPr lang="ko-KR" altLang="en-US" dirty="0">
+              <a:latin typeface="Arial Unicode MS" pitchFamily="50" charset="-127"/>
+              <a:ea typeface="Arial Unicode MS" pitchFamily="50" charset="-127"/>
+              <a:cs typeface="Arial Unicode MS" pitchFamily="50" charset="-127"/>
+            </a:endParaRPr>
+          </a:p>
+        </p:txBody>
+      </p:sp>
+      <p:sp>
+        <p:nvSpPr>
+          <p:cNvPr id="3" name="내용 개체 틀 2"/>
+          <p:cNvSpPr>
+            <a:spLocks noGrp="1"/>
+          </p:cNvSpPr>
+          <p:nvPr>
+            <p:ph idx="1"/>
+          </p:nvPr>
+        </p:nvSpPr>
+        <p:spPr/>
+        <p:txBody>
           <a:bodyPr/>
           <a:lstStyle/>
           <a:p>
-            <a:r>
-              <a:rPr lang="en-US" altLang="ko-KR" dirty="0" smtClean="0"/>
-              <a:t>1. </a:t>
-            </a:r>
-            <a:r>
-              <a:rPr lang="ko-KR" altLang="en-US" dirty="0" smtClean="0"/>
-              <a:t>개발 동기 및 목표</a:t>
-            </a:r>
-            <a:endParaRPr lang="ko-KR" altLang="en-US" dirty="0"/>
-          </a:p>
-        </p:txBody>
-      </p:sp>
-      <p:sp>
-        <p:nvSpPr>
-          <p:cNvPr id="3" name="내용 개체 틀 2"/>
-          <p:cNvSpPr>
-            <a:spLocks noGrp="1"/>
-          </p:cNvSpPr>
-          <p:nvPr>
-            <p:ph idx="1"/>
-          </p:nvPr>
-        </p:nvSpPr>
-        <p:spPr/>
-        <p:txBody>
-          <a:bodyPr/>
-          <a:lstStyle/>
-          <a:p>
-            <a:r>
-              <a:rPr lang="ko-KR" altLang="ko-KR" sz="2800" dirty="0"/>
-              <a:t>현직 국회의원을 평가하는 </a:t>
-            </a:r>
-            <a:r>
-              <a:rPr lang="ko-KR" altLang="ko-KR" sz="2800" dirty="0" smtClean="0"/>
-              <a:t>프로그램</a:t>
-            </a:r>
-            <a:r>
-              <a:rPr lang="en-US" altLang="ko-KR" sz="2800" dirty="0" smtClean="0"/>
+            <a:pPr>
+              <a:buNone/>
+            </a:pPr>
+            <a:endParaRPr lang="en-US" altLang="ko-KR" sz="2800" dirty="0" smtClean="0">
+              <a:latin typeface="Arial Unicode MS" pitchFamily="50" charset="-127"/>
+              <a:ea typeface="Arial Unicode MS" pitchFamily="50" charset="-127"/>
+              <a:cs typeface="Arial Unicode MS" pitchFamily="50" charset="-127"/>
+            </a:endParaRPr>
+          </a:p>
+          <a:p>
+            <a:pPr>
+              <a:buNone/>
+            </a:pPr>
+            <a:endParaRPr lang="en-US" altLang="ko-KR" sz="2800" dirty="0" smtClean="0">
+              <a:latin typeface="Arial Unicode MS" pitchFamily="50" charset="-127"/>
+              <a:ea typeface="Arial Unicode MS" pitchFamily="50" charset="-127"/>
+              <a:cs typeface="Arial Unicode MS" pitchFamily="50" charset="-127"/>
+            </a:endParaRPr>
+          </a:p>
+          <a:p>
+            <a:pPr>
+              <a:buNone/>
+            </a:pPr>
+            <a:endParaRPr lang="en-US" altLang="ko-KR" sz="2800" dirty="0">
+              <a:latin typeface="Arial Unicode MS" pitchFamily="50" charset="-127"/>
+              <a:ea typeface="Arial Unicode MS" pitchFamily="50" charset="-127"/>
+              <a:cs typeface="Arial Unicode MS" pitchFamily="50" charset="-127"/>
+            </a:endParaRPr>
+          </a:p>
+          <a:p>
+            <a:pPr algn="ctr">
+              <a:buNone/>
+            </a:pPr>
+            <a:r>
+              <a:rPr lang="ko-KR" altLang="en-US" sz="2800" dirty="0" smtClean="0">
+                <a:latin typeface="Arial Unicode MS" pitchFamily="50" charset="-127"/>
+                <a:ea typeface="Arial Unicode MS" pitchFamily="50" charset="-127"/>
+                <a:cs typeface="Arial Unicode MS" pitchFamily="50" charset="-127"/>
+              </a:rPr>
+              <a:t>선거전략 수립을 위한 데이터 수집 </a:t>
+            </a:r>
+            <a:endParaRPr lang="en-US" altLang="ko-KR" sz="2800" dirty="0" smtClean="0">
+              <a:latin typeface="Arial Unicode MS" pitchFamily="50" charset="-127"/>
+              <a:ea typeface="Arial Unicode MS" pitchFamily="50" charset="-127"/>
+              <a:cs typeface="Arial Unicode MS" pitchFamily="50" charset="-127"/>
+            </a:endParaRPr>
+          </a:p>
+          <a:p>
+            <a:pPr algn="ctr">
+              <a:buNone/>
+            </a:pPr>
+            <a:r>
+              <a:rPr lang="en-US" altLang="ko-KR" sz="1600" dirty="0" smtClean="0">
+                <a:latin typeface="Arial Unicode MS" pitchFamily="50" charset="-127"/>
+                <a:ea typeface="Arial Unicode MS" pitchFamily="50" charset="-127"/>
+                <a:cs typeface="Arial Unicode MS" pitchFamily="50" charset="-127"/>
+              </a:rPr>
               <a:t> </a:t>
             </a:r>
             <a:r>
-              <a:rPr lang="ko-KR" altLang="en-US" sz="2800" dirty="0" smtClean="0"/>
-              <a:t>없음</a:t>
-            </a:r>
+              <a:rPr lang="ko-KR" altLang="en-US" sz="1600" dirty="0" smtClean="0">
+                <a:latin typeface="Arial Unicode MS" pitchFamily="50" charset="-127"/>
+                <a:ea typeface="Arial Unicode MS" pitchFamily="50" charset="-127"/>
+                <a:cs typeface="Arial Unicode MS" pitchFamily="50" charset="-127"/>
+              </a:rPr>
+              <a:t>출마지역</a:t>
+            </a:r>
+            <a:r>
+              <a:rPr lang="en-US" altLang="ko-KR" sz="1600" dirty="0" smtClean="0">
+                <a:latin typeface="Arial Unicode MS" pitchFamily="50" charset="-127"/>
+                <a:ea typeface="Arial Unicode MS" pitchFamily="50" charset="-127"/>
+                <a:cs typeface="Arial Unicode MS" pitchFamily="50" charset="-127"/>
+              </a:rPr>
+              <a:t>, </a:t>
+            </a:r>
+            <a:r>
+              <a:rPr lang="ko-KR" altLang="en-US" sz="1600" dirty="0" smtClean="0">
+                <a:latin typeface="Arial Unicode MS" pitchFamily="50" charset="-127"/>
+                <a:ea typeface="Arial Unicode MS" pitchFamily="50" charset="-127"/>
+                <a:cs typeface="Arial Unicode MS" pitchFamily="50" charset="-127"/>
+              </a:rPr>
+              <a:t>공천배정</a:t>
+            </a:r>
+            <a:r>
+              <a:rPr lang="en-US" altLang="ko-KR" sz="1600" dirty="0" smtClean="0">
+                <a:latin typeface="Arial Unicode MS" pitchFamily="50" charset="-127"/>
+                <a:ea typeface="Arial Unicode MS" pitchFamily="50" charset="-127"/>
+                <a:cs typeface="Arial Unicode MS" pitchFamily="50" charset="-127"/>
+              </a:rPr>
+              <a:t>, </a:t>
+            </a:r>
+            <a:r>
+              <a:rPr lang="ko-KR" altLang="en-US" sz="1600" dirty="0" smtClean="0">
+                <a:latin typeface="Arial Unicode MS" pitchFamily="50" charset="-127"/>
+                <a:ea typeface="Arial Unicode MS" pitchFamily="50" charset="-127"/>
+                <a:cs typeface="Arial Unicode MS" pitchFamily="50" charset="-127"/>
+              </a:rPr>
+              <a:t>재선가능성</a:t>
+            </a:r>
+            <a:r>
+              <a:rPr lang="en-US" altLang="ko-KR" sz="1600" dirty="0" smtClean="0">
+                <a:latin typeface="Arial Unicode MS" pitchFamily="50" charset="-127"/>
+                <a:ea typeface="Arial Unicode MS" pitchFamily="50" charset="-127"/>
+                <a:cs typeface="Arial Unicode MS" pitchFamily="50" charset="-127"/>
+              </a:rPr>
+              <a:t>, </a:t>
+            </a:r>
+            <a:r>
+              <a:rPr lang="ko-KR" altLang="en-US" sz="1600" dirty="0" smtClean="0">
+                <a:latin typeface="Arial Unicode MS" pitchFamily="50" charset="-127"/>
+                <a:ea typeface="Arial Unicode MS" pitchFamily="50" charset="-127"/>
+                <a:cs typeface="Arial Unicode MS" pitchFamily="50" charset="-127"/>
+              </a:rPr>
+              <a:t>사용자 성향 파악</a:t>
+            </a:r>
+            <a:endParaRPr lang="en-US" altLang="ko-KR" sz="1600" dirty="0" smtClean="0">
+              <a:latin typeface="Arial Unicode MS" pitchFamily="50" charset="-127"/>
+              <a:ea typeface="Arial Unicode MS" pitchFamily="50" charset="-127"/>
+              <a:cs typeface="Arial Unicode MS" pitchFamily="50" charset="-127"/>
+            </a:endParaRPr>
+          </a:p>
+          <a:p>
+            <a:endParaRPr lang="en-US" altLang="ko-KR" sz="2800" dirty="0" smtClean="0">
+              <a:latin typeface="Arial Unicode MS" pitchFamily="50" charset="-127"/>
+              <a:ea typeface="Arial Unicode MS" pitchFamily="50" charset="-127"/>
+              <a:cs typeface="Arial Unicode MS" pitchFamily="50" charset="-127"/>
+            </a:endParaRPr>
+          </a:p>
+          <a:p>
+            <a:pPr>
+              <a:buNone/>
+            </a:pPr>
+            <a:endParaRPr lang="en-US" altLang="ko-KR" sz="2800" dirty="0" smtClean="0">
+              <a:latin typeface="Arial Unicode MS" pitchFamily="50" charset="-127"/>
+              <a:ea typeface="Arial Unicode MS" pitchFamily="50" charset="-127"/>
+              <a:cs typeface="Arial Unicode MS" pitchFamily="50" charset="-127"/>
+            </a:endParaRPr>
+          </a:p>
+          <a:p>
+            <a:endParaRPr lang="en-US" altLang="ko-KR" sz="2800" dirty="0" smtClean="0">
+              <a:latin typeface="Arial Unicode MS" pitchFamily="50" charset="-127"/>
+              <a:ea typeface="Arial Unicode MS" pitchFamily="50" charset="-127"/>
+              <a:cs typeface="Arial Unicode MS" pitchFamily="50" charset="-127"/>
+            </a:endParaRPr>
+          </a:p>
+          <a:p>
             <a:endParaRPr lang="en-US" altLang="ko-KR" sz="2800" dirty="0" smtClean="0"/>
           </a:p>
           <a:p>
-            <a:endParaRPr lang="en-US" altLang="ko-KR" sz="2800" dirty="0" smtClean="0"/>
-          </a:p>
-          <a:p>
-            <a:r>
-              <a:rPr lang="ko-KR" altLang="en-US" sz="2800" dirty="0" smtClean="0"/>
-              <a:t>총선</a:t>
-            </a:r>
-            <a:r>
-              <a:rPr lang="en-US" altLang="ko-KR" sz="2800" dirty="0" smtClean="0"/>
-              <a:t>-4</a:t>
-            </a:r>
-            <a:r>
-              <a:rPr lang="ko-KR" altLang="ko-KR" sz="2800" dirty="0"/>
-              <a:t>년에 한 번 </a:t>
-            </a:r>
-            <a:r>
-              <a:rPr lang="ko-KR" altLang="ko-KR" sz="2800" dirty="0" smtClean="0"/>
-              <a:t>평가</a:t>
-            </a:r>
-            <a:r>
-              <a:rPr lang="en-US" altLang="ko-KR" sz="2800" dirty="0" smtClean="0"/>
-              <a:t>-</a:t>
-            </a:r>
-            <a:r>
-              <a:rPr lang="ko-KR" altLang="en-US" sz="2800" dirty="0" smtClean="0"/>
-              <a:t>로는 </a:t>
-            </a:r>
-            <a:r>
-              <a:rPr lang="ko-KR" altLang="ko-KR" sz="2800" dirty="0" smtClean="0"/>
-              <a:t>횟수가 부</a:t>
-            </a:r>
-            <a:r>
-              <a:rPr lang="ko-KR" altLang="en-US" sz="2800" dirty="0" smtClean="0"/>
-              <a:t>족</a:t>
-            </a:r>
-            <a:endParaRPr lang="en-US" altLang="ko-KR" sz="2800" dirty="0" smtClean="0"/>
-          </a:p>
-          <a:p>
-            <a:endParaRPr lang="en-US" altLang="ko-KR" sz="2800" dirty="0" smtClean="0"/>
-          </a:p>
-          <a:p>
-            <a:r>
-              <a:rPr lang="ko-KR" altLang="ko-KR" sz="2800" dirty="0" smtClean="0"/>
-              <a:t>총선</a:t>
-            </a:r>
-            <a:r>
-              <a:rPr lang="en-US" altLang="ko-KR" sz="2800" dirty="0" smtClean="0"/>
-              <a:t> </a:t>
-            </a:r>
-            <a:r>
-              <a:rPr lang="ko-KR" altLang="en-US" sz="2800" dirty="0" smtClean="0"/>
-              <a:t>후 </a:t>
-            </a:r>
-            <a:r>
-              <a:rPr lang="ko-KR" altLang="ko-KR" sz="2800" dirty="0" smtClean="0"/>
-              <a:t>당선인에 </a:t>
-            </a:r>
-            <a:r>
-              <a:rPr lang="ko-KR" altLang="ko-KR" sz="2800" dirty="0"/>
-              <a:t>대한 </a:t>
-            </a:r>
-            <a:r>
-              <a:rPr lang="ko-KR" altLang="ko-KR" sz="2800" dirty="0" smtClean="0"/>
-              <a:t>관심</a:t>
-            </a:r>
-            <a:r>
-              <a:rPr lang="en-US" altLang="ko-KR" sz="2800" dirty="0" smtClean="0"/>
-              <a:t> </a:t>
-            </a:r>
-            <a:r>
-              <a:rPr lang="ko-KR" altLang="ko-KR" sz="2800" dirty="0" smtClean="0"/>
-              <a:t>떨</a:t>
-            </a:r>
-            <a:r>
-              <a:rPr lang="ko-KR" altLang="en-US" sz="2800" dirty="0" smtClean="0"/>
-              <a:t>어짐</a:t>
-            </a:r>
-            <a:endParaRPr lang="en-US" altLang="ko-KR" sz="2800" dirty="0" smtClean="0"/>
-          </a:p>
-          <a:p>
-            <a:endParaRPr lang="en-US" altLang="ko-KR" sz="2800" dirty="0"/>
-          </a:p>
-          <a:p>
-            <a:r>
-              <a:rPr lang="ko-KR" altLang="ko-KR" sz="2800" dirty="0" smtClean="0"/>
-              <a:t>정치</a:t>
-            </a:r>
-            <a:r>
-              <a:rPr lang="ko-KR" altLang="en-US" sz="2800" dirty="0" smtClean="0"/>
-              <a:t>와 정치인</a:t>
-            </a:r>
-            <a:r>
-              <a:rPr lang="ko-KR" altLang="ko-KR" sz="2800" dirty="0" smtClean="0"/>
-              <a:t>에 </a:t>
-            </a:r>
-            <a:r>
-              <a:rPr lang="ko-KR" altLang="ko-KR" sz="2800" dirty="0"/>
-              <a:t>대한 </a:t>
-            </a:r>
-            <a:r>
-              <a:rPr lang="ko-KR" altLang="ko-KR" sz="2800" dirty="0" smtClean="0"/>
-              <a:t>관심 환기</a:t>
-            </a:r>
             <a:endParaRPr lang="ko-KR" altLang="ko-KR" sz="2800" dirty="0"/>
           </a:p>
           <a:p>
@@ -5982,18 +7236,18 @@
           <a:lstStyle/>
           <a:p>
             <a:r>
-              <a:rPr lang="en-US" altLang="ko-KR" dirty="0"/>
-              <a:t>2</a:t>
-            </a:r>
-            <a:r>
-              <a:rPr lang="en-US" altLang="ko-KR" dirty="0" smtClean="0"/>
-              <a:t>. </a:t>
-            </a:r>
-            <a:r>
-              <a:rPr lang="ko-KR" altLang="en-US" dirty="0" smtClean="0"/>
-              <a:t>개요</a:t>
-            </a:r>
-            <a:endParaRPr lang="ko-KR" altLang="en-US" dirty="0"/>
+              <a:rPr lang="en-US" altLang="ko-KR" dirty="0" smtClean="0">
+                <a:latin typeface="Arial Unicode MS" pitchFamily="50" charset="-127"/>
+                <a:ea typeface="Arial Unicode MS" pitchFamily="50" charset="-127"/>
+                <a:cs typeface="Arial Unicode MS" pitchFamily="50" charset="-127"/>
+              </a:rPr>
+              <a:t>3. Components</a:t>
+            </a:r>
+            <a:endParaRPr lang="ko-KR" altLang="en-US" dirty="0">
+              <a:latin typeface="Arial Unicode MS" pitchFamily="50" charset="-127"/>
+              <a:ea typeface="Arial Unicode MS" pitchFamily="50" charset="-127"/>
+              <a:cs typeface="Arial Unicode MS" pitchFamily="50" charset="-127"/>
+            </a:endParaRPr>
           </a:p>
         </p:txBody>
       </p:sp>
@@ -6013,123 +7267,109 @@
           <a:lstStyle/>
           <a:p>
             <a:r>
-              <a:rPr lang="en-US" altLang="ko-KR" sz="2800" dirty="0"/>
-              <a:t>web ftp </a:t>
-            </a:r>
-            <a:r>
-              <a:rPr lang="en-US" altLang="ko-KR" sz="2800" dirty="0" smtClean="0"/>
-              <a:t>,</a:t>
-            </a:r>
-            <a:r>
-              <a:rPr lang="ko-KR" altLang="ko-KR" sz="2800" dirty="0" smtClean="0"/>
-              <a:t> </a:t>
-            </a:r>
-            <a:r>
-              <a:rPr lang="en-US" altLang="ko-KR" sz="2800" dirty="0"/>
-              <a:t>DB </a:t>
-            </a:r>
-            <a:r>
-              <a:rPr lang="en-US" altLang="ko-KR" sz="2800" dirty="0" smtClean="0"/>
-              <a:t>:</a:t>
-            </a:r>
-            <a:r>
-              <a:rPr lang="en-US" altLang="ko-KR" sz="2800" dirty="0"/>
-              <a:t> </a:t>
-            </a:r>
-            <a:r>
-              <a:rPr lang="ko-KR" altLang="ko-KR" sz="2800" dirty="0" smtClean="0"/>
-              <a:t>무료 </a:t>
-            </a:r>
-            <a:r>
-              <a:rPr lang="ko-KR" altLang="ko-KR" sz="2800" dirty="0"/>
-              <a:t>웹 </a:t>
-            </a:r>
-            <a:r>
-              <a:rPr lang="ko-KR" altLang="ko-KR" sz="2800" dirty="0" err="1" smtClean="0"/>
-              <a:t>호스팅</a:t>
-            </a:r>
-            <a:r>
-              <a:rPr lang="ko-KR" altLang="ko-KR" sz="2800" dirty="0" smtClean="0"/>
-              <a:t> </a:t>
-            </a:r>
-            <a:r>
-              <a:rPr lang="en-US" altLang="ko-KR" sz="2800" dirty="0" smtClean="0"/>
-              <a:t>‘</a:t>
-            </a:r>
-            <a:r>
-              <a:rPr lang="ko-KR" altLang="ko-KR" sz="2800" dirty="0" err="1" smtClean="0"/>
-              <a:t>닷홈</a:t>
-            </a:r>
-            <a:r>
-              <a:rPr lang="en-US" altLang="ko-KR" sz="2800" dirty="0" smtClean="0"/>
-              <a:t>’</a:t>
-            </a:r>
-            <a:r>
-              <a:rPr lang="ko-KR" altLang="ko-KR" sz="2800" dirty="0" smtClean="0"/>
-              <a:t> </a:t>
-            </a:r>
-            <a:r>
-              <a:rPr lang="en-US" altLang="ko-KR" sz="2000" dirty="0">
-                <a:hlinkClick r:id="rId2"/>
-              </a:rPr>
-              <a:t>https://www.dothome.co.kr</a:t>
-            </a:r>
-            <a:r>
               <a:rPr lang="en-US" altLang="ko-KR" sz="2000" dirty="0" smtClean="0">
-                <a:hlinkClick r:id="rId2"/>
-              </a:rPr>
-              <a:t>/</a:t>
-            </a:r>
-            <a:endParaRPr lang="en-US" altLang="ko-KR" sz="2000" dirty="0" smtClean="0"/>
-          </a:p>
-          <a:p>
-            <a:r>
-              <a:rPr lang="en-US" altLang="ko-KR" sz="2800" dirty="0" err="1" smtClean="0"/>
-              <a:t>Youtu</a:t>
-            </a:r>
-            <a:r>
-              <a:rPr lang="ko-KR" altLang="en-US" sz="2800" dirty="0" smtClean="0"/>
-              <a:t>강좌 참고 </a:t>
-            </a:r>
-            <a:r>
-              <a:rPr lang="en-US" altLang="ko-KR" sz="2800" dirty="0" smtClean="0"/>
-              <a:t>: </a:t>
-            </a:r>
-            <a:r>
-              <a:rPr lang="ko-KR" altLang="en-US" sz="2800" dirty="0" err="1" smtClean="0"/>
-              <a:t>안드로이드</a:t>
-            </a:r>
-            <a:r>
-              <a:rPr lang="ko-KR" altLang="en-US" sz="2800" dirty="0" smtClean="0"/>
-              <a:t> </a:t>
-            </a:r>
-            <a:r>
-              <a:rPr lang="ko-KR" altLang="en-US" sz="2800" dirty="0"/>
-              <a:t>스튜디오 수강신청 도우미 </a:t>
-            </a:r>
-            <a:r>
-              <a:rPr lang="ko-KR" altLang="en-US" sz="2800" dirty="0" smtClean="0"/>
-              <a:t>프로젝트</a:t>
-            </a:r>
-            <a:r>
-              <a:rPr lang="en-US" altLang="ko-KR" sz="2000" dirty="0" smtClean="0">
-                <a:hlinkClick r:id="rId3"/>
-              </a:rPr>
-              <a:t>https://www.youtube.com/watch?v=mPUzjHu8Cv0&amp;list=PLRx0vPvlEmdD862e43ADbvDeGPUZKDuqL</a:t>
-            </a:r>
-            <a:endParaRPr lang="en-US" altLang="ko-KR" sz="2000" dirty="0" smtClean="0"/>
+                <a:latin typeface="Arial Unicode MS" pitchFamily="50" charset="-127"/>
+                <a:ea typeface="Arial Unicode MS" pitchFamily="50" charset="-127"/>
+                <a:cs typeface="Arial Unicode MS" pitchFamily="50" charset="-127"/>
+              </a:rPr>
+              <a:t>Web ftp(server) – Database – Mobile Application</a:t>
+            </a:r>
           </a:p>
           <a:p>
             <a:endParaRPr lang="en-US" altLang="ko-KR" dirty="0" smtClean="0"/>
           </a:p>
           <a:p>
             <a:endParaRPr lang="ko-KR" altLang="en-US" dirty="0"/>
+          </a:p>
+        </p:txBody>
+      </p:sp>
+      <p:sp>
+        <p:nvSpPr>
+          <p:cNvPr id="2053" name="AutoShape 5" descr="   ìíì ì¹(Politico Review)- screenshot  "/>
+          <p:cNvSpPr>
+            <a:spLocks noChangeAspect="1" noChangeArrowheads="1"/>
+          </p:cNvSpPr>
+          <p:nvPr/>
+        </p:nvSpPr>
+        <p:spPr bwMode="auto">
+          <a:xfrm>
+            <a:off x="168275" y="-144463"/>
+            <a:ext cx="304800" cy="304801"/>
+          </a:xfrm>
+          <a:prstGeom prst="rect">
+            <a:avLst/>
+          </a:prstGeom>
+          <a:noFill/>
+        </p:spPr>
+        <p:txBody>
+          <a:bodyPr vert="horz" wrap="square" lIns="91440" tIns="45720" rIns="91440" bIns="45720" numCol="1" anchor="t" anchorCtr="0" compatLnSpc="1">
+            <a:prstTxWarp prst="textNoShape">
+              <a:avLst/>
+            </a:prstTxWarp>
+          </a:bodyPr>
+          <a:lstStyle/>
+          <a:p>
+            <a:endParaRPr lang="ko-KR" altLang="en-US"/>
+          </a:p>
+        </p:txBody>
+      </p:sp>
+      <p:sp>
+        <p:nvSpPr>
+          <p:cNvPr id="2055" name="AutoShape 7" descr="   ìíì ì¹(Politico Review)- screenshot  "/>
+          <p:cNvSpPr>
+            <a:spLocks noChangeAspect="1" noChangeArrowheads="1"/>
+          </p:cNvSpPr>
+          <p:nvPr/>
+        </p:nvSpPr>
+        <p:spPr bwMode="auto">
+          <a:xfrm>
+            <a:off x="168275" y="-144463"/>
+            <a:ext cx="304800" cy="304801"/>
+          </a:xfrm>
+          <a:prstGeom prst="rect">
+            <a:avLst/>
+          </a:prstGeom>
+          <a:noFill/>
+        </p:spPr>
+        <p:txBody>
+          <a:bodyPr vert="horz" wrap="square" lIns="91440" tIns="45720" rIns="91440" bIns="45720" numCol="1" anchor="t" anchorCtr="0" compatLnSpc="1">
+            <a:prstTxWarp prst="textNoShape">
+              <a:avLst/>
+            </a:prstTxWarp>
+          </a:bodyPr>
+          <a:lstStyle/>
+          <a:p>
+            <a:endParaRPr lang="ko-KR" altLang="en-US"/>
           </a:p>
         </p:txBody>
       </p:sp>
       <p:pic>
         <p:nvPicPr>
-          <p:cNvPr id="1027" name="Picture 3"/>
+          <p:cNvPr id="9" name="그림 8" descr="6.png"/>
+          <p:cNvPicPr>
+            <a:picLocks noChangeAspect="1"/>
+          </p:cNvPicPr>
+          <p:nvPr/>
+        </p:nvPicPr>
+        <p:blipFill>
+          <a:blip r:embed="rId3" cstate="print"/>
+          <a:stretch>
+            <a:fillRect/>
+          </a:stretch>
+        </p:blipFill>
+        <p:spPr>
+          <a:xfrm>
+            <a:off x="0" y="1988841"/>
+            <a:ext cx="1964457" cy="3456384"/>
+          </a:xfrm>
+          <a:prstGeom prst="rect">
+            <a:avLst/>
+          </a:prstGeom>
+        </p:spPr>
+      </p:pic>
+      <p:pic>
+        <p:nvPicPr>
+          <p:cNvPr id="2050" name="Picture 2"/>
           <p:cNvPicPr>
             <a:picLocks noChangeAspect="1" noChangeArrowheads="1"/>
           </p:cNvPicPr>
@@ -6144,8 +7384,40 @@
         </p:blipFill>
         <p:spPr bwMode="auto">
           <a:xfrm>
-            <a:off x="673754" y="4005065"/>
-            <a:ext cx="8470247" cy="2852936"/>
+            <a:off x="1835696" y="3068960"/>
+            <a:ext cx="3744416" cy="2924944"/>
+          </a:xfrm>
+          <a:prstGeom prst="rect">
+            <a:avLst/>
+          </a:prstGeom>
+          <a:noFill/>
+          <a:ln w="9525">
+            <a:noFill/>
+            <a:miter lim="800000"/>
+            <a:headEnd/>
+            <a:tailEnd/>
+          </a:ln>
+        </p:spPr>
+      </p:pic>
+      <p:pic>
+        <p:nvPicPr>
+          <p:cNvPr id="2051" name="Picture 3"/>
+          <p:cNvPicPr>
+            <a:picLocks noChangeAspect="1" noChangeArrowheads="1"/>
+          </p:cNvPicPr>
+          <p:nvPr/>
+        </p:nvPicPr>
+        <p:blipFill>
+          <a:blip r:embed="rId5" cstate="print"/>
+          <a:srcRect/>
+          <a:stretch>
+            <a:fillRect/>
+          </a:stretch>
+        </p:blipFill>
+        <p:spPr bwMode="auto">
+          <a:xfrm>
+            <a:off x="4708079" y="3573016"/>
+            <a:ext cx="4435921" cy="3284984"/>
           </a:xfrm>
           <a:prstGeom prst="rect">
             <a:avLst/>
@@ -6207,14 +7479,18 @@
           <a:lstStyle/>
           <a:p>
             <a:r>
-              <a:rPr lang="en-US" altLang="ko-KR" dirty="0" smtClean="0"/>
-              <a:t>3. </a:t>
-            </a:r>
-            <a:r>
-              <a:rPr lang="ko-KR" altLang="en-US" dirty="0" smtClean="0"/>
-              <a:t>특징</a:t>
-            </a:r>
-            <a:endParaRPr lang="ko-KR" altLang="en-US" dirty="0"/>
+              <a:rPr lang="en-US" altLang="ko-KR" dirty="0" smtClean="0">
+                <a:latin typeface="Arial Unicode MS" pitchFamily="50" charset="-127"/>
+                <a:ea typeface="Arial Unicode MS" pitchFamily="50" charset="-127"/>
+                <a:cs typeface="Arial Unicode MS" pitchFamily="50" charset="-127"/>
+              </a:rPr>
+              <a:t>4. Principles</a:t>
+            </a:r>
+            <a:endParaRPr lang="ko-KR" altLang="en-US" dirty="0">
+              <a:latin typeface="Arial Unicode MS" pitchFamily="50" charset="-127"/>
+              <a:ea typeface="Arial Unicode MS" pitchFamily="50" charset="-127"/>
+              <a:cs typeface="Arial Unicode MS" pitchFamily="50" charset="-127"/>
+            </a:endParaRPr>
           </a:p>
         </p:txBody>
       </p:sp>
@@ -6231,108 +7507,506 @@
         <p:spPr/>
         <p:txBody>
           <a:bodyPr>
-            <a:normAutofit/>
+            <a:normAutofit fontScale="92500"/>
           </a:bodyPr>
           <a:lstStyle/>
           <a:p>
             <a:r>
-              <a:rPr lang="en-US" altLang="ko-KR" sz="2400" dirty="0" smtClean="0"/>
-              <a:t>Database</a:t>
-            </a:r>
-            <a:r>
-              <a:rPr lang="en-US" altLang="ko-KR" sz="2400" dirty="0"/>
-              <a:t>, web ftp, mobile </a:t>
-            </a:r>
-            <a:r>
-              <a:rPr lang="en-US" altLang="ko-KR" sz="2400" dirty="0" smtClean="0"/>
-              <a:t>application</a:t>
-            </a:r>
-            <a:r>
-              <a:rPr lang="ko-KR" altLang="ko-KR" sz="2400" dirty="0" smtClean="0"/>
-              <a:t> 연동</a:t>
-            </a:r>
-            <a:endParaRPr lang="en-US" altLang="ko-KR" sz="2400" dirty="0" smtClean="0"/>
-          </a:p>
-          <a:p>
-            <a:endParaRPr lang="ko-KR" altLang="ko-KR" sz="2400" dirty="0"/>
-          </a:p>
-          <a:p>
-            <a:r>
-              <a:rPr lang="ko-KR" altLang="ko-KR" sz="2400" dirty="0" smtClean="0"/>
-              <a:t>실</a:t>
-            </a:r>
-            <a:r>
-              <a:rPr lang="ko-KR" altLang="en-US" sz="2400" dirty="0" smtClean="0"/>
-              <a:t>제</a:t>
-            </a:r>
-            <a:r>
-              <a:rPr lang="ko-KR" altLang="ko-KR" sz="2400" dirty="0" smtClean="0"/>
+              <a:rPr lang="en-US" altLang="ko-KR" sz="2400" dirty="0">
+                <a:latin typeface="Arial Unicode MS" pitchFamily="50" charset="-127"/>
+                <a:ea typeface="Arial Unicode MS" pitchFamily="50" charset="-127"/>
+                <a:cs typeface="Arial Unicode MS" pitchFamily="50" charset="-127"/>
+              </a:rPr>
+              <a:t>DB</a:t>
+            </a:r>
+            <a:r>
+              <a:rPr lang="ko-KR" altLang="ko-KR" sz="2400" dirty="0">
+                <a:latin typeface="Arial Unicode MS" pitchFamily="50" charset="-127"/>
+                <a:ea typeface="Arial Unicode MS" pitchFamily="50" charset="-127"/>
+                <a:cs typeface="Arial Unicode MS" pitchFamily="50" charset="-127"/>
+              </a:rPr>
+              <a:t>에 </a:t>
+            </a:r>
+            <a:r>
+              <a:rPr lang="ko-KR" altLang="en-US" sz="2400" dirty="0" smtClean="0">
+                <a:latin typeface="Arial Unicode MS" pitchFamily="50" charset="-127"/>
+                <a:ea typeface="Arial Unicode MS" pitchFamily="50" charset="-127"/>
+                <a:cs typeface="Arial Unicode MS" pitchFamily="50" charset="-127"/>
+              </a:rPr>
+              <a:t>국회의원 </a:t>
+            </a:r>
+            <a:r>
+              <a:rPr lang="ko-KR" altLang="en-US" sz="2400" dirty="0" smtClean="0">
+                <a:latin typeface="Arial Unicode MS" pitchFamily="50" charset="-127"/>
+                <a:ea typeface="Arial Unicode MS" pitchFamily="50" charset="-127"/>
+                <a:cs typeface="Arial Unicode MS" pitchFamily="50" charset="-127"/>
+              </a:rPr>
+              <a:t>정보를 </a:t>
+            </a:r>
+            <a:r>
+              <a:rPr lang="ko-KR" altLang="ko-KR" sz="2400" dirty="0" smtClean="0">
+                <a:latin typeface="Arial Unicode MS" pitchFamily="50" charset="-127"/>
+                <a:ea typeface="Arial Unicode MS" pitchFamily="50" charset="-127"/>
+                <a:cs typeface="Arial Unicode MS" pitchFamily="50" charset="-127"/>
+              </a:rPr>
+              <a:t>저장해 </a:t>
+            </a:r>
+            <a:r>
+              <a:rPr lang="ko-KR" altLang="ko-KR" sz="2400" dirty="0">
+                <a:latin typeface="Arial Unicode MS" pitchFamily="50" charset="-127"/>
+                <a:ea typeface="Arial Unicode MS" pitchFamily="50" charset="-127"/>
+                <a:cs typeface="Arial Unicode MS" pitchFamily="50" charset="-127"/>
+              </a:rPr>
+              <a:t>놓는다</a:t>
+            </a:r>
+            <a:r>
+              <a:rPr lang="en-US" altLang="ko-KR" sz="2400" dirty="0">
+                <a:latin typeface="Arial Unicode MS" pitchFamily="50" charset="-127"/>
+                <a:ea typeface="Arial Unicode MS" pitchFamily="50" charset="-127"/>
+                <a:cs typeface="Arial Unicode MS" pitchFamily="50" charset="-127"/>
+              </a:rPr>
+              <a:t>. </a:t>
+            </a:r>
+            <a:endParaRPr lang="en-US" altLang="ko-KR" sz="2400" dirty="0" smtClean="0">
+              <a:latin typeface="Arial Unicode MS" pitchFamily="50" charset="-127"/>
+              <a:ea typeface="Arial Unicode MS" pitchFamily="50" charset="-127"/>
+              <a:cs typeface="Arial Unicode MS" pitchFamily="50" charset="-127"/>
+            </a:endParaRPr>
+          </a:p>
+          <a:p>
+            <a:endParaRPr lang="ko-KR" altLang="ko-KR" sz="2400" dirty="0">
+              <a:latin typeface="Arial Unicode MS" pitchFamily="50" charset="-127"/>
+              <a:ea typeface="Arial Unicode MS" pitchFamily="50" charset="-127"/>
+              <a:cs typeface="Arial Unicode MS" pitchFamily="50" charset="-127"/>
+            </a:endParaRPr>
+          </a:p>
+          <a:p>
+            <a:r>
+              <a:rPr lang="ko-KR" altLang="ko-KR" sz="2400" dirty="0">
+                <a:latin typeface="Arial Unicode MS" pitchFamily="50" charset="-127"/>
+                <a:ea typeface="Arial Unicode MS" pitchFamily="50" charset="-127"/>
+                <a:cs typeface="Arial Unicode MS" pitchFamily="50" charset="-127"/>
+              </a:rPr>
+              <a:t>서버프로그램</a:t>
+            </a:r>
+            <a:r>
+              <a:rPr lang="en-US" altLang="ko-KR" sz="2400" dirty="0">
+                <a:latin typeface="Arial Unicode MS" pitchFamily="50" charset="-127"/>
+                <a:ea typeface="Arial Unicode MS" pitchFamily="50" charset="-127"/>
+                <a:cs typeface="Arial Unicode MS" pitchFamily="50" charset="-127"/>
+              </a:rPr>
+              <a:t>, </a:t>
+            </a:r>
+            <a:r>
+              <a:rPr lang="ko-KR" altLang="ko-KR" sz="2400" dirty="0">
+                <a:latin typeface="Arial Unicode MS" pitchFamily="50" charset="-127"/>
+                <a:ea typeface="Arial Unicode MS" pitchFamily="50" charset="-127"/>
+                <a:cs typeface="Arial Unicode MS" pitchFamily="50" charset="-127"/>
+              </a:rPr>
+              <a:t>즉</a:t>
+            </a:r>
+            <a:r>
+              <a:rPr lang="en-US" altLang="ko-KR" sz="2400" dirty="0">
+                <a:latin typeface="Arial Unicode MS" pitchFamily="50" charset="-127"/>
+                <a:ea typeface="Arial Unicode MS" pitchFamily="50" charset="-127"/>
+                <a:cs typeface="Arial Unicode MS" pitchFamily="50" charset="-127"/>
+              </a:rPr>
               <a:t> </a:t>
             </a:r>
             <a:r>
-              <a:rPr lang="ko-KR" altLang="ko-KR" sz="2400" dirty="0"/>
-              <a:t>사용자에게 정보를 입력 받으므로 유의미한 </a:t>
-            </a:r>
-            <a:r>
-              <a:rPr lang="ko-KR" altLang="ko-KR" sz="2400" dirty="0" smtClean="0"/>
-              <a:t>데이터</a:t>
-            </a:r>
-            <a:r>
-              <a:rPr lang="en-US" altLang="ko-KR" sz="2400" dirty="0" smtClean="0"/>
+              <a:rPr lang="en-US" altLang="ko-KR" sz="2400" dirty="0" err="1">
+                <a:latin typeface="Arial Unicode MS" pitchFamily="50" charset="-127"/>
+                <a:ea typeface="Arial Unicode MS" pitchFamily="50" charset="-127"/>
+                <a:cs typeface="Arial Unicode MS" pitchFamily="50" charset="-127"/>
+              </a:rPr>
+              <a:t>php</a:t>
+            </a:r>
+            <a:r>
+              <a:rPr lang="en-US" altLang="ko-KR" sz="2400" dirty="0">
+                <a:latin typeface="Arial Unicode MS" pitchFamily="50" charset="-127"/>
+                <a:ea typeface="Arial Unicode MS" pitchFamily="50" charset="-127"/>
+                <a:cs typeface="Arial Unicode MS" pitchFamily="50" charset="-127"/>
+              </a:rPr>
               <a:t> </a:t>
             </a:r>
             <a:r>
-              <a:rPr lang="ko-KR" altLang="en-US" sz="2400" dirty="0" smtClean="0"/>
-              <a:t>수집가능</a:t>
-            </a:r>
-            <a:r>
-              <a:rPr lang="en-US" altLang="ko-KR" sz="2400" dirty="0" smtClean="0"/>
+              <a:rPr lang="ko-KR" altLang="ko-KR" sz="2400" dirty="0">
+                <a:latin typeface="Arial Unicode MS" pitchFamily="50" charset="-127"/>
+                <a:ea typeface="Arial Unicode MS" pitchFamily="50" charset="-127"/>
+                <a:cs typeface="Arial Unicode MS" pitchFamily="50" charset="-127"/>
+              </a:rPr>
+              <a:t>파일을 </a:t>
+            </a:r>
+            <a:r>
+              <a:rPr lang="en-US" altLang="ko-KR" sz="2400" dirty="0">
+                <a:latin typeface="Arial Unicode MS" pitchFamily="50" charset="-127"/>
+                <a:ea typeface="Arial Unicode MS" pitchFamily="50" charset="-127"/>
+                <a:cs typeface="Arial Unicode MS" pitchFamily="50" charset="-127"/>
+              </a:rPr>
+              <a:t>web ftp </a:t>
+            </a:r>
+            <a:r>
+              <a:rPr lang="ko-KR" altLang="ko-KR" sz="2400" dirty="0">
+                <a:latin typeface="Arial Unicode MS" pitchFamily="50" charset="-127"/>
+                <a:ea typeface="Arial Unicode MS" pitchFamily="50" charset="-127"/>
+                <a:cs typeface="Arial Unicode MS" pitchFamily="50" charset="-127"/>
+              </a:rPr>
+              <a:t>에 업로드 해 놓는다</a:t>
+            </a:r>
+            <a:r>
+              <a:rPr lang="en-US" altLang="ko-KR" sz="2400" dirty="0">
+                <a:latin typeface="Arial Unicode MS" pitchFamily="50" charset="-127"/>
+                <a:ea typeface="Arial Unicode MS" pitchFamily="50" charset="-127"/>
+                <a:cs typeface="Arial Unicode MS" pitchFamily="50" charset="-127"/>
+              </a:rPr>
+              <a:t>. </a:t>
+            </a:r>
+            <a:endParaRPr lang="en-US" altLang="ko-KR" sz="2400" dirty="0" smtClean="0">
+              <a:latin typeface="Arial Unicode MS" pitchFamily="50" charset="-127"/>
+              <a:ea typeface="Arial Unicode MS" pitchFamily="50" charset="-127"/>
+              <a:cs typeface="Arial Unicode MS" pitchFamily="50" charset="-127"/>
+            </a:endParaRPr>
+          </a:p>
+          <a:p>
+            <a:endParaRPr lang="ko-KR" altLang="ko-KR" sz="2400" dirty="0">
+              <a:latin typeface="Arial Unicode MS" pitchFamily="50" charset="-127"/>
+              <a:ea typeface="Arial Unicode MS" pitchFamily="50" charset="-127"/>
+              <a:cs typeface="Arial Unicode MS" pitchFamily="50" charset="-127"/>
+            </a:endParaRPr>
+          </a:p>
+          <a:p>
+            <a:r>
+              <a:rPr lang="ko-KR" altLang="ko-KR" sz="2400" dirty="0" smtClean="0">
+                <a:latin typeface="Arial Unicode MS" pitchFamily="50" charset="-127"/>
+                <a:ea typeface="Arial Unicode MS" pitchFamily="50" charset="-127"/>
+                <a:cs typeface="Arial Unicode MS" pitchFamily="50" charset="-127"/>
+              </a:rPr>
+              <a:t>사용자</a:t>
+            </a:r>
+            <a:r>
+              <a:rPr lang="ko-KR" altLang="en-US" sz="2400" dirty="0" smtClean="0">
+                <a:latin typeface="Arial Unicode MS" pitchFamily="50" charset="-127"/>
+                <a:ea typeface="Arial Unicode MS" pitchFamily="50" charset="-127"/>
+                <a:cs typeface="Arial Unicode MS" pitchFamily="50" charset="-127"/>
+              </a:rPr>
+              <a:t>의 로그인</a:t>
+            </a:r>
+            <a:r>
+              <a:rPr lang="en-US" altLang="ko-KR" sz="2400" dirty="0" smtClean="0">
+                <a:latin typeface="Arial Unicode MS" pitchFamily="50" charset="-127"/>
+                <a:ea typeface="Arial Unicode MS" pitchFamily="50" charset="-127"/>
+                <a:cs typeface="Arial Unicode MS" pitchFamily="50" charset="-127"/>
+              </a:rPr>
+              <a:t>, </a:t>
+            </a:r>
+            <a:r>
+              <a:rPr lang="ko-KR" altLang="en-US" sz="2400" dirty="0" smtClean="0">
+                <a:latin typeface="Arial Unicode MS" pitchFamily="50" charset="-127"/>
+                <a:ea typeface="Arial Unicode MS" pitchFamily="50" charset="-127"/>
+                <a:cs typeface="Arial Unicode MS" pitchFamily="50" charset="-127"/>
+              </a:rPr>
+              <a:t>회원가입</a:t>
+            </a:r>
+            <a:r>
+              <a:rPr lang="en-US" altLang="ko-KR" sz="2400" dirty="0" smtClean="0">
+                <a:latin typeface="Arial Unicode MS" pitchFamily="50" charset="-127"/>
+                <a:ea typeface="Arial Unicode MS" pitchFamily="50" charset="-127"/>
+                <a:cs typeface="Arial Unicode MS" pitchFamily="50" charset="-127"/>
+              </a:rPr>
+              <a:t>, </a:t>
+            </a:r>
+            <a:r>
+              <a:rPr lang="ko-KR" altLang="en-US" sz="2400" dirty="0" smtClean="0">
+                <a:latin typeface="Arial Unicode MS" pitchFamily="50" charset="-127"/>
+                <a:ea typeface="Arial Unicode MS" pitchFamily="50" charset="-127"/>
+                <a:cs typeface="Arial Unicode MS" pitchFamily="50" charset="-127"/>
+              </a:rPr>
+              <a:t>투표 </a:t>
+            </a:r>
+            <a:r>
+              <a:rPr lang="en-US" altLang="ko-KR" sz="2400" dirty="0" smtClean="0">
+                <a:latin typeface="Arial Unicode MS" pitchFamily="50" charset="-127"/>
+                <a:ea typeface="Arial Unicode MS" pitchFamily="50" charset="-127"/>
+                <a:cs typeface="Arial Unicode MS" pitchFamily="50" charset="-127"/>
+              </a:rPr>
+              <a:t>=&gt; </a:t>
+            </a:r>
+            <a:r>
+              <a:rPr lang="ko-KR" altLang="ko-KR" sz="2400" dirty="0" smtClean="0">
+                <a:latin typeface="Arial Unicode MS" pitchFamily="50" charset="-127"/>
+                <a:ea typeface="Arial Unicode MS" pitchFamily="50" charset="-127"/>
+                <a:cs typeface="Arial Unicode MS" pitchFamily="50" charset="-127"/>
+              </a:rPr>
+              <a:t>해당되는</a:t>
+            </a:r>
+            <a:r>
+              <a:rPr lang="en-US" altLang="ko-KR" sz="2400" dirty="0" smtClean="0">
+                <a:latin typeface="Arial Unicode MS" pitchFamily="50" charset="-127"/>
+                <a:ea typeface="Arial Unicode MS" pitchFamily="50" charset="-127"/>
+                <a:cs typeface="Arial Unicode MS" pitchFamily="50" charset="-127"/>
+              </a:rPr>
               <a:t> </a:t>
             </a:r>
-          </a:p>
-          <a:p>
-            <a:endParaRPr lang="ko-KR" altLang="ko-KR" sz="2400" dirty="0"/>
-          </a:p>
-          <a:p>
-            <a:r>
-              <a:rPr lang="ko-KR" altLang="ko-KR" sz="2400" dirty="0" smtClean="0"/>
-              <a:t>다수의 </a:t>
-            </a:r>
-            <a:r>
-              <a:rPr lang="ko-KR" altLang="ko-KR" sz="2400" dirty="0"/>
-              <a:t>사용자에게 데이터를 입력 받으므로 </a:t>
-            </a:r>
-            <a:r>
-              <a:rPr lang="ko-KR" altLang="ko-KR" sz="2400" dirty="0" smtClean="0"/>
-              <a:t>통계처리 가능</a:t>
-            </a:r>
-            <a:endParaRPr lang="en-US" altLang="ko-KR" sz="2400" dirty="0" smtClean="0"/>
-          </a:p>
-          <a:p>
-            <a:endParaRPr lang="ko-KR" altLang="ko-KR" sz="2400" dirty="0"/>
-          </a:p>
-          <a:p>
-            <a:r>
-              <a:rPr lang="ko-KR" altLang="ko-KR" sz="2400" dirty="0" smtClean="0"/>
-              <a:t>개인정보 </a:t>
-            </a:r>
-            <a:r>
-              <a:rPr lang="ko-KR" altLang="ko-KR" sz="2400" dirty="0"/>
-              <a:t>보호를 위해 회원가입 시 사용자가 입력한 비밀번호는 암호화되어</a:t>
-            </a:r>
-            <a:r>
-              <a:rPr lang="en-US" altLang="ko-KR" sz="2400" dirty="0"/>
+            <a:r>
+              <a:rPr lang="en-US" altLang="ko-KR" sz="2400" dirty="0" err="1">
+                <a:latin typeface="Arial Unicode MS" pitchFamily="50" charset="-127"/>
+                <a:ea typeface="Arial Unicode MS" pitchFamily="50" charset="-127"/>
+                <a:cs typeface="Arial Unicode MS" pitchFamily="50" charset="-127"/>
+              </a:rPr>
+              <a:t>php</a:t>
+            </a:r>
+            <a:r>
+              <a:rPr lang="en-US" altLang="ko-KR" sz="2400" dirty="0">
+                <a:latin typeface="Arial Unicode MS" pitchFamily="50" charset="-127"/>
+                <a:ea typeface="Arial Unicode MS" pitchFamily="50" charset="-127"/>
+                <a:cs typeface="Arial Unicode MS" pitchFamily="50" charset="-127"/>
+              </a:rPr>
+              <a:t> </a:t>
+            </a:r>
+            <a:r>
+              <a:rPr lang="ko-KR" altLang="ko-KR" sz="2400" dirty="0">
+                <a:latin typeface="Arial Unicode MS" pitchFamily="50" charset="-127"/>
+                <a:ea typeface="Arial Unicode MS" pitchFamily="50" charset="-127"/>
+                <a:cs typeface="Arial Unicode MS" pitchFamily="50" charset="-127"/>
+              </a:rPr>
+              <a:t>파일에 포함되어 있는</a:t>
+            </a:r>
+            <a:r>
+              <a:rPr lang="en-US" altLang="ko-KR" sz="2400" dirty="0">
+                <a:latin typeface="Arial Unicode MS" pitchFamily="50" charset="-127"/>
+                <a:ea typeface="Arial Unicode MS" pitchFamily="50" charset="-127"/>
+                <a:cs typeface="Arial Unicode MS" pitchFamily="50" charset="-127"/>
+              </a:rPr>
+              <a:t> instruction </a:t>
+            </a:r>
+            <a:r>
+              <a:rPr lang="ko-KR" altLang="ko-KR" sz="2400" dirty="0">
+                <a:latin typeface="Arial Unicode MS" pitchFamily="50" charset="-127"/>
+                <a:ea typeface="Arial Unicode MS" pitchFamily="50" charset="-127"/>
+                <a:cs typeface="Arial Unicode MS" pitchFamily="50" charset="-127"/>
+              </a:rPr>
+              <a:t>에 따라</a:t>
+            </a:r>
+            <a:r>
+              <a:rPr lang="en-US" altLang="ko-KR" sz="2400" dirty="0">
+                <a:latin typeface="Arial Unicode MS" pitchFamily="50" charset="-127"/>
+                <a:ea typeface="Arial Unicode MS" pitchFamily="50" charset="-127"/>
+                <a:cs typeface="Arial Unicode MS" pitchFamily="50" charset="-127"/>
+              </a:rPr>
+              <a:t> </a:t>
+            </a:r>
+            <a:r>
+              <a:rPr lang="en-US" altLang="ko-KR" sz="2400" dirty="0" smtClean="0">
+                <a:latin typeface="Arial Unicode MS" pitchFamily="50" charset="-127"/>
+                <a:ea typeface="Arial Unicode MS" pitchFamily="50" charset="-127"/>
+                <a:cs typeface="Arial Unicode MS" pitchFamily="50" charset="-127"/>
+              </a:rPr>
+              <a:t>DB</a:t>
+            </a:r>
+            <a:r>
+              <a:rPr lang="ko-KR" altLang="en-US" sz="2400" dirty="0" smtClean="0">
+                <a:latin typeface="Arial Unicode MS" pitchFamily="50" charset="-127"/>
+                <a:ea typeface="Arial Unicode MS" pitchFamily="50" charset="-127"/>
+                <a:cs typeface="Arial Unicode MS" pitchFamily="50" charset="-127"/>
+              </a:rPr>
+              <a:t>를 대상으로 </a:t>
+            </a:r>
+            <a:r>
+              <a:rPr lang="en-US" altLang="ko-KR" sz="2400" dirty="0" smtClean="0">
+                <a:latin typeface="Arial Unicode MS" pitchFamily="50" charset="-127"/>
+                <a:ea typeface="Arial Unicode MS" pitchFamily="50" charset="-127"/>
+                <a:cs typeface="Arial Unicode MS" pitchFamily="50" charset="-127"/>
+              </a:rPr>
+              <a:t>query </a:t>
+            </a:r>
+            <a:r>
+              <a:rPr lang="ko-KR" altLang="en-US" sz="2400" dirty="0" smtClean="0">
+                <a:latin typeface="Arial Unicode MS" pitchFamily="50" charset="-127"/>
+                <a:ea typeface="Arial Unicode MS" pitchFamily="50" charset="-127"/>
+                <a:cs typeface="Arial Unicode MS" pitchFamily="50" charset="-127"/>
+              </a:rPr>
+              <a:t>진행</a:t>
+            </a:r>
+            <a:endParaRPr lang="en-US" altLang="ko-KR" sz="2400" dirty="0" smtClean="0">
+              <a:latin typeface="Arial Unicode MS" pitchFamily="50" charset="-127"/>
+              <a:ea typeface="Arial Unicode MS" pitchFamily="50" charset="-127"/>
+              <a:cs typeface="Arial Unicode MS" pitchFamily="50" charset="-127"/>
+            </a:endParaRPr>
+          </a:p>
+          <a:p>
+            <a:endParaRPr lang="en-US" altLang="ko-KR" sz="2400" dirty="0" smtClean="0">
+              <a:latin typeface="Arial Unicode MS" pitchFamily="50" charset="-127"/>
+              <a:ea typeface="Arial Unicode MS" pitchFamily="50" charset="-127"/>
+              <a:cs typeface="Arial Unicode MS" pitchFamily="50" charset="-127"/>
+            </a:endParaRPr>
+          </a:p>
+          <a:p>
+            <a:r>
+              <a:rPr lang="ko-KR" altLang="en-US" sz="2400" dirty="0" smtClean="0">
+                <a:latin typeface="Arial Unicode MS" pitchFamily="50" charset="-127"/>
+                <a:ea typeface="Arial Unicode MS" pitchFamily="50" charset="-127"/>
+                <a:cs typeface="Arial Unicode MS" pitchFamily="50" charset="-127"/>
+              </a:rPr>
+              <a:t>사용자정보</a:t>
+            </a:r>
+            <a:r>
+              <a:rPr lang="en-US" altLang="ko-KR" sz="2400" dirty="0" smtClean="0">
+                <a:latin typeface="Arial Unicode MS" pitchFamily="50" charset="-127"/>
+                <a:ea typeface="Arial Unicode MS" pitchFamily="50" charset="-127"/>
+                <a:cs typeface="Arial Unicode MS" pitchFamily="50" charset="-127"/>
+              </a:rPr>
+              <a:t>, </a:t>
+            </a:r>
+            <a:r>
+              <a:rPr lang="ko-KR" altLang="en-US" sz="2400" dirty="0" smtClean="0">
+                <a:latin typeface="Arial Unicode MS" pitchFamily="50" charset="-127"/>
+                <a:ea typeface="Arial Unicode MS" pitchFamily="50" charset="-127"/>
+                <a:cs typeface="Arial Unicode MS" pitchFamily="50" charset="-127"/>
+              </a:rPr>
+              <a:t>투표결과를</a:t>
+            </a:r>
+            <a:r>
+              <a:rPr lang="en-US" altLang="ko-KR" sz="2400" dirty="0" smtClean="0">
+                <a:latin typeface="Arial Unicode MS" pitchFamily="50" charset="-127"/>
+                <a:ea typeface="Arial Unicode MS" pitchFamily="50" charset="-127"/>
+                <a:cs typeface="Arial Unicode MS" pitchFamily="50" charset="-127"/>
+              </a:rPr>
               <a:t> DB</a:t>
             </a:r>
             <a:r>
-              <a:rPr lang="ko-KR" altLang="ko-KR" sz="2400" dirty="0"/>
+              <a:rPr lang="ko-KR" altLang="ko-KR" sz="2400" dirty="0" smtClean="0">
+                <a:latin typeface="Arial Unicode MS" pitchFamily="50" charset="-127"/>
+                <a:ea typeface="Arial Unicode MS" pitchFamily="50" charset="-127"/>
+                <a:cs typeface="Arial Unicode MS" pitchFamily="50" charset="-127"/>
+              </a:rPr>
               <a:t>에 </a:t>
             </a:r>
             <a:r>
-              <a:rPr lang="ko-KR" altLang="en-US" sz="2400" dirty="0" smtClean="0"/>
-              <a:t>저장됨</a:t>
-            </a:r>
-            <a:endParaRPr lang="ko-KR" altLang="ko-KR" sz="2400" dirty="0"/>
+              <a:rPr lang="ko-KR" altLang="ko-KR" sz="2400" dirty="0">
+                <a:latin typeface="Arial Unicode MS" pitchFamily="50" charset="-127"/>
+                <a:ea typeface="Arial Unicode MS" pitchFamily="50" charset="-127"/>
+                <a:cs typeface="Arial Unicode MS" pitchFamily="50" charset="-127"/>
+              </a:rPr>
+              <a:t>업데이트 할 </a:t>
+            </a:r>
+            <a:r>
+              <a:rPr lang="ko-KR" altLang="ko-KR" sz="2400" dirty="0" smtClean="0">
+                <a:latin typeface="Arial Unicode MS" pitchFamily="50" charset="-127"/>
+                <a:ea typeface="Arial Unicode MS" pitchFamily="50" charset="-127"/>
+                <a:cs typeface="Arial Unicode MS" pitchFamily="50" charset="-127"/>
+              </a:rPr>
+              <a:t>수 있</a:t>
+            </a:r>
+            <a:r>
+              <a:rPr lang="ko-KR" altLang="en-US" sz="2400" dirty="0" smtClean="0">
+                <a:latin typeface="Arial Unicode MS" pitchFamily="50" charset="-127"/>
+                <a:ea typeface="Arial Unicode MS" pitchFamily="50" charset="-127"/>
+                <a:cs typeface="Arial Unicode MS" pitchFamily="50" charset="-127"/>
+              </a:rPr>
+              <a:t>다</a:t>
+            </a:r>
+            <a:r>
+              <a:rPr lang="en-US" altLang="ko-KR" sz="2400" dirty="0" smtClean="0">
+                <a:latin typeface="Arial Unicode MS" pitchFamily="50" charset="-127"/>
+                <a:ea typeface="Arial Unicode MS" pitchFamily="50" charset="-127"/>
+                <a:cs typeface="Arial Unicode MS" pitchFamily="50" charset="-127"/>
+              </a:rPr>
+              <a:t>.</a:t>
+            </a:r>
+          </a:p>
+          <a:p>
+            <a:endParaRPr lang="en-US" altLang="ko-KR" sz="2400" dirty="0" smtClean="0">
+              <a:latin typeface="Arial Unicode MS" pitchFamily="50" charset="-127"/>
+              <a:ea typeface="Arial Unicode MS" pitchFamily="50" charset="-127"/>
+              <a:cs typeface="Arial Unicode MS" pitchFamily="50" charset="-127"/>
+            </a:endParaRPr>
+          </a:p>
+          <a:p>
+            <a:r>
+              <a:rPr lang="en-US" altLang="ko-KR" sz="2400" dirty="0" smtClean="0">
+                <a:latin typeface="Arial Unicode MS" pitchFamily="50" charset="-127"/>
+                <a:ea typeface="Arial Unicode MS" pitchFamily="50" charset="-127"/>
+                <a:cs typeface="Arial Unicode MS" pitchFamily="50" charset="-127"/>
+              </a:rPr>
+              <a:t> DB</a:t>
+            </a:r>
+            <a:r>
+              <a:rPr lang="ko-KR" altLang="ko-KR" sz="2400" dirty="0" smtClean="0">
+                <a:latin typeface="Arial Unicode MS" pitchFamily="50" charset="-127"/>
+                <a:ea typeface="Arial Unicode MS" pitchFamily="50" charset="-127"/>
+                <a:cs typeface="Arial Unicode MS" pitchFamily="50" charset="-127"/>
+              </a:rPr>
+              <a:t>에서 </a:t>
+            </a:r>
+            <a:r>
+              <a:rPr lang="ko-KR" altLang="en-US" sz="2400" dirty="0" smtClean="0">
+                <a:latin typeface="Arial Unicode MS" pitchFamily="50" charset="-127"/>
+                <a:ea typeface="Arial Unicode MS" pitchFamily="50" charset="-127"/>
+                <a:cs typeface="Arial Unicode MS" pitchFamily="50" charset="-127"/>
+              </a:rPr>
+              <a:t>모바일 </a:t>
+            </a:r>
+            <a:r>
+              <a:rPr lang="ko-KR" altLang="en-US" sz="2400" dirty="0" err="1" smtClean="0">
+                <a:latin typeface="Arial Unicode MS" pitchFamily="50" charset="-127"/>
+                <a:ea typeface="Arial Unicode MS" pitchFamily="50" charset="-127"/>
+                <a:cs typeface="Arial Unicode MS" pitchFamily="50" charset="-127"/>
+              </a:rPr>
+              <a:t>앱</a:t>
+            </a:r>
+            <a:r>
+              <a:rPr lang="ko-KR" altLang="ko-KR" sz="2400" dirty="0" err="1" smtClean="0">
+                <a:latin typeface="Arial Unicode MS" pitchFamily="50" charset="-127"/>
+                <a:ea typeface="Arial Unicode MS" pitchFamily="50" charset="-127"/>
+                <a:cs typeface="Arial Unicode MS" pitchFamily="50" charset="-127"/>
+              </a:rPr>
+              <a:t>으로</a:t>
+            </a:r>
+            <a:r>
+              <a:rPr lang="ko-KR" altLang="ko-KR" sz="2400" dirty="0" smtClean="0">
+                <a:latin typeface="Arial Unicode MS" pitchFamily="50" charset="-127"/>
+                <a:ea typeface="Arial Unicode MS" pitchFamily="50" charset="-127"/>
+                <a:cs typeface="Arial Unicode MS" pitchFamily="50" charset="-127"/>
+              </a:rPr>
+              <a:t> </a:t>
+            </a:r>
+            <a:r>
+              <a:rPr lang="ko-KR" altLang="en-US" sz="2400" dirty="0" smtClean="0">
+                <a:latin typeface="Arial Unicode MS" pitchFamily="50" charset="-127"/>
+                <a:ea typeface="Arial Unicode MS" pitchFamily="50" charset="-127"/>
+                <a:cs typeface="Arial Unicode MS" pitchFamily="50" charset="-127"/>
+              </a:rPr>
+              <a:t>데이터로 </a:t>
+            </a:r>
+            <a:r>
+              <a:rPr lang="ko-KR" altLang="ko-KR" sz="2400" dirty="0" smtClean="0">
+                <a:latin typeface="Arial Unicode MS" pitchFamily="50" charset="-127"/>
+                <a:ea typeface="Arial Unicode MS" pitchFamily="50" charset="-127"/>
+                <a:cs typeface="Arial Unicode MS" pitchFamily="50" charset="-127"/>
+              </a:rPr>
+              <a:t>가져올 </a:t>
+            </a:r>
+            <a:r>
+              <a:rPr lang="ko-KR" altLang="ko-KR" sz="2400" dirty="0">
+                <a:latin typeface="Arial Unicode MS" pitchFamily="50" charset="-127"/>
+                <a:ea typeface="Arial Unicode MS" pitchFamily="50" charset="-127"/>
+                <a:cs typeface="Arial Unicode MS" pitchFamily="50" charset="-127"/>
+              </a:rPr>
+              <a:t>수도 있다</a:t>
+            </a:r>
+            <a:r>
+              <a:rPr lang="en-US" altLang="ko-KR" sz="2400" dirty="0">
+                <a:latin typeface="Arial Unicode MS" pitchFamily="50" charset="-127"/>
+                <a:ea typeface="Arial Unicode MS" pitchFamily="50" charset="-127"/>
+                <a:cs typeface="Arial Unicode MS" pitchFamily="50" charset="-127"/>
+              </a:rPr>
+              <a:t>. </a:t>
+            </a:r>
+            <a:endParaRPr lang="ko-KR" altLang="ko-KR" sz="2400" dirty="0">
+              <a:latin typeface="Arial Unicode MS" pitchFamily="50" charset="-127"/>
+              <a:ea typeface="Arial Unicode MS" pitchFamily="50" charset="-127"/>
+              <a:cs typeface="Arial Unicode MS" pitchFamily="50" charset="-127"/>
+            </a:endParaRPr>
           </a:p>
           <a:p>
             <a:endParaRPr lang="ko-KR" altLang="en-US" dirty="0"/>
@@ -6387,14 +8061,26 @@
           <a:lstStyle/>
           <a:p>
             <a:r>
-              <a:rPr lang="en-US" altLang="ko-KR" dirty="0" smtClean="0"/>
-              <a:t>3. </a:t>
-            </a:r>
-            <a:r>
-              <a:rPr lang="ko-KR" altLang="en-US" dirty="0" smtClean="0"/>
-              <a:t>구조 및 기능 </a:t>
-            </a:r>
-            <a:endParaRPr lang="ko-KR" altLang="en-US" dirty="0"/>
+              <a:rPr lang="en-US" altLang="ko-KR" dirty="0" smtClean="0">
+                <a:latin typeface="Arial Unicode MS" pitchFamily="50" charset="-127"/>
+                <a:ea typeface="Arial Unicode MS" pitchFamily="50" charset="-127"/>
+                <a:cs typeface="Arial Unicode MS" pitchFamily="50" charset="-127"/>
+              </a:rPr>
+              <a:t>5. Functions</a:t>
+            </a:r>
+            <a:r>
+              <a:rPr lang="ko-KR" altLang="en-US" dirty="0" smtClean="0">
+                <a:latin typeface="Arial Unicode MS" pitchFamily="50" charset="-127"/>
+                <a:ea typeface="Arial Unicode MS" pitchFamily="50" charset="-127"/>
+                <a:cs typeface="Arial Unicode MS" pitchFamily="50" charset="-127"/>
+              </a:rPr>
+              <a:t> </a:t>
+            </a:r>
+            <a:endParaRPr lang="ko-KR" altLang="en-US" dirty="0">
+              <a:latin typeface="Arial Unicode MS" pitchFamily="50" charset="-127"/>
+              <a:ea typeface="Arial Unicode MS" pitchFamily="50" charset="-127"/>
+              <a:cs typeface="Arial Unicode MS" pitchFamily="50" charset="-127"/>
+            </a:endParaRPr>
           </a:p>
         </p:txBody>
       </p:sp>
@@ -6420,285 +8106,439 @@
           </a:bodyPr>
           <a:lstStyle/>
           <a:p>
-            <a:r>
-              <a:rPr lang="ko-KR" altLang="ko-KR" sz="7200" dirty="0" smtClean="0"/>
+            <a:pPr>
+              <a:lnSpc>
+                <a:spcPct val="120000"/>
+              </a:lnSpc>
+            </a:pPr>
+            <a:r>
+              <a:rPr lang="ko-KR" altLang="ko-KR" sz="8000" dirty="0" smtClean="0">
+                <a:latin typeface="Arial Unicode MS" pitchFamily="50" charset="-127"/>
+                <a:ea typeface="Arial Unicode MS" pitchFamily="50" charset="-127"/>
+                <a:cs typeface="Arial Unicode MS" pitchFamily="50" charset="-127"/>
+              </a:rPr>
               <a:t>회원가입 화면 </a:t>
             </a:r>
-            <a:endParaRPr lang="ko-KR" altLang="ko-KR" sz="7200" dirty="0"/>
-          </a:p>
-          <a:p>
-            <a:pPr lvl="1"/>
-            <a:r>
-              <a:rPr lang="ko-KR" altLang="ko-KR" sz="7200" dirty="0"/>
-              <a:t>정교한 통계를 위해 회원가입 시 아이디</a:t>
-            </a:r>
-            <a:r>
-              <a:rPr lang="en-US" altLang="ko-KR" sz="7200" dirty="0"/>
+            <a:endParaRPr lang="en-US" altLang="ko-KR" sz="8000" dirty="0" smtClean="0">
+              <a:latin typeface="Arial Unicode MS" pitchFamily="50" charset="-127"/>
+              <a:ea typeface="Arial Unicode MS" pitchFamily="50" charset="-127"/>
+              <a:cs typeface="Arial Unicode MS" pitchFamily="50" charset="-127"/>
+            </a:endParaRPr>
+          </a:p>
+          <a:p>
+            <a:pPr>
+              <a:lnSpc>
+                <a:spcPct val="120000"/>
+              </a:lnSpc>
+            </a:pPr>
+            <a:r>
+              <a:rPr lang="ko-KR" altLang="ko-KR" sz="8000" dirty="0" smtClean="0">
+                <a:latin typeface="Arial Unicode MS" pitchFamily="50" charset="-127"/>
+                <a:ea typeface="Arial Unicode MS" pitchFamily="50" charset="-127"/>
+                <a:cs typeface="Arial Unicode MS" pitchFamily="50" charset="-127"/>
+              </a:rPr>
+              <a:t>로그인 </a:t>
+            </a:r>
+            <a:r>
+              <a:rPr lang="ko-KR" altLang="ko-KR" sz="8000" dirty="0">
+                <a:latin typeface="Arial Unicode MS" pitchFamily="50" charset="-127"/>
+                <a:ea typeface="Arial Unicode MS" pitchFamily="50" charset="-127"/>
+                <a:cs typeface="Arial Unicode MS" pitchFamily="50" charset="-127"/>
+              </a:rPr>
+              <a:t>화면</a:t>
+            </a:r>
+            <a:r>
+              <a:rPr lang="en-US" altLang="ko-KR" sz="8000" dirty="0">
+                <a:latin typeface="Arial Unicode MS" pitchFamily="50" charset="-127"/>
+                <a:ea typeface="Arial Unicode MS" pitchFamily="50" charset="-127"/>
+                <a:cs typeface="Arial Unicode MS" pitchFamily="50" charset="-127"/>
+              </a:rPr>
+              <a:t> </a:t>
+            </a:r>
+            <a:endParaRPr lang="en-US" altLang="ko-KR" sz="8000" dirty="0" smtClean="0">
+              <a:latin typeface="Arial Unicode MS" pitchFamily="50" charset="-127"/>
+              <a:ea typeface="Arial Unicode MS" pitchFamily="50" charset="-127"/>
+              <a:cs typeface="Arial Unicode MS" pitchFamily="50" charset="-127"/>
+            </a:endParaRPr>
+          </a:p>
+          <a:p>
+            <a:pPr>
+              <a:lnSpc>
+                <a:spcPct val="120000"/>
+              </a:lnSpc>
+            </a:pPr>
+            <a:r>
+              <a:rPr lang="ko-KR" altLang="ko-KR" sz="8000" dirty="0" smtClean="0">
+                <a:latin typeface="Arial Unicode MS" pitchFamily="50" charset="-127"/>
+                <a:ea typeface="Arial Unicode MS" pitchFamily="50" charset="-127"/>
+                <a:cs typeface="Arial Unicode MS" pitchFamily="50" charset="-127"/>
+              </a:rPr>
+              <a:t>공지사항</a:t>
+            </a:r>
+            <a:r>
+              <a:rPr lang="en-US" altLang="ko-KR" sz="8000" dirty="0" smtClean="0">
+                <a:latin typeface="Arial Unicode MS" pitchFamily="50" charset="-127"/>
+                <a:ea typeface="Arial Unicode MS" pitchFamily="50" charset="-127"/>
+                <a:cs typeface="Arial Unicode MS" pitchFamily="50" charset="-127"/>
+              </a:rPr>
+              <a:t> </a:t>
+            </a:r>
+          </a:p>
+          <a:p>
+            <a:pPr>
+              <a:lnSpc>
+                <a:spcPct val="120000"/>
+              </a:lnSpc>
+            </a:pPr>
+            <a:r>
+              <a:rPr lang="ko-KR" altLang="ko-KR" sz="8000" dirty="0" smtClean="0">
+                <a:latin typeface="Arial Unicode MS" pitchFamily="50" charset="-127"/>
+                <a:ea typeface="Arial Unicode MS" pitchFamily="50" charset="-127"/>
+                <a:cs typeface="Arial Unicode MS" pitchFamily="50" charset="-127"/>
+              </a:rPr>
+              <a:t>국회의원 검색</a:t>
+            </a:r>
+            <a:r>
+              <a:rPr lang="en-US" altLang="ko-KR" sz="8000" dirty="0" smtClean="0">
+                <a:latin typeface="Arial Unicode MS" pitchFamily="50" charset="-127"/>
+                <a:ea typeface="Arial Unicode MS" pitchFamily="50" charset="-127"/>
+                <a:cs typeface="Arial Unicode MS" pitchFamily="50" charset="-127"/>
+              </a:rPr>
+              <a:t> </a:t>
+            </a:r>
+            <a:r>
+              <a:rPr lang="ko-KR" altLang="en-US" sz="8000" dirty="0" smtClean="0">
+                <a:latin typeface="Arial Unicode MS" pitchFamily="50" charset="-127"/>
+                <a:ea typeface="Arial Unicode MS" pitchFamily="50" charset="-127"/>
+                <a:cs typeface="Arial Unicode MS" pitchFamily="50" charset="-127"/>
+              </a:rPr>
+              <a:t>및 조회</a:t>
+            </a:r>
+            <a:r>
+              <a:rPr lang="en-US" altLang="ko-KR" sz="8000" dirty="0" smtClean="0">
+                <a:latin typeface="Arial Unicode MS" pitchFamily="50" charset="-127"/>
+                <a:ea typeface="Arial Unicode MS" pitchFamily="50" charset="-127"/>
+                <a:cs typeface="Arial Unicode MS" pitchFamily="50" charset="-127"/>
+              </a:rPr>
+              <a:t> </a:t>
+            </a:r>
+            <a:endParaRPr lang="ko-KR" altLang="ko-KR" sz="8000" dirty="0">
+              <a:latin typeface="Arial Unicode MS" pitchFamily="50" charset="-127"/>
+              <a:ea typeface="Arial Unicode MS" pitchFamily="50" charset="-127"/>
+              <a:cs typeface="Arial Unicode MS" pitchFamily="50" charset="-127"/>
+            </a:endParaRPr>
+          </a:p>
+          <a:p>
+            <a:pPr lvl="1">
+              <a:lnSpc>
+                <a:spcPct val="120000"/>
+              </a:lnSpc>
+            </a:pPr>
+            <a:r>
+              <a:rPr lang="ko-KR" altLang="ko-KR" sz="8000" dirty="0">
+                <a:latin typeface="Arial Unicode MS" pitchFamily="50" charset="-127"/>
+                <a:ea typeface="Arial Unicode MS" pitchFamily="50" charset="-127"/>
+                <a:cs typeface="Arial Unicode MS" pitchFamily="50" charset="-127"/>
+              </a:rPr>
+              <a:t>비례대표 </a:t>
+            </a:r>
+            <a:r>
+              <a:rPr lang="ko-KR" altLang="ko-KR" sz="8000" dirty="0" smtClean="0">
+                <a:latin typeface="Arial Unicode MS" pitchFamily="50" charset="-127"/>
+                <a:ea typeface="Arial Unicode MS" pitchFamily="50" charset="-127"/>
+                <a:cs typeface="Arial Unicode MS" pitchFamily="50" charset="-127"/>
+              </a:rPr>
+              <a:t>의원</a:t>
+            </a:r>
+            <a:r>
+              <a:rPr lang="en-US" altLang="ko-KR" sz="8000" dirty="0" smtClean="0">
+                <a:latin typeface="Arial Unicode MS" pitchFamily="50" charset="-127"/>
+                <a:ea typeface="Arial Unicode MS" pitchFamily="50" charset="-127"/>
+                <a:cs typeface="Arial Unicode MS" pitchFamily="50" charset="-127"/>
+              </a:rPr>
               <a:t>, </a:t>
             </a:r>
             <a:r>
-              <a:rPr lang="ko-KR" altLang="ko-KR" sz="7200" dirty="0"/>
-              <a:t>비밀번호</a:t>
-            </a:r>
-            <a:r>
-              <a:rPr lang="en-US" altLang="ko-KR" sz="7200" dirty="0"/>
+              <a:rPr lang="ko-KR" altLang="ko-KR" sz="8000" dirty="0" smtClean="0">
+                <a:latin typeface="Arial Unicode MS" pitchFamily="50" charset="-127"/>
+                <a:ea typeface="Arial Unicode MS" pitchFamily="50" charset="-127"/>
+                <a:cs typeface="Arial Unicode MS" pitchFamily="50" charset="-127"/>
+              </a:rPr>
+              <a:t>지역구 의원</a:t>
+            </a:r>
+            <a:endParaRPr lang="ko-KR" altLang="ko-KR" sz="8000" dirty="0">
+              <a:latin typeface="Arial Unicode MS" pitchFamily="50" charset="-127"/>
+              <a:ea typeface="Arial Unicode MS" pitchFamily="50" charset="-127"/>
+              <a:cs typeface="Arial Unicode MS" pitchFamily="50" charset="-127"/>
+            </a:endParaRPr>
+          </a:p>
+          <a:p>
+            <a:pPr>
+              <a:lnSpc>
+                <a:spcPct val="120000"/>
+              </a:lnSpc>
+            </a:pPr>
+            <a:r>
+              <a:rPr lang="ko-KR" altLang="ko-KR" sz="8000" dirty="0" smtClean="0">
+                <a:latin typeface="Arial Unicode MS" pitchFamily="50" charset="-127"/>
+                <a:ea typeface="Arial Unicode MS" pitchFamily="50" charset="-127"/>
+                <a:cs typeface="Arial Unicode MS" pitchFamily="50" charset="-127"/>
+              </a:rPr>
+              <a:t>투표하기 </a:t>
+            </a:r>
+            <a:endParaRPr lang="en-US" altLang="ko-KR" sz="8000" dirty="0" smtClean="0">
+              <a:latin typeface="Arial Unicode MS" pitchFamily="50" charset="-127"/>
+              <a:ea typeface="Arial Unicode MS" pitchFamily="50" charset="-127"/>
+              <a:cs typeface="Arial Unicode MS" pitchFamily="50" charset="-127"/>
+            </a:endParaRPr>
+          </a:p>
+          <a:p>
+            <a:pPr>
+              <a:lnSpc>
+                <a:spcPct val="120000"/>
+              </a:lnSpc>
+            </a:pPr>
+            <a:r>
+              <a:rPr lang="ko-KR" altLang="ko-KR" sz="8000" dirty="0" smtClean="0">
+                <a:latin typeface="Arial Unicode MS" pitchFamily="50" charset="-127"/>
+                <a:ea typeface="Arial Unicode MS" pitchFamily="50" charset="-127"/>
+                <a:cs typeface="Arial Unicode MS" pitchFamily="50" charset="-127"/>
+              </a:rPr>
+              <a:t>투표내역 </a:t>
+            </a:r>
+            <a:r>
+              <a:rPr lang="ko-KR" altLang="ko-KR" sz="8000" dirty="0">
+                <a:latin typeface="Arial Unicode MS" pitchFamily="50" charset="-127"/>
+                <a:ea typeface="Arial Unicode MS" pitchFamily="50" charset="-127"/>
+                <a:cs typeface="Arial Unicode MS" pitchFamily="50" charset="-127"/>
+              </a:rPr>
+              <a:t>보기</a:t>
+            </a:r>
+            <a:r>
+              <a:rPr lang="en-US" altLang="ko-KR" sz="8000" dirty="0">
+                <a:latin typeface="Arial Unicode MS" pitchFamily="50" charset="-127"/>
+                <a:ea typeface="Arial Unicode MS" pitchFamily="50" charset="-127"/>
+                <a:cs typeface="Arial Unicode MS" pitchFamily="50" charset="-127"/>
+              </a:rPr>
+              <a:t> </a:t>
+            </a:r>
+            <a:endParaRPr lang="ko-KR" altLang="ko-KR" sz="8000" dirty="0">
+              <a:latin typeface="Arial Unicode MS" pitchFamily="50" charset="-127"/>
+              <a:ea typeface="Arial Unicode MS" pitchFamily="50" charset="-127"/>
+              <a:cs typeface="Arial Unicode MS" pitchFamily="50" charset="-127"/>
+            </a:endParaRPr>
+          </a:p>
+          <a:p>
+            <a:pPr lvl="1">
+              <a:lnSpc>
+                <a:spcPct val="120000"/>
+              </a:lnSpc>
+            </a:pPr>
+            <a:r>
+              <a:rPr lang="ko-KR" altLang="ko-KR" sz="8000" dirty="0">
+                <a:latin typeface="Arial Unicode MS" pitchFamily="50" charset="-127"/>
+                <a:ea typeface="Arial Unicode MS" pitchFamily="50" charset="-127"/>
+                <a:cs typeface="Arial Unicode MS" pitchFamily="50" charset="-127"/>
+              </a:rPr>
+              <a:t>사용자 개인의 투표 결과를 조회할 수 있다</a:t>
+            </a:r>
+            <a:r>
+              <a:rPr lang="en-US" altLang="ko-KR" sz="8000" dirty="0">
+                <a:latin typeface="Arial Unicode MS" pitchFamily="50" charset="-127"/>
+                <a:ea typeface="Arial Unicode MS" pitchFamily="50" charset="-127"/>
+                <a:cs typeface="Arial Unicode MS" pitchFamily="50" charset="-127"/>
+              </a:rPr>
+              <a:t>. </a:t>
+            </a:r>
+            <a:r>
+              <a:rPr lang="ko-KR" altLang="ko-KR" sz="8000" dirty="0">
+                <a:latin typeface="Arial Unicode MS" pitchFamily="50" charset="-127"/>
+                <a:ea typeface="Arial Unicode MS" pitchFamily="50" charset="-127"/>
+                <a:cs typeface="Arial Unicode MS" pitchFamily="50" charset="-127"/>
+              </a:rPr>
+              <a:t>투표내역을 삭제할 수 있다</a:t>
+            </a:r>
+            <a:r>
+              <a:rPr lang="en-US" altLang="ko-KR" sz="8000" dirty="0">
+                <a:latin typeface="Arial Unicode MS" pitchFamily="50" charset="-127"/>
+                <a:ea typeface="Arial Unicode MS" pitchFamily="50" charset="-127"/>
+                <a:cs typeface="Arial Unicode MS" pitchFamily="50" charset="-127"/>
+              </a:rPr>
+              <a:t>. </a:t>
+            </a:r>
+            <a:r>
+              <a:rPr lang="ko-KR" altLang="ko-KR" sz="8000" dirty="0">
+                <a:latin typeface="Arial Unicode MS" pitchFamily="50" charset="-127"/>
+                <a:ea typeface="Arial Unicode MS" pitchFamily="50" charset="-127"/>
+                <a:cs typeface="Arial Unicode MS" pitchFamily="50" charset="-127"/>
+              </a:rPr>
+              <a:t>의원 한 명이 전체 사용자에게서 몇 표를 받았는지 확인 할 수 있다</a:t>
+            </a:r>
+            <a:r>
+              <a:rPr lang="en-US" altLang="ko-KR" sz="8000" dirty="0">
+                <a:latin typeface="Arial Unicode MS" pitchFamily="50" charset="-127"/>
+                <a:ea typeface="Arial Unicode MS" pitchFamily="50" charset="-127"/>
+                <a:cs typeface="Arial Unicode MS" pitchFamily="50" charset="-127"/>
+              </a:rPr>
+              <a:t>. </a:t>
+            </a:r>
+            <a:endParaRPr lang="ko-KR" altLang="ko-KR" sz="8000" dirty="0">
+              <a:latin typeface="Arial Unicode MS" pitchFamily="50" charset="-127"/>
+              <a:ea typeface="Arial Unicode MS" pitchFamily="50" charset="-127"/>
+              <a:cs typeface="Arial Unicode MS" pitchFamily="50" charset="-127"/>
+            </a:endParaRPr>
+          </a:p>
+          <a:p>
+            <a:pPr>
+              <a:lnSpc>
+                <a:spcPct val="120000"/>
+              </a:lnSpc>
+            </a:pPr>
+            <a:r>
+              <a:rPr lang="ko-KR" altLang="ko-KR" sz="8000" dirty="0" smtClean="0">
+                <a:latin typeface="Arial Unicode MS" pitchFamily="50" charset="-127"/>
+                <a:ea typeface="Arial Unicode MS" pitchFamily="50" charset="-127"/>
+                <a:cs typeface="Arial Unicode MS" pitchFamily="50" charset="-127"/>
+              </a:rPr>
+              <a:t>통계</a:t>
+            </a:r>
+            <a:endParaRPr lang="ko-KR" altLang="ko-KR" sz="8000" dirty="0">
+              <a:latin typeface="Arial Unicode MS" pitchFamily="50" charset="-127"/>
+              <a:ea typeface="Arial Unicode MS" pitchFamily="50" charset="-127"/>
+              <a:cs typeface="Arial Unicode MS" pitchFamily="50" charset="-127"/>
+            </a:endParaRPr>
+          </a:p>
+          <a:p>
+            <a:pPr lvl="1">
+              <a:lnSpc>
+                <a:spcPct val="120000"/>
+              </a:lnSpc>
+            </a:pPr>
+            <a:r>
+              <a:rPr lang="ko-KR" altLang="ko-KR" sz="8000" dirty="0">
+                <a:latin typeface="Arial Unicode MS" pitchFamily="50" charset="-127"/>
+                <a:ea typeface="Arial Unicode MS" pitchFamily="50" charset="-127"/>
+                <a:cs typeface="Arial Unicode MS" pitchFamily="50" charset="-127"/>
+              </a:rPr>
+              <a:t>전체 사용자의 투표결과를 통계대상으로 한다</a:t>
+            </a:r>
+            <a:r>
+              <a:rPr lang="en-US" altLang="ko-KR" sz="8000" dirty="0">
+                <a:latin typeface="Arial Unicode MS" pitchFamily="50" charset="-127"/>
+                <a:ea typeface="Arial Unicode MS" pitchFamily="50" charset="-127"/>
+                <a:cs typeface="Arial Unicode MS" pitchFamily="50" charset="-127"/>
+              </a:rPr>
+              <a:t>. </a:t>
+            </a:r>
+            <a:r>
+              <a:rPr lang="ko-KR" altLang="ko-KR" sz="8000" dirty="0" err="1" smtClean="0">
+                <a:latin typeface="Arial Unicode MS" pitchFamily="50" charset="-127"/>
+                <a:ea typeface="Arial Unicode MS" pitchFamily="50" charset="-127"/>
+                <a:cs typeface="Arial Unicode MS" pitchFamily="50" charset="-127"/>
+              </a:rPr>
+              <a:t>분류별</a:t>
+            </a:r>
+            <a:r>
+              <a:rPr lang="en-US" altLang="ko-KR" sz="8000" dirty="0" smtClean="0">
+                <a:latin typeface="Arial Unicode MS" pitchFamily="50" charset="-127"/>
+                <a:ea typeface="Arial Unicode MS" pitchFamily="50" charset="-127"/>
+                <a:cs typeface="Arial Unicode MS" pitchFamily="50" charset="-127"/>
+              </a:rPr>
+              <a:t>(</a:t>
+            </a:r>
+            <a:r>
+              <a:rPr lang="ko-KR" altLang="en-US" sz="8000" dirty="0" smtClean="0">
+                <a:latin typeface="Arial Unicode MS" pitchFamily="50" charset="-127"/>
+                <a:ea typeface="Arial Unicode MS" pitchFamily="50" charset="-127"/>
+                <a:cs typeface="Arial Unicode MS" pitchFamily="50" charset="-127"/>
+              </a:rPr>
+              <a:t>전체</a:t>
+            </a:r>
+            <a:r>
+              <a:rPr lang="en-US" altLang="ko-KR" sz="8000" dirty="0" smtClean="0">
+                <a:latin typeface="Arial Unicode MS" pitchFamily="50" charset="-127"/>
+                <a:ea typeface="Arial Unicode MS" pitchFamily="50" charset="-127"/>
+                <a:cs typeface="Arial Unicode MS" pitchFamily="50" charset="-127"/>
+              </a:rPr>
               <a:t>, </a:t>
             </a:r>
             <a:r>
-              <a:rPr lang="ko-KR" altLang="ko-KR" sz="7200" dirty="0"/>
-              <a:t>만 나이</a:t>
-            </a:r>
-            <a:r>
-              <a:rPr lang="en-US" altLang="ko-KR" sz="7200" dirty="0"/>
+              <a:rPr lang="ko-KR" altLang="en-US" sz="8000" dirty="0" smtClean="0">
+                <a:latin typeface="Arial Unicode MS" pitchFamily="50" charset="-127"/>
+                <a:ea typeface="Arial Unicode MS" pitchFamily="50" charset="-127"/>
+                <a:cs typeface="Arial Unicode MS" pitchFamily="50" charset="-127"/>
+              </a:rPr>
+              <a:t>여자</a:t>
+            </a:r>
+            <a:r>
+              <a:rPr lang="en-US" altLang="ko-KR" sz="8000" dirty="0" smtClean="0">
+                <a:latin typeface="Arial Unicode MS" pitchFamily="50" charset="-127"/>
+                <a:ea typeface="Arial Unicode MS" pitchFamily="50" charset="-127"/>
+                <a:cs typeface="Arial Unicode MS" pitchFamily="50" charset="-127"/>
+              </a:rPr>
               <a:t>, </a:t>
             </a:r>
             <a:r>
-              <a:rPr lang="ko-KR" altLang="ko-KR" sz="7200" dirty="0" err="1"/>
-              <a:t>이메일</a:t>
-            </a:r>
-            <a:r>
-              <a:rPr lang="en-US" altLang="ko-KR" sz="7200" dirty="0"/>
+              <a:rPr lang="ko-KR" altLang="en-US" sz="8000" dirty="0" smtClean="0">
+                <a:latin typeface="Arial Unicode MS" pitchFamily="50" charset="-127"/>
+                <a:ea typeface="Arial Unicode MS" pitchFamily="50" charset="-127"/>
+                <a:cs typeface="Arial Unicode MS" pitchFamily="50" charset="-127"/>
+              </a:rPr>
+              <a:t>남자사용자</a:t>
+            </a:r>
+            <a:r>
+              <a:rPr lang="en-US" altLang="ko-KR" sz="8000" dirty="0" smtClean="0">
+                <a:latin typeface="Arial Unicode MS" pitchFamily="50" charset="-127"/>
+                <a:ea typeface="Arial Unicode MS" pitchFamily="50" charset="-127"/>
+                <a:cs typeface="Arial Unicode MS" pitchFamily="50" charset="-127"/>
+              </a:rPr>
               <a:t>, </a:t>
             </a:r>
             <a:r>
-              <a:rPr lang="ko-KR" altLang="ko-KR" sz="7200" dirty="0"/>
-              <a:t>소속지역구</a:t>
-            </a:r>
-            <a:r>
-              <a:rPr lang="en-US" altLang="ko-KR" sz="7200" dirty="0"/>
-              <a:t>, </a:t>
-            </a:r>
-            <a:r>
-              <a:rPr lang="ko-KR" altLang="ko-KR" sz="7200" dirty="0"/>
-              <a:t>성별을 입력하도록 한다</a:t>
-            </a:r>
-            <a:r>
-              <a:rPr lang="en-US" altLang="ko-KR" sz="7200" dirty="0"/>
+              <a:rPr lang="ko-KR" altLang="en-US" sz="8000" dirty="0" smtClean="0">
+                <a:latin typeface="Arial Unicode MS" pitchFamily="50" charset="-127"/>
+                <a:ea typeface="Arial Unicode MS" pitchFamily="50" charset="-127"/>
+                <a:cs typeface="Arial Unicode MS" pitchFamily="50" charset="-127"/>
+              </a:rPr>
+              <a:t>연령별</a:t>
+            </a:r>
+            <a:r>
+              <a:rPr lang="en-US" altLang="ko-KR" sz="8000" dirty="0" smtClean="0">
+                <a:latin typeface="Arial Unicode MS" pitchFamily="50" charset="-127"/>
+                <a:ea typeface="Arial Unicode MS" pitchFamily="50" charset="-127"/>
+                <a:cs typeface="Arial Unicode MS" pitchFamily="50" charset="-127"/>
+              </a:rPr>
+              <a:t>)</a:t>
+            </a:r>
+            <a:r>
+              <a:rPr lang="ko-KR" altLang="ko-KR" sz="8000" dirty="0" smtClean="0">
+                <a:latin typeface="Arial Unicode MS" pitchFamily="50" charset="-127"/>
+                <a:ea typeface="Arial Unicode MS" pitchFamily="50" charset="-127"/>
+                <a:cs typeface="Arial Unicode MS" pitchFamily="50" charset="-127"/>
+              </a:rPr>
+              <a:t>로 </a:t>
+            </a:r>
+            <a:r>
+              <a:rPr lang="ko-KR" altLang="ko-KR" sz="8000" dirty="0">
+                <a:latin typeface="Arial Unicode MS" pitchFamily="50" charset="-127"/>
+                <a:ea typeface="Arial Unicode MS" pitchFamily="50" charset="-127"/>
+                <a:cs typeface="Arial Unicode MS" pitchFamily="50" charset="-127"/>
+              </a:rPr>
+              <a:t>인기순위를 확인 할 수 있다</a:t>
+            </a:r>
+            <a:r>
+              <a:rPr lang="en-US" altLang="ko-KR" sz="8000" dirty="0">
+                <a:latin typeface="Arial Unicode MS" pitchFamily="50" charset="-127"/>
+                <a:ea typeface="Arial Unicode MS" pitchFamily="50" charset="-127"/>
+                <a:cs typeface="Arial Unicode MS" pitchFamily="50" charset="-127"/>
+              </a:rPr>
               <a:t>. </a:t>
             </a:r>
-            <a:endParaRPr lang="ko-KR" altLang="ko-KR" sz="7200" dirty="0"/>
-          </a:p>
-          <a:p>
-            <a:r>
-              <a:rPr lang="ko-KR" altLang="ko-KR" sz="7200" dirty="0" smtClean="0"/>
-              <a:t>로그인 </a:t>
-            </a:r>
-            <a:r>
-              <a:rPr lang="ko-KR" altLang="ko-KR" sz="7200" dirty="0"/>
-              <a:t>화면</a:t>
-            </a:r>
-            <a:r>
-              <a:rPr lang="en-US" altLang="ko-KR" sz="7200" dirty="0"/>
-              <a:t> </a:t>
-            </a:r>
-            <a:endParaRPr lang="ko-KR" altLang="ko-KR" sz="7200" dirty="0"/>
-          </a:p>
-          <a:p>
-            <a:pPr lvl="1"/>
-            <a:r>
-              <a:rPr lang="ko-KR" altLang="ko-KR" sz="7200" dirty="0"/>
-              <a:t>회원 가입과 </a:t>
-            </a:r>
-            <a:r>
-              <a:rPr lang="ko-KR" altLang="ko-KR" sz="7200" dirty="0" err="1"/>
-              <a:t>로그인을</a:t>
-            </a:r>
-            <a:r>
-              <a:rPr lang="ko-KR" altLang="ko-KR" sz="7200" dirty="0"/>
-              <a:t> 해야 투표 및 결과 조회를 할 수 있다</a:t>
-            </a:r>
-            <a:r>
-              <a:rPr lang="en-US" altLang="ko-KR" sz="7200" dirty="0" smtClean="0"/>
-              <a:t>.</a:t>
-            </a:r>
-            <a:r>
-              <a:rPr lang="en-US" altLang="ko-KR" sz="7200" dirty="0"/>
-              <a:t> </a:t>
-            </a:r>
-            <a:endParaRPr lang="ko-KR" altLang="ko-KR" sz="7200" dirty="0"/>
-          </a:p>
-          <a:p>
-            <a:r>
-              <a:rPr lang="ko-KR" altLang="ko-KR" sz="7200" dirty="0" smtClean="0"/>
-              <a:t>공지사항</a:t>
-            </a:r>
-            <a:r>
-              <a:rPr lang="en-US" altLang="ko-KR" sz="7200" dirty="0" smtClean="0"/>
-              <a:t> </a:t>
-            </a:r>
-            <a:endParaRPr lang="ko-KR" altLang="ko-KR" sz="7200" dirty="0"/>
-          </a:p>
-          <a:p>
-            <a:pPr lvl="1"/>
-            <a:r>
-              <a:rPr lang="ko-KR" altLang="ko-KR" sz="7200" dirty="0"/>
-              <a:t>전체 사용자에게 안내할 것이 있을 때 공지를 게시할 수 있다</a:t>
-            </a:r>
-            <a:r>
-              <a:rPr lang="en-US" altLang="ko-KR" sz="7200" dirty="0"/>
-              <a:t>.   </a:t>
-            </a:r>
-            <a:endParaRPr lang="ko-KR" altLang="ko-KR" sz="7200" dirty="0"/>
-          </a:p>
-          <a:p>
-            <a:r>
-              <a:rPr lang="ko-KR" altLang="ko-KR" sz="7200" dirty="0" smtClean="0"/>
-              <a:t>국회의원 </a:t>
-            </a:r>
-            <a:r>
-              <a:rPr lang="ko-KR" altLang="ko-KR" sz="7200" dirty="0"/>
-              <a:t>검색하기</a:t>
-            </a:r>
-            <a:r>
-              <a:rPr lang="en-US" altLang="ko-KR" sz="7200" dirty="0"/>
-              <a:t> </a:t>
-            </a:r>
-            <a:endParaRPr lang="ko-KR" altLang="ko-KR" sz="7200" dirty="0"/>
-          </a:p>
-          <a:p>
-            <a:pPr lvl="1"/>
-            <a:r>
-              <a:rPr lang="ko-KR" altLang="ko-KR" sz="7200" dirty="0"/>
-              <a:t>비례대표 의원과 지역구 의원으로 나눠서 검색할 수 있다</a:t>
-            </a:r>
-            <a:r>
-              <a:rPr lang="en-US" altLang="ko-KR" sz="7200" dirty="0"/>
-              <a:t>. </a:t>
-            </a:r>
-            <a:endParaRPr lang="ko-KR" altLang="ko-KR" sz="7200" dirty="0"/>
-          </a:p>
-          <a:p>
-            <a:r>
-              <a:rPr lang="ko-KR" altLang="ko-KR" sz="7200" dirty="0" smtClean="0"/>
-              <a:t>투표하기 </a:t>
-            </a:r>
-            <a:endParaRPr lang="ko-KR" altLang="ko-KR" sz="7200" dirty="0"/>
-          </a:p>
-          <a:p>
-            <a:pPr lvl="1"/>
-            <a:r>
-              <a:rPr lang="ko-KR" altLang="ko-KR" sz="7200" dirty="0"/>
-              <a:t>검색 결과를 조회한 후 좋아하는 의원에게 투표 할 수 있다</a:t>
-            </a:r>
-            <a:r>
-              <a:rPr lang="en-US" altLang="ko-KR" sz="7200" dirty="0"/>
-              <a:t>. </a:t>
-            </a:r>
-            <a:endParaRPr lang="ko-KR" altLang="ko-KR" sz="7200" dirty="0"/>
-          </a:p>
-          <a:p>
-            <a:r>
-              <a:rPr lang="ko-KR" altLang="ko-KR" sz="7200" dirty="0" smtClean="0"/>
-              <a:t>투표내역 </a:t>
-            </a:r>
-            <a:r>
-              <a:rPr lang="ko-KR" altLang="ko-KR" sz="7200" dirty="0"/>
-              <a:t>보기</a:t>
-            </a:r>
-            <a:r>
-              <a:rPr lang="en-US" altLang="ko-KR" sz="7200" dirty="0"/>
-              <a:t> </a:t>
-            </a:r>
-            <a:endParaRPr lang="ko-KR" altLang="ko-KR" sz="7200" dirty="0"/>
-          </a:p>
-          <a:p>
-            <a:pPr lvl="1"/>
-            <a:r>
-              <a:rPr lang="ko-KR" altLang="ko-KR" sz="7200" dirty="0"/>
-              <a:t>사용자 개인의 투표 결과를 조회할 수 있다</a:t>
-            </a:r>
-            <a:r>
-              <a:rPr lang="en-US" altLang="ko-KR" sz="7200" dirty="0"/>
-              <a:t>. </a:t>
-            </a:r>
-            <a:r>
-              <a:rPr lang="ko-KR" altLang="ko-KR" sz="7200" dirty="0"/>
-              <a:t>투표내역을 삭제할 수 있다</a:t>
-            </a:r>
-            <a:r>
-              <a:rPr lang="en-US" altLang="ko-KR" sz="7200" dirty="0"/>
-              <a:t>. </a:t>
-            </a:r>
-            <a:r>
-              <a:rPr lang="ko-KR" altLang="ko-KR" sz="7200" dirty="0"/>
-              <a:t>의원 한 명이 전체 사용자에게서 몇 표를 받았는지 확인 할 수 있다</a:t>
-            </a:r>
-            <a:r>
-              <a:rPr lang="en-US" altLang="ko-KR" sz="7200" dirty="0"/>
-              <a:t>. </a:t>
-            </a:r>
-            <a:endParaRPr lang="ko-KR" altLang="ko-KR" sz="7200" dirty="0"/>
-          </a:p>
-          <a:p>
-            <a:r>
-              <a:rPr lang="ko-KR" altLang="ko-KR" sz="7200" dirty="0" smtClean="0"/>
-              <a:t>통계</a:t>
-            </a:r>
-            <a:endParaRPr lang="ko-KR" altLang="ko-KR" sz="7200" dirty="0"/>
-          </a:p>
-          <a:p>
-            <a:pPr lvl="1"/>
-            <a:r>
-              <a:rPr lang="ko-KR" altLang="ko-KR" sz="7200" dirty="0"/>
-              <a:t>전체 사용자의 투표결과를 통계대상으로 한다</a:t>
-            </a:r>
-            <a:r>
-              <a:rPr lang="en-US" altLang="ko-KR" sz="7200" dirty="0"/>
-              <a:t>. </a:t>
-            </a:r>
-            <a:r>
-              <a:rPr lang="ko-KR" altLang="ko-KR" sz="7200" dirty="0" err="1"/>
-              <a:t>분류별로</a:t>
-            </a:r>
-            <a:r>
-              <a:rPr lang="ko-KR" altLang="ko-KR" sz="7200" dirty="0"/>
-              <a:t> 인기순위를 확인 할 수 있다</a:t>
-            </a:r>
-            <a:r>
-              <a:rPr lang="en-US" altLang="ko-KR" sz="7200" dirty="0"/>
-              <a:t>. </a:t>
-            </a:r>
-            <a:r>
-              <a:rPr lang="ko-KR" altLang="ko-KR" sz="7200" dirty="0"/>
-              <a:t>분류종류는</a:t>
-            </a:r>
-            <a:r>
-              <a:rPr lang="en-US" altLang="ko-KR" sz="7200" dirty="0"/>
-              <a:t> '</a:t>
-            </a:r>
-            <a:r>
-              <a:rPr lang="ko-KR" altLang="ko-KR" sz="7200" dirty="0"/>
-              <a:t>전체에서</a:t>
-            </a:r>
-            <a:r>
-              <a:rPr lang="en-US" altLang="ko-KR" sz="7200" dirty="0"/>
-              <a:t>', '</a:t>
-            </a:r>
-            <a:r>
-              <a:rPr lang="ko-KR" altLang="ko-KR" sz="7200" dirty="0"/>
-              <a:t>남자 선호도</a:t>
-            </a:r>
-            <a:r>
-              <a:rPr lang="en-US" altLang="ko-KR" sz="7200" dirty="0"/>
-              <a:t>', '</a:t>
-            </a:r>
-            <a:r>
-              <a:rPr lang="ko-KR" altLang="ko-KR" sz="7200" dirty="0"/>
-              <a:t>여자 선호도</a:t>
-            </a:r>
-            <a:r>
-              <a:rPr lang="en-US" altLang="ko-KR" sz="7200" dirty="0"/>
-              <a:t>' </a:t>
-            </a:r>
-            <a:r>
-              <a:rPr lang="ko-KR" altLang="ko-KR" sz="7200" dirty="0"/>
-              <a:t>등이 있다</a:t>
-            </a:r>
-            <a:r>
-              <a:rPr lang="en-US" altLang="ko-KR" sz="7200" dirty="0"/>
-              <a:t>.  </a:t>
-            </a:r>
-            <a:endParaRPr lang="ko-KR" altLang="ko-KR" sz="7200" dirty="0"/>
+            <a:endParaRPr lang="ko-KR" altLang="ko-KR" sz="8000" dirty="0">
+              <a:latin typeface="Arial Unicode MS" pitchFamily="50" charset="-127"/>
+              <a:ea typeface="Arial Unicode MS" pitchFamily="50" charset="-127"/>
+              <a:cs typeface="Arial Unicode MS" pitchFamily="50" charset="-127"/>
+            </a:endParaRPr>
           </a:p>
           <a:p>
             <a:endParaRPr lang="ko-KR" altLang="en-US" dirty="0"/>
@@ -6753,18 +8593,18 @@
           <a:lstStyle/>
           <a:p>
             <a:r>
-              <a:rPr lang="en-US" altLang="ko-KR" dirty="0"/>
-              <a:t>4</a:t>
-            </a:r>
-            <a:r>
-              <a:rPr lang="en-US" altLang="ko-KR" dirty="0" smtClean="0"/>
-              <a:t>. </a:t>
-            </a:r>
-            <a:r>
-              <a:rPr lang="ko-KR" altLang="en-US" dirty="0" smtClean="0"/>
-              <a:t>원리 </a:t>
-            </a:r>
-            <a:endParaRPr lang="ko-KR" altLang="en-US" dirty="0"/>
+              <a:rPr lang="en-US" altLang="ko-KR" dirty="0" smtClean="0">
+                <a:latin typeface="Arial Unicode MS" pitchFamily="50" charset="-127"/>
+                <a:ea typeface="Arial Unicode MS" pitchFamily="50" charset="-127"/>
+                <a:cs typeface="Arial Unicode MS" pitchFamily="50" charset="-127"/>
+              </a:rPr>
+              <a:t>6. Feature</a:t>
+            </a:r>
+            <a:endParaRPr lang="ko-KR" altLang="en-US" dirty="0">
+              <a:latin typeface="Arial Unicode MS" pitchFamily="50" charset="-127"/>
+              <a:ea typeface="Arial Unicode MS" pitchFamily="50" charset="-127"/>
+              <a:cs typeface="Arial Unicode MS" pitchFamily="50" charset="-127"/>
+            </a:endParaRPr>
           </a:p>
         </p:txBody>
       </p:sp>
@@ -6781,202 +8621,201 @@
         <p:spPr/>
         <p:txBody>
           <a:bodyPr>
-            <a:normAutofit fontScale="92500"/>
+            <a:normAutofit/>
           </a:bodyPr>
           <a:lstStyle/>
           <a:p>
-            <a:r>
-              <a:rPr lang="en-US" altLang="ko-KR" sz="2400" dirty="0"/>
-              <a:t>DB</a:t>
-            </a:r>
-            <a:r>
-              <a:rPr lang="ko-KR" altLang="ko-KR" sz="2400" dirty="0"/>
+            <a:endParaRPr lang="ko-KR" altLang="ko-KR" sz="2400" dirty="0"/>
+          </a:p>
+          <a:p>
+            <a:r>
+              <a:rPr lang="ko-KR" altLang="ko-KR" sz="2400" dirty="0" smtClean="0">
+                <a:latin typeface="Arial Unicode MS" pitchFamily="50" charset="-127"/>
+                <a:ea typeface="Arial Unicode MS" pitchFamily="50" charset="-127"/>
+                <a:cs typeface="Arial Unicode MS" pitchFamily="50" charset="-127"/>
+              </a:rPr>
+              <a:t>실</a:t>
+            </a:r>
+            <a:r>
+              <a:rPr lang="ko-KR" altLang="en-US" sz="2400" dirty="0" smtClean="0">
+                <a:latin typeface="Arial Unicode MS" pitchFamily="50" charset="-127"/>
+                <a:ea typeface="Arial Unicode MS" pitchFamily="50" charset="-127"/>
+                <a:cs typeface="Arial Unicode MS" pitchFamily="50" charset="-127"/>
+              </a:rPr>
+              <a:t>제</a:t>
+            </a:r>
+            <a:r>
+              <a:rPr lang="ko-KR" altLang="ko-KR" sz="2400" dirty="0" smtClean="0">
+                <a:latin typeface="Arial Unicode MS" pitchFamily="50" charset="-127"/>
+                <a:ea typeface="Arial Unicode MS" pitchFamily="50" charset="-127"/>
+                <a:cs typeface="Arial Unicode MS" pitchFamily="50" charset="-127"/>
+              </a:rPr>
+              <a:t> 사용자</a:t>
+            </a:r>
+            <a:r>
+              <a:rPr lang="en-US" altLang="ko-KR" sz="2400" dirty="0" smtClean="0">
+                <a:latin typeface="Arial Unicode MS" pitchFamily="50" charset="-127"/>
+                <a:ea typeface="Arial Unicode MS" pitchFamily="50" charset="-127"/>
+                <a:cs typeface="Arial Unicode MS" pitchFamily="50" charset="-127"/>
+              </a:rPr>
+              <a:t> </a:t>
+            </a:r>
+            <a:r>
+              <a:rPr lang="ko-KR" altLang="en-US" sz="2400" dirty="0" smtClean="0">
+                <a:latin typeface="Arial Unicode MS" pitchFamily="50" charset="-127"/>
+                <a:ea typeface="Arial Unicode MS" pitchFamily="50" charset="-127"/>
+                <a:cs typeface="Arial Unicode MS" pitchFamily="50" charset="-127"/>
+              </a:rPr>
+              <a:t>정보와 투표결과 </a:t>
+            </a:r>
+            <a:r>
+              <a:rPr lang="en-US" altLang="ko-KR" sz="2400" dirty="0" smtClean="0">
+                <a:latin typeface="Arial Unicode MS" pitchFamily="50" charset="-127"/>
+                <a:ea typeface="Arial Unicode MS" pitchFamily="50" charset="-127"/>
+                <a:cs typeface="Arial Unicode MS" pitchFamily="50" charset="-127"/>
+              </a:rPr>
+              <a:t>=&gt;</a:t>
+            </a:r>
+            <a:r>
+              <a:rPr lang="ko-KR" altLang="ko-KR" sz="2400" dirty="0" smtClean="0">
+                <a:latin typeface="Arial Unicode MS" pitchFamily="50" charset="-127"/>
+                <a:ea typeface="Arial Unicode MS" pitchFamily="50" charset="-127"/>
+                <a:cs typeface="Arial Unicode MS" pitchFamily="50" charset="-127"/>
+              </a:rPr>
+              <a:t> </a:t>
+            </a:r>
+            <a:r>
+              <a:rPr lang="ko-KR" altLang="ko-KR" sz="2400" dirty="0">
+                <a:latin typeface="Arial Unicode MS" pitchFamily="50" charset="-127"/>
+                <a:ea typeface="Arial Unicode MS" pitchFamily="50" charset="-127"/>
+                <a:cs typeface="Arial Unicode MS" pitchFamily="50" charset="-127"/>
+              </a:rPr>
+              <a:t>유의미한 </a:t>
+            </a:r>
+            <a:r>
+              <a:rPr lang="ko-KR" altLang="ko-KR" sz="2400" dirty="0" smtClean="0">
+                <a:latin typeface="Arial Unicode MS" pitchFamily="50" charset="-127"/>
+                <a:ea typeface="Arial Unicode MS" pitchFamily="50" charset="-127"/>
+                <a:cs typeface="Arial Unicode MS" pitchFamily="50" charset="-127"/>
+              </a:rPr>
+              <a:t>데이터</a:t>
+            </a:r>
+            <a:r>
+              <a:rPr lang="en-US" altLang="ko-KR" sz="2400" dirty="0" smtClean="0">
+                <a:latin typeface="Arial Unicode MS" pitchFamily="50" charset="-127"/>
+                <a:ea typeface="Arial Unicode MS" pitchFamily="50" charset="-127"/>
+                <a:cs typeface="Arial Unicode MS" pitchFamily="50" charset="-127"/>
+              </a:rPr>
+              <a:t> </a:t>
+            </a:r>
+            <a:r>
+              <a:rPr lang="ko-KR" altLang="en-US" sz="2400" dirty="0" smtClean="0">
+                <a:latin typeface="Arial Unicode MS" pitchFamily="50" charset="-127"/>
+                <a:ea typeface="Arial Unicode MS" pitchFamily="50" charset="-127"/>
+                <a:cs typeface="Arial Unicode MS" pitchFamily="50" charset="-127"/>
+              </a:rPr>
+              <a:t>수집가능</a:t>
+            </a:r>
+            <a:r>
+              <a:rPr lang="en-US" altLang="ko-KR" sz="2400" dirty="0" smtClean="0">
+                <a:latin typeface="Arial Unicode MS" pitchFamily="50" charset="-127"/>
+                <a:ea typeface="Arial Unicode MS" pitchFamily="50" charset="-127"/>
+                <a:cs typeface="Arial Unicode MS" pitchFamily="50" charset="-127"/>
+              </a:rPr>
+              <a:t> </a:t>
+            </a:r>
+          </a:p>
+          <a:p>
+            <a:endParaRPr lang="ko-KR" altLang="ko-KR" sz="2400" dirty="0">
+              <a:latin typeface="Arial Unicode MS" pitchFamily="50" charset="-127"/>
+              <a:ea typeface="Arial Unicode MS" pitchFamily="50" charset="-127"/>
+              <a:cs typeface="Arial Unicode MS" pitchFamily="50" charset="-127"/>
+            </a:endParaRPr>
+          </a:p>
+          <a:p>
+            <a:r>
+              <a:rPr lang="ko-KR" altLang="ko-KR" sz="2400" dirty="0" smtClean="0">
+                <a:latin typeface="Arial Unicode MS" pitchFamily="50" charset="-127"/>
+                <a:ea typeface="Arial Unicode MS" pitchFamily="50" charset="-127"/>
+                <a:cs typeface="Arial Unicode MS" pitchFamily="50" charset="-127"/>
+              </a:rPr>
+              <a:t>다수의 </a:t>
+            </a:r>
+            <a:r>
+              <a:rPr lang="ko-KR" altLang="ko-KR" sz="2400" dirty="0">
+                <a:latin typeface="Arial Unicode MS" pitchFamily="50" charset="-127"/>
+                <a:ea typeface="Arial Unicode MS" pitchFamily="50" charset="-127"/>
+                <a:cs typeface="Arial Unicode MS" pitchFamily="50" charset="-127"/>
+              </a:rPr>
+              <a:t>사용자에게 데이터를 입력 받으므로 </a:t>
+            </a:r>
+            <a:r>
+              <a:rPr lang="ko-KR" altLang="ko-KR" sz="2400" dirty="0" smtClean="0">
+                <a:latin typeface="Arial Unicode MS" pitchFamily="50" charset="-127"/>
+                <a:ea typeface="Arial Unicode MS" pitchFamily="50" charset="-127"/>
+                <a:cs typeface="Arial Unicode MS" pitchFamily="50" charset="-127"/>
+              </a:rPr>
+              <a:t>통계처리 가능</a:t>
+            </a:r>
+            <a:endParaRPr lang="en-US" altLang="ko-KR" sz="2400" dirty="0" smtClean="0">
+              <a:latin typeface="Arial Unicode MS" pitchFamily="50" charset="-127"/>
+              <a:ea typeface="Arial Unicode MS" pitchFamily="50" charset="-127"/>
+              <a:cs typeface="Arial Unicode MS" pitchFamily="50" charset="-127"/>
+            </a:endParaRPr>
+          </a:p>
+          <a:p>
+            <a:endParaRPr lang="ko-KR" altLang="ko-KR" sz="2400" dirty="0">
+              <a:latin typeface="Arial Unicode MS" pitchFamily="50" charset="-127"/>
+              <a:ea typeface="Arial Unicode MS" pitchFamily="50" charset="-127"/>
+              <a:cs typeface="Arial Unicode MS" pitchFamily="50" charset="-127"/>
+            </a:endParaRPr>
+          </a:p>
+          <a:p>
+            <a:r>
+              <a:rPr lang="ko-KR" altLang="ko-KR" sz="2400" dirty="0" smtClean="0">
+                <a:latin typeface="Arial Unicode MS" pitchFamily="50" charset="-127"/>
+                <a:ea typeface="Arial Unicode MS" pitchFamily="50" charset="-127"/>
+                <a:cs typeface="Arial Unicode MS" pitchFamily="50" charset="-127"/>
+              </a:rPr>
+              <a:t>회원가입 </a:t>
+            </a:r>
+            <a:r>
+              <a:rPr lang="ko-KR" altLang="ko-KR" sz="2400" dirty="0">
+                <a:latin typeface="Arial Unicode MS" pitchFamily="50" charset="-127"/>
+                <a:ea typeface="Arial Unicode MS" pitchFamily="50" charset="-127"/>
+                <a:cs typeface="Arial Unicode MS" pitchFamily="50" charset="-127"/>
+              </a:rPr>
+              <a:t>시 사용자가 입력한 비밀번호는 암호화되어</a:t>
+            </a:r>
+            <a:r>
+              <a:rPr lang="en-US" altLang="ko-KR" sz="2400" dirty="0">
+                <a:latin typeface="Arial Unicode MS" pitchFamily="50" charset="-127"/>
+                <a:ea typeface="Arial Unicode MS" pitchFamily="50" charset="-127"/>
+                <a:cs typeface="Arial Unicode MS" pitchFamily="50" charset="-127"/>
+              </a:rPr>
+              <a:t> DB</a:t>
+            </a:r>
+            <a:r>
+              <a:rPr lang="ko-KR" altLang="ko-KR" sz="2400" dirty="0">
+                <a:latin typeface="Arial Unicode MS" pitchFamily="50" charset="-127"/>
+                <a:ea typeface="Arial Unicode MS" pitchFamily="50" charset="-127"/>
+                <a:cs typeface="Arial Unicode MS" pitchFamily="50" charset="-127"/>
+              </a:rPr>
               <a:t>에 </a:t>
             </a:r>
             <a:r>
-              <a:rPr lang="ko-KR" altLang="ko-KR" sz="2400" dirty="0" smtClean="0"/>
-              <a:t>데이터</a:t>
-            </a:r>
-            <a:r>
-              <a:rPr lang="ko-KR" altLang="en-US" sz="2400" dirty="0" smtClean="0"/>
-              <a:t>와 공지사항을</a:t>
-            </a:r>
-            <a:r>
-              <a:rPr lang="ko-KR" altLang="ko-KR" sz="2400" dirty="0" smtClean="0"/>
-              <a:t> </a:t>
-            </a:r>
-            <a:r>
-              <a:rPr lang="ko-KR" altLang="ko-KR" sz="2400" dirty="0"/>
-              <a:t>저장해 놓는다</a:t>
-            </a:r>
-            <a:r>
-              <a:rPr lang="en-US" altLang="ko-KR" sz="2400" dirty="0"/>
-              <a:t>. </a:t>
-            </a:r>
-            <a:endParaRPr lang="en-US" altLang="ko-KR" sz="2400" dirty="0" smtClean="0"/>
-          </a:p>
-          <a:p>
-            <a:endParaRPr lang="ko-KR" altLang="ko-KR" sz="2400" dirty="0"/>
-          </a:p>
-          <a:p>
-            <a:r>
-              <a:rPr lang="ko-KR" altLang="ko-KR" sz="2400" dirty="0"/>
-              <a:t>서버프로그램</a:t>
-            </a:r>
-            <a:r>
-              <a:rPr lang="en-US" altLang="ko-KR" sz="2400" dirty="0"/>
-              <a:t>, </a:t>
-            </a:r>
-            <a:r>
-              <a:rPr lang="ko-KR" altLang="ko-KR" sz="2400" dirty="0"/>
-              <a:t>즉</a:t>
-            </a:r>
-            <a:r>
-              <a:rPr lang="en-US" altLang="ko-KR" sz="2400" dirty="0"/>
-              <a:t> </a:t>
-            </a:r>
-            <a:r>
-              <a:rPr lang="en-US" altLang="ko-KR" sz="2400" dirty="0" err="1"/>
-              <a:t>php</a:t>
-            </a:r>
-            <a:r>
-              <a:rPr lang="en-US" altLang="ko-KR" sz="2400" dirty="0"/>
-              <a:t> </a:t>
-            </a:r>
-            <a:r>
-              <a:rPr lang="ko-KR" altLang="ko-KR" sz="2400" dirty="0"/>
-              <a:t>파일을 </a:t>
-            </a:r>
-            <a:r>
-              <a:rPr lang="en-US" altLang="ko-KR" sz="2400" dirty="0"/>
-              <a:t>web ftp </a:t>
-            </a:r>
-            <a:r>
-              <a:rPr lang="ko-KR" altLang="ko-KR" sz="2400" dirty="0"/>
-              <a:t>에 업로드 해 놓는다</a:t>
-            </a:r>
-            <a:r>
-              <a:rPr lang="en-US" altLang="ko-KR" sz="2400" dirty="0"/>
-              <a:t>. </a:t>
-            </a:r>
-            <a:endParaRPr lang="en-US" altLang="ko-KR" sz="2400" dirty="0" smtClean="0"/>
-          </a:p>
-          <a:p>
-            <a:endParaRPr lang="ko-KR" altLang="ko-KR" sz="2400" dirty="0"/>
-          </a:p>
-          <a:p>
-            <a:r>
-              <a:rPr lang="ko-KR" altLang="ko-KR" sz="2400" dirty="0"/>
-              <a:t>사용자가 </a:t>
-            </a:r>
-            <a:r>
-              <a:rPr lang="ko-KR" altLang="ko-KR" sz="2400" dirty="0" smtClean="0"/>
-              <a:t>애플리케이션에서 </a:t>
-            </a:r>
-            <a:r>
-              <a:rPr lang="ko-KR" altLang="ko-KR" sz="2400" dirty="0"/>
-              <a:t>버튼을 누르면 해당되는</a:t>
-            </a:r>
-            <a:r>
-              <a:rPr lang="en-US" altLang="ko-KR" sz="2400" dirty="0"/>
-              <a:t> </a:t>
-            </a:r>
-            <a:r>
-              <a:rPr lang="en-US" altLang="ko-KR" sz="2400" dirty="0" err="1"/>
-              <a:t>php</a:t>
-            </a:r>
-            <a:r>
-              <a:rPr lang="en-US" altLang="ko-KR" sz="2400" dirty="0"/>
-              <a:t> </a:t>
-            </a:r>
-            <a:r>
-              <a:rPr lang="ko-KR" altLang="ko-KR" sz="2400" dirty="0"/>
-              <a:t>파일에 포함되어 있는</a:t>
-            </a:r>
-            <a:r>
-              <a:rPr lang="en-US" altLang="ko-KR" sz="2400" dirty="0"/>
-              <a:t> instruction </a:t>
-            </a:r>
-            <a:r>
-              <a:rPr lang="ko-KR" altLang="ko-KR" sz="2400" dirty="0"/>
-              <a:t>에 따라</a:t>
-            </a:r>
-            <a:r>
-              <a:rPr lang="en-US" altLang="ko-KR" sz="2400" dirty="0"/>
-              <a:t> db</a:t>
-            </a:r>
-            <a:r>
-              <a:rPr lang="ko-KR" altLang="ko-KR" sz="2400" dirty="0"/>
-              <a:t>에서</a:t>
-            </a:r>
-            <a:r>
-              <a:rPr lang="en-US" altLang="ko-KR" sz="2400" dirty="0"/>
-              <a:t> query </a:t>
-            </a:r>
-            <a:r>
-              <a:rPr lang="ko-KR" altLang="ko-KR" sz="2400" dirty="0"/>
-              <a:t>가 진행된다</a:t>
-            </a:r>
-            <a:r>
-              <a:rPr lang="en-US" altLang="ko-KR" sz="2400" dirty="0"/>
-              <a:t>. </a:t>
-            </a:r>
-            <a:endParaRPr lang="en-US" altLang="ko-KR" sz="2400" dirty="0" smtClean="0"/>
-          </a:p>
-          <a:p>
-            <a:endParaRPr lang="en-US" altLang="ko-KR" sz="2400" dirty="0" smtClean="0"/>
-          </a:p>
-          <a:p>
-            <a:r>
-              <a:rPr lang="ko-KR" altLang="ko-KR" sz="2400" dirty="0" smtClean="0"/>
-              <a:t>정보를</a:t>
-            </a:r>
-            <a:r>
-              <a:rPr lang="en-US" altLang="ko-KR" sz="2400" dirty="0" smtClean="0"/>
-              <a:t> </a:t>
-            </a:r>
-            <a:r>
-              <a:rPr lang="en-US" altLang="ko-KR" sz="2400" dirty="0"/>
-              <a:t>db</a:t>
-            </a:r>
-            <a:r>
-              <a:rPr lang="ko-KR" altLang="ko-KR" sz="2400" dirty="0"/>
-              <a:t>에 업데이트 할 </a:t>
-            </a:r>
-            <a:r>
-              <a:rPr lang="ko-KR" altLang="ko-KR" sz="2400" dirty="0" smtClean="0"/>
-              <a:t>수 있</a:t>
-            </a:r>
-            <a:r>
-              <a:rPr lang="ko-KR" altLang="en-US" sz="2400" dirty="0" smtClean="0"/>
-              <a:t>다</a:t>
-            </a:r>
-            <a:r>
-              <a:rPr lang="en-US" altLang="ko-KR" sz="2400" dirty="0" smtClean="0"/>
-              <a:t>.</a:t>
-            </a:r>
-          </a:p>
-          <a:p>
-            <a:endParaRPr lang="en-US" altLang="ko-KR" sz="2400" dirty="0" smtClean="0"/>
-          </a:p>
-          <a:p>
-            <a:r>
-              <a:rPr lang="en-US" altLang="ko-KR" sz="2400" dirty="0" smtClean="0"/>
-              <a:t> DB</a:t>
-            </a:r>
-            <a:r>
-              <a:rPr lang="ko-KR" altLang="ko-KR" sz="2400" dirty="0" smtClean="0"/>
-              <a:t>에서 </a:t>
-            </a:r>
-            <a:r>
-              <a:rPr lang="ko-KR" altLang="ko-KR" sz="2400" dirty="0"/>
-              <a:t>정보를 애플리케이션으로 가져올 수도 있다</a:t>
-            </a:r>
-            <a:r>
-              <a:rPr lang="en-US" altLang="ko-KR" sz="2400" dirty="0"/>
-              <a:t>. </a:t>
-            </a:r>
-            <a:endParaRPr lang="ko-KR" altLang="ko-KR" sz="2400" dirty="0"/>
+              <a:rPr lang="ko-KR" altLang="en-US" sz="2400" dirty="0" smtClean="0">
+                <a:latin typeface="Arial Unicode MS" pitchFamily="50" charset="-127"/>
+                <a:ea typeface="Arial Unicode MS" pitchFamily="50" charset="-127"/>
+                <a:cs typeface="Arial Unicode MS" pitchFamily="50" charset="-127"/>
+              </a:rPr>
+              <a:t>저장됨</a:t>
+            </a:r>
+            <a:endParaRPr lang="ko-KR" altLang="ko-KR" sz="2400" dirty="0">
+              <a:latin typeface="Arial Unicode MS" pitchFamily="50" charset="-127"/>
+              <a:ea typeface="Arial Unicode MS" pitchFamily="50" charset="-127"/>
+              <a:cs typeface="Arial Unicode MS" pitchFamily="50" charset="-127"/>
+            </a:endParaRPr>
           </a:p>
           <a:p>
             <a:endParaRPr lang="ko-KR" altLang="en-US" dirty="0"/>
@@ -7031,14 +8870,18 @@
           <a:lstStyle/>
           <a:p>
             <a:r>
-              <a:rPr lang="en-US" altLang="ko-KR" dirty="0" smtClean="0"/>
-              <a:t>5. </a:t>
-            </a:r>
-            <a:r>
-              <a:rPr lang="ko-KR" altLang="en-US" dirty="0" smtClean="0"/>
-              <a:t>기대효과</a:t>
-            </a:r>
-            <a:endParaRPr lang="ko-KR" altLang="en-US" dirty="0"/>
+              <a:rPr lang="en-US" altLang="ko-KR" dirty="0" smtClean="0">
+                <a:latin typeface="Arial Unicode MS" pitchFamily="50" charset="-127"/>
+                <a:ea typeface="Arial Unicode MS" pitchFamily="50" charset="-127"/>
+                <a:cs typeface="Arial Unicode MS" pitchFamily="50" charset="-127"/>
+              </a:rPr>
+              <a:t>7. Expected effects</a:t>
+            </a:r>
+            <a:endParaRPr lang="ko-KR" altLang="en-US" dirty="0">
+              <a:latin typeface="Arial Unicode MS" pitchFamily="50" charset="-127"/>
+              <a:ea typeface="Arial Unicode MS" pitchFamily="50" charset="-127"/>
+              <a:cs typeface="Arial Unicode MS" pitchFamily="50" charset="-127"/>
+            </a:endParaRPr>
           </a:p>
         </p:txBody>
       </p:sp>
@@ -7054,68 +8897,317 @@
         </p:nvSpPr>
         <p:spPr/>
         <p:txBody>
-          <a:bodyPr/>
+          <a:bodyPr>
+            <a:normAutofit/>
+          </a:bodyPr>
           <a:lstStyle/>
           <a:p>
             <a:r>
-              <a:rPr lang="ko-KR" altLang="ko-KR" sz="2800" dirty="0" smtClean="0"/>
-              <a:t>사용자 에게는 소속 지역구 국회의원 및 전체 의원에 대한 관심을 불러일으킬 수 있다</a:t>
-            </a:r>
-            <a:r>
-              <a:rPr lang="en-US" altLang="ko-KR" sz="2800" dirty="0" smtClean="0"/>
+              <a:rPr lang="ko-KR" altLang="en-US" sz="2800" dirty="0" smtClean="0">
+                <a:latin typeface="Arial Unicode MS" pitchFamily="50" charset="-127"/>
+                <a:ea typeface="Arial Unicode MS" pitchFamily="50" charset="-127"/>
+                <a:cs typeface="Arial Unicode MS" pitchFamily="50" charset="-127"/>
+              </a:rPr>
+              <a:t>실시간 모의투표</a:t>
+            </a:r>
+            <a:r>
+              <a:rPr lang="en-US" altLang="ko-KR" sz="2800" dirty="0" smtClean="0">
+                <a:latin typeface="Arial Unicode MS" pitchFamily="50" charset="-127"/>
+                <a:ea typeface="Arial Unicode MS" pitchFamily="50" charset="-127"/>
+                <a:cs typeface="Arial Unicode MS" pitchFamily="50" charset="-127"/>
+              </a:rPr>
+              <a:t>,</a:t>
+            </a:r>
+            <a:r>
+              <a:rPr lang="ko-KR" altLang="en-US" sz="2800" dirty="0" smtClean="0">
+                <a:latin typeface="Arial Unicode MS" pitchFamily="50" charset="-127"/>
+                <a:ea typeface="Arial Unicode MS" pitchFamily="50" charset="-127"/>
+                <a:cs typeface="Arial Unicode MS" pitchFamily="50" charset="-127"/>
+              </a:rPr>
+              <a:t> 지지도조사</a:t>
+            </a:r>
+            <a:endParaRPr lang="en-US" altLang="ko-KR" sz="2800" dirty="0" smtClean="0">
+              <a:latin typeface="Arial Unicode MS" pitchFamily="50" charset="-127"/>
+              <a:ea typeface="Arial Unicode MS" pitchFamily="50" charset="-127"/>
+              <a:cs typeface="Arial Unicode MS" pitchFamily="50" charset="-127"/>
+            </a:endParaRPr>
+          </a:p>
+          <a:p>
+            <a:r>
+              <a:rPr lang="ko-KR" altLang="en-US" sz="2800" dirty="0" smtClean="0">
+                <a:latin typeface="Arial Unicode MS" pitchFamily="50" charset="-127"/>
+                <a:ea typeface="Arial Unicode MS" pitchFamily="50" charset="-127"/>
+                <a:cs typeface="Arial Unicode MS" pitchFamily="50" charset="-127"/>
+              </a:rPr>
+              <a:t>연구소</a:t>
+            </a:r>
+            <a:r>
+              <a:rPr lang="en-US" altLang="ko-KR" sz="2800" dirty="0" smtClean="0">
+                <a:latin typeface="Arial Unicode MS" pitchFamily="50" charset="-127"/>
+                <a:ea typeface="Arial Unicode MS" pitchFamily="50" charset="-127"/>
+                <a:cs typeface="Arial Unicode MS" pitchFamily="50" charset="-127"/>
+              </a:rPr>
+              <a:t>, </a:t>
+            </a:r>
+            <a:r>
+              <a:rPr lang="ko-KR" altLang="ko-KR" sz="2800" dirty="0" smtClean="0">
+                <a:latin typeface="Arial Unicode MS" pitchFamily="50" charset="-127"/>
+                <a:ea typeface="Arial Unicode MS" pitchFamily="50" charset="-127"/>
+                <a:cs typeface="Arial Unicode MS" pitchFamily="50" charset="-127"/>
+              </a:rPr>
+              <a:t>연구자</a:t>
+            </a:r>
+            <a:r>
+              <a:rPr lang="en-US" altLang="ko-KR" sz="2800" dirty="0" smtClean="0">
+                <a:latin typeface="Arial Unicode MS" pitchFamily="50" charset="-127"/>
+                <a:ea typeface="Arial Unicode MS" pitchFamily="50" charset="-127"/>
+                <a:cs typeface="Arial Unicode MS" pitchFamily="50" charset="-127"/>
+              </a:rPr>
+              <a:t> :</a:t>
+            </a:r>
+            <a:r>
+              <a:rPr lang="ko-KR" altLang="ko-KR" sz="2800" dirty="0" smtClean="0">
+                <a:latin typeface="Arial Unicode MS" pitchFamily="50" charset="-127"/>
+                <a:ea typeface="Arial Unicode MS" pitchFamily="50" charset="-127"/>
+                <a:cs typeface="Arial Unicode MS" pitchFamily="50" charset="-127"/>
+              </a:rPr>
+              <a:t> 연구자료로 활용할 수 있다</a:t>
+            </a:r>
+            <a:r>
+              <a:rPr lang="en-US" altLang="ko-KR" sz="2800" dirty="0" smtClean="0">
+                <a:latin typeface="Arial Unicode MS" pitchFamily="50" charset="-127"/>
+                <a:ea typeface="Arial Unicode MS" pitchFamily="50" charset="-127"/>
+                <a:cs typeface="Arial Unicode MS" pitchFamily="50" charset="-127"/>
+              </a:rPr>
               <a:t>. </a:t>
             </a:r>
           </a:p>
           <a:p>
-            <a:endParaRPr lang="ko-KR" altLang="ko-KR" sz="2800" dirty="0" smtClean="0"/>
-          </a:p>
-          <a:p>
-            <a:r>
-              <a:rPr lang="ko-KR" altLang="ko-KR" sz="2800" dirty="0" smtClean="0"/>
-              <a:t>정당과 의원들은 홍보에 활용할 수 있다</a:t>
-            </a:r>
-            <a:r>
-              <a:rPr lang="en-US" altLang="ko-KR" sz="2800" dirty="0" smtClean="0"/>
-              <a:t>. </a:t>
-            </a:r>
-            <a:r>
-              <a:rPr lang="ko-KR" altLang="ko-KR" sz="2800" dirty="0" smtClean="0"/>
-              <a:t>의원들의 </a:t>
-            </a:r>
-            <a:r>
-              <a:rPr lang="ko-KR" altLang="ko-KR" sz="2800" dirty="0" err="1" smtClean="0"/>
-              <a:t>인기도를</a:t>
-            </a:r>
-            <a:r>
-              <a:rPr lang="ko-KR" altLang="ko-KR" sz="2800" dirty="0" smtClean="0"/>
-              <a:t> 비교해 볼 수 있다</a:t>
-            </a:r>
-            <a:r>
-              <a:rPr lang="en-US" altLang="ko-KR" sz="2800" dirty="0" smtClean="0"/>
-              <a:t>. </a:t>
-            </a:r>
-          </a:p>
-          <a:p>
-            <a:endParaRPr lang="ko-KR" altLang="ko-KR" sz="2800" dirty="0" smtClean="0"/>
-          </a:p>
-          <a:p>
-            <a:r>
-              <a:rPr lang="ko-KR" altLang="ko-KR" sz="2800" dirty="0" smtClean="0"/>
-              <a:t>사회과학 연구자</a:t>
-            </a:r>
-            <a:r>
-              <a:rPr lang="en-US" altLang="ko-KR" sz="2800" dirty="0" smtClean="0"/>
-              <a:t> :</a:t>
-            </a:r>
-            <a:r>
-              <a:rPr lang="ko-KR" altLang="ko-KR" sz="2800" dirty="0" smtClean="0"/>
-              <a:t> 연구자료로 활용할 수 있다</a:t>
-            </a:r>
-            <a:r>
-              <a:rPr lang="en-US" altLang="ko-KR" sz="2800" dirty="0" smtClean="0"/>
-              <a:t>. </a:t>
-            </a:r>
-            <a:endParaRPr lang="ko-KR" altLang="ko-KR" sz="2800" dirty="0" smtClean="0"/>
+            <a:r>
+              <a:rPr lang="ko-KR" altLang="en-US" sz="2800" dirty="0" smtClean="0">
+                <a:latin typeface="Arial Unicode MS" pitchFamily="50" charset="-127"/>
+                <a:ea typeface="Arial Unicode MS" pitchFamily="50" charset="-127"/>
+                <a:cs typeface="Arial Unicode MS" pitchFamily="50" charset="-127"/>
+              </a:rPr>
+              <a:t>정당 </a:t>
+            </a:r>
+            <a:r>
+              <a:rPr lang="en-US" altLang="ko-KR" sz="2800" dirty="0" smtClean="0">
+                <a:latin typeface="Arial Unicode MS" pitchFamily="50" charset="-127"/>
+                <a:ea typeface="Arial Unicode MS" pitchFamily="50" charset="-127"/>
+                <a:cs typeface="Arial Unicode MS" pitchFamily="50" charset="-127"/>
+              </a:rPr>
+              <a:t>: </a:t>
+            </a:r>
+            <a:r>
+              <a:rPr lang="ko-KR" altLang="en-US" sz="2800" dirty="0" smtClean="0">
+                <a:latin typeface="Arial Unicode MS" pitchFamily="50" charset="-127"/>
+                <a:ea typeface="Arial Unicode MS" pitchFamily="50" charset="-127"/>
+                <a:cs typeface="Arial Unicode MS" pitchFamily="50" charset="-127"/>
+              </a:rPr>
+              <a:t>공천</a:t>
+            </a:r>
+            <a:r>
+              <a:rPr lang="en-US" altLang="ko-KR" sz="2800" dirty="0" smtClean="0">
+                <a:latin typeface="Arial Unicode MS" pitchFamily="50" charset="-127"/>
+                <a:ea typeface="Arial Unicode MS" pitchFamily="50" charset="-127"/>
+                <a:cs typeface="Arial Unicode MS" pitchFamily="50" charset="-127"/>
+              </a:rPr>
+              <a:t>, </a:t>
+            </a:r>
+            <a:r>
+              <a:rPr lang="ko-KR" altLang="en-US" sz="2800" dirty="0" smtClean="0">
+                <a:latin typeface="Arial Unicode MS" pitchFamily="50" charset="-127"/>
+                <a:ea typeface="Arial Unicode MS" pitchFamily="50" charset="-127"/>
+                <a:cs typeface="Arial Unicode MS" pitchFamily="50" charset="-127"/>
+              </a:rPr>
+              <a:t>선거전략 연구에 활용 </a:t>
+            </a:r>
+            <a:endParaRPr lang="en-US" altLang="ko-KR" sz="2800" dirty="0" smtClean="0">
+              <a:latin typeface="Arial Unicode MS" pitchFamily="50" charset="-127"/>
+              <a:ea typeface="Arial Unicode MS" pitchFamily="50" charset="-127"/>
+              <a:cs typeface="Arial Unicode MS" pitchFamily="50" charset="-127"/>
+            </a:endParaRPr>
+          </a:p>
+          <a:p>
+            <a:r>
+              <a:rPr lang="ko-KR" altLang="en-US" sz="2800" dirty="0" smtClean="0">
+                <a:latin typeface="Arial Unicode MS" pitchFamily="50" charset="-127"/>
+                <a:ea typeface="Arial Unicode MS" pitchFamily="50" charset="-127"/>
+                <a:cs typeface="Arial Unicode MS" pitchFamily="50" charset="-127"/>
+              </a:rPr>
+              <a:t>현직의원</a:t>
+            </a:r>
+            <a:r>
+              <a:rPr lang="en-US" altLang="ko-KR" sz="2800" dirty="0" smtClean="0">
+                <a:latin typeface="Arial Unicode MS" pitchFamily="50" charset="-127"/>
+                <a:ea typeface="Arial Unicode MS" pitchFamily="50" charset="-127"/>
+                <a:cs typeface="Arial Unicode MS" pitchFamily="50" charset="-127"/>
+              </a:rPr>
+              <a:t>, </a:t>
+            </a:r>
+            <a:r>
+              <a:rPr lang="ko-KR" altLang="en-US" sz="2800" dirty="0" smtClean="0">
+                <a:latin typeface="Arial Unicode MS" pitchFamily="50" charset="-127"/>
+                <a:ea typeface="Arial Unicode MS" pitchFamily="50" charset="-127"/>
+                <a:cs typeface="Arial Unicode MS" pitchFamily="50" charset="-127"/>
+              </a:rPr>
+              <a:t>출마희망자 </a:t>
+            </a:r>
+            <a:r>
+              <a:rPr lang="en-US" altLang="ko-KR" sz="2800" dirty="0" smtClean="0">
+                <a:latin typeface="Arial Unicode MS" pitchFamily="50" charset="-127"/>
+                <a:ea typeface="Arial Unicode MS" pitchFamily="50" charset="-127"/>
+                <a:cs typeface="Arial Unicode MS" pitchFamily="50" charset="-127"/>
+              </a:rPr>
+              <a:t>: </a:t>
+            </a:r>
+            <a:r>
+              <a:rPr lang="ko-KR" altLang="en-US" sz="2800" dirty="0" smtClean="0">
+                <a:latin typeface="Arial Unicode MS" pitchFamily="50" charset="-127"/>
+                <a:ea typeface="Arial Unicode MS" pitchFamily="50" charset="-127"/>
+                <a:cs typeface="Arial Unicode MS" pitchFamily="50" charset="-127"/>
+              </a:rPr>
+              <a:t>출마지역</a:t>
+            </a:r>
+            <a:r>
+              <a:rPr lang="en-US" altLang="ko-KR" sz="2800" dirty="0" smtClean="0">
+                <a:latin typeface="Arial Unicode MS" pitchFamily="50" charset="-127"/>
+                <a:ea typeface="Arial Unicode MS" pitchFamily="50" charset="-127"/>
+                <a:cs typeface="Arial Unicode MS" pitchFamily="50" charset="-127"/>
+              </a:rPr>
+              <a:t>, </a:t>
+            </a:r>
+            <a:r>
+              <a:rPr lang="ko-KR" altLang="en-US" sz="2800" dirty="0" smtClean="0">
+                <a:latin typeface="Arial Unicode MS" pitchFamily="50" charset="-127"/>
+                <a:ea typeface="Arial Unicode MS" pitchFamily="50" charset="-127"/>
+                <a:cs typeface="Arial Unicode MS" pitchFamily="50" charset="-127"/>
+              </a:rPr>
+              <a:t>당선</a:t>
+            </a:r>
+            <a:r>
+              <a:rPr lang="en-US" altLang="ko-KR" sz="2800" dirty="0" smtClean="0">
+                <a:latin typeface="Arial Unicode MS" pitchFamily="50" charset="-127"/>
+                <a:ea typeface="Arial Unicode MS" pitchFamily="50" charset="-127"/>
+                <a:cs typeface="Arial Unicode MS" pitchFamily="50" charset="-127"/>
+              </a:rPr>
+              <a:t>, </a:t>
+            </a:r>
+            <a:r>
+              <a:rPr lang="ko-KR" altLang="en-US" sz="2800" dirty="0" smtClean="0">
+                <a:latin typeface="Arial Unicode MS" pitchFamily="50" charset="-127"/>
+                <a:ea typeface="Arial Unicode MS" pitchFamily="50" charset="-127"/>
+                <a:cs typeface="Arial Unicode MS" pitchFamily="50" charset="-127"/>
+              </a:rPr>
+              <a:t>재선가능성 탐구</a:t>
+            </a:r>
+            <a:endParaRPr lang="en-US" altLang="ko-KR" sz="2800" dirty="0" smtClean="0">
+              <a:latin typeface="Arial Unicode MS" pitchFamily="50" charset="-127"/>
+              <a:ea typeface="Arial Unicode MS" pitchFamily="50" charset="-127"/>
+              <a:cs typeface="Arial Unicode MS" pitchFamily="50" charset="-127"/>
+            </a:endParaRPr>
+          </a:p>
+          <a:p>
+            <a:pPr lvl="1"/>
+            <a:r>
+              <a:rPr lang="ko-KR" altLang="en-US" sz="2400" dirty="0" smtClean="0">
+                <a:latin typeface="Arial Unicode MS" pitchFamily="50" charset="-127"/>
+                <a:ea typeface="Arial Unicode MS" pitchFamily="50" charset="-127"/>
+                <a:cs typeface="Arial Unicode MS" pitchFamily="50" charset="-127"/>
+              </a:rPr>
+              <a:t>예</a:t>
+            </a:r>
+            <a:r>
+              <a:rPr lang="en-US" altLang="ko-KR" sz="2400" dirty="0" smtClean="0">
+                <a:latin typeface="Arial Unicode MS" pitchFamily="50" charset="-127"/>
+                <a:ea typeface="Arial Unicode MS" pitchFamily="50" charset="-127"/>
+                <a:cs typeface="Arial Unicode MS" pitchFamily="50" charset="-127"/>
+              </a:rPr>
+              <a:t>) </a:t>
+            </a:r>
+            <a:r>
+              <a:rPr lang="ko-KR" altLang="en-US" sz="2400" dirty="0" smtClean="0">
+                <a:latin typeface="Arial Unicode MS" pitchFamily="50" charset="-127"/>
+                <a:ea typeface="Arial Unicode MS" pitchFamily="50" charset="-127"/>
+                <a:cs typeface="Arial Unicode MS" pitchFamily="50" charset="-127"/>
+              </a:rPr>
+              <a:t>현재 지역구 말고 다른 지역구로 옮겨 출마</a:t>
+            </a:r>
+            <a:r>
+              <a:rPr lang="en-US" altLang="ko-KR" sz="2400" dirty="0" smtClean="0">
+                <a:latin typeface="Arial Unicode MS" pitchFamily="50" charset="-127"/>
+                <a:ea typeface="Arial Unicode MS" pitchFamily="50" charset="-127"/>
+                <a:cs typeface="Arial Unicode MS" pitchFamily="50" charset="-127"/>
+              </a:rPr>
+              <a:t>?</a:t>
+            </a:r>
+          </a:p>
+          <a:p>
+            <a:pPr lvl="1"/>
+            <a:r>
+              <a:rPr lang="ko-KR" altLang="en-US" sz="2400" dirty="0" smtClean="0">
+                <a:latin typeface="Arial Unicode MS" pitchFamily="50" charset="-127"/>
+                <a:ea typeface="Arial Unicode MS" pitchFamily="50" charset="-127"/>
+                <a:cs typeface="Arial Unicode MS" pitchFamily="50" charset="-127"/>
+              </a:rPr>
+              <a:t>예</a:t>
+            </a:r>
+            <a:r>
+              <a:rPr lang="en-US" altLang="ko-KR" sz="2400" dirty="0" smtClean="0">
+                <a:latin typeface="Arial Unicode MS" pitchFamily="50" charset="-127"/>
+                <a:ea typeface="Arial Unicode MS" pitchFamily="50" charset="-127"/>
+                <a:cs typeface="Arial Unicode MS" pitchFamily="50" charset="-127"/>
+              </a:rPr>
+              <a:t>) </a:t>
+            </a:r>
+            <a:r>
+              <a:rPr lang="ko-KR" altLang="en-US" sz="2400" dirty="0" smtClean="0">
+                <a:latin typeface="Arial Unicode MS" pitchFamily="50" charset="-127"/>
+                <a:ea typeface="Arial Unicode MS" pitchFamily="50" charset="-127"/>
+                <a:cs typeface="Arial Unicode MS" pitchFamily="50" charset="-127"/>
+              </a:rPr>
+              <a:t>정당의 약세 지역에서 최대한의 의석 확보 위해 어떤 인물을 어느 선거구에 배치</a:t>
+            </a:r>
+            <a:r>
+              <a:rPr lang="en-US" altLang="ko-KR" sz="2400" dirty="0" smtClean="0">
+                <a:latin typeface="Arial Unicode MS" pitchFamily="50" charset="-127"/>
+                <a:ea typeface="Arial Unicode MS" pitchFamily="50" charset="-127"/>
+                <a:cs typeface="Arial Unicode MS" pitchFamily="50" charset="-127"/>
+              </a:rPr>
+              <a:t>? </a:t>
+            </a:r>
+            <a:r>
+              <a:rPr lang="ko-KR" altLang="en-US" sz="2400" dirty="0" smtClean="0">
+                <a:latin typeface="Arial Unicode MS" pitchFamily="50" charset="-127"/>
+                <a:ea typeface="Arial Unicode MS" pitchFamily="50" charset="-127"/>
+                <a:cs typeface="Arial Unicode MS" pitchFamily="50" charset="-127"/>
+              </a:rPr>
+              <a:t>어떤 연령층 공략</a:t>
+            </a:r>
+            <a:r>
+              <a:rPr lang="en-US" altLang="ko-KR" sz="2400" dirty="0" smtClean="0">
+                <a:latin typeface="Arial Unicode MS" pitchFamily="50" charset="-127"/>
+                <a:ea typeface="Arial Unicode MS" pitchFamily="50" charset="-127"/>
+                <a:cs typeface="Arial Unicode MS" pitchFamily="50" charset="-127"/>
+              </a:rPr>
+              <a:t>?</a:t>
+            </a:r>
+            <a:endParaRPr lang="ko-KR" altLang="ko-KR" sz="2000" dirty="0" smtClean="0">
+              <a:latin typeface="Arial Unicode MS" pitchFamily="50" charset="-127"/>
+              <a:ea typeface="Arial Unicode MS" pitchFamily="50" charset="-127"/>
+              <a:cs typeface="Arial Unicode MS" pitchFamily="50" charset="-127"/>
+            </a:endParaRPr>
+          </a:p>
+          <a:p>
+            <a:pPr>
+              <a:buNone/>
+            </a:pPr>
+            <a:endParaRPr lang="ko-KR" altLang="ko-KR" sz="2800" dirty="0" smtClean="0">
+              <a:latin typeface="Arial Unicode MS" pitchFamily="50" charset="-127"/>
+              <a:ea typeface="Arial Unicode MS" pitchFamily="50" charset="-127"/>
+              <a:cs typeface="Arial Unicode MS" pitchFamily="50" charset="-127"/>
+            </a:endParaRPr>
           </a:p>
           <a:p>
             <a:endParaRPr lang="ko-KR" altLang="en-US" dirty="0"/>
@@ -7171,11 +9263,7 @@
           <a:p>
             <a:r>
               <a:rPr lang="en-US" altLang="ko-KR" dirty="0" smtClean="0"/>
-              <a:t>6. </a:t>
-            </a:r>
-            <a:r>
-              <a:rPr lang="ko-KR" altLang="en-US" dirty="0" smtClean="0"/>
-              <a:t>기대효과</a:t>
+              <a:t>8. Improvements</a:t>
             </a:r>
             <a:endParaRPr lang="ko-KR" altLang="en-US" dirty="0"/>
           </a:p>
@@ -7206,201 +9294,96 @@
             <a:pPr>
               <a:buNone/>
             </a:pPr>
-            <a:endParaRPr lang="ko-KR" altLang="ko-KR" sz="2400" dirty="0"/>
-          </a:p>
-          <a:p>
-            <a:r>
-              <a:rPr lang="ko-KR" altLang="ko-KR" sz="2400" dirty="0"/>
-              <a:t>현직 교육감</a:t>
-            </a:r>
-            <a:r>
-              <a:rPr lang="en-US" altLang="ko-KR" sz="2400" dirty="0"/>
-              <a:t>, </a:t>
-            </a:r>
-            <a:r>
-              <a:rPr lang="ko-KR" altLang="ko-KR" sz="2400" dirty="0"/>
-              <a:t>시도지사</a:t>
-            </a:r>
-            <a:r>
-              <a:rPr lang="en-US" altLang="ko-KR" sz="2400" dirty="0"/>
-              <a:t>, </a:t>
-            </a:r>
-            <a:r>
-              <a:rPr lang="ko-KR" altLang="ko-KR" sz="2400" dirty="0" smtClean="0"/>
-              <a:t>구</a:t>
-            </a:r>
+            <a:endParaRPr lang="ko-KR" altLang="ko-KR" sz="2400" dirty="0" smtClean="0"/>
+          </a:p>
+          <a:p>
             <a:r>
               <a:rPr lang="ko-KR" altLang="en-US" sz="2400" dirty="0" smtClean="0"/>
-              <a:t>청장</a:t>
-            </a:r>
-            <a:r>
-              <a:rPr lang="ko-KR" altLang="ko-KR" sz="2400" dirty="0" smtClean="0"/>
-              <a:t>시</a:t>
-            </a:r>
-            <a:r>
-              <a:rPr lang="ko-KR" altLang="en-US" sz="2400" dirty="0" smtClean="0"/>
-              <a:t>장</a:t>
-            </a:r>
-            <a:r>
-              <a:rPr lang="ko-KR" altLang="ko-KR" sz="2400" dirty="0" smtClean="0"/>
-              <a:t>군</a:t>
-            </a:r>
-            <a:r>
-              <a:rPr lang="ko-KR" altLang="en-US" sz="2400" dirty="0" smtClean="0"/>
-              <a:t>수</a:t>
-            </a:r>
-            <a:r>
-              <a:rPr lang="ko-KR" altLang="ko-KR" sz="2400" dirty="0" smtClean="0"/>
-              <a:t> </a:t>
-            </a:r>
-            <a:r>
-              <a:rPr lang="ko-KR" altLang="ko-KR" sz="2400" dirty="0"/>
-              <a:t>인기도 조사로 </a:t>
-            </a:r>
-            <a:r>
-              <a:rPr lang="ko-KR" altLang="ko-KR" sz="2400" dirty="0" smtClean="0"/>
-              <a:t>확대</a:t>
-            </a:r>
-            <a:endParaRPr lang="en-US" altLang="ko-KR" sz="2400" dirty="0" smtClean="0"/>
-          </a:p>
-          <a:p>
-            <a:r>
-              <a:rPr lang="ko-KR" altLang="ko-KR" sz="2400" dirty="0" smtClean="0"/>
-              <a:t>의원의 공식사이트 링크</a:t>
-            </a:r>
-            <a:r>
-              <a:rPr lang="en-US" altLang="ko-KR" sz="2400" dirty="0" smtClean="0"/>
-              <a:t>, SNS </a:t>
-            </a:r>
-            <a:r>
-              <a:rPr lang="ko-KR" altLang="ko-KR" sz="2400" dirty="0" smtClean="0"/>
-              <a:t>계정 링크</a:t>
+              <a:t>사용자가 정보 공개</a:t>
             </a:r>
             <a:r>
               <a:rPr lang="en-US" altLang="ko-KR" sz="2400" dirty="0" smtClean="0"/>
               <a:t>, </a:t>
             </a:r>
             <a:r>
-              <a:rPr lang="ko-KR" altLang="ko-KR" sz="2400" dirty="0" smtClean="0"/>
-              <a:t>전과 기록 조회 추가 </a:t>
+              <a:rPr lang="ko-KR" altLang="en-US" sz="2400" dirty="0" smtClean="0"/>
+              <a:t>열람</a:t>
             </a:r>
             <a:r>
               <a:rPr lang="en-US" altLang="ko-KR" sz="2400" dirty="0" smtClean="0"/>
-              <a:t>  </a:t>
-            </a:r>
-            <a:endParaRPr lang="ko-KR" altLang="ko-KR" sz="2400" dirty="0"/>
-          </a:p>
-          <a:p>
-            <a:r>
-              <a:rPr lang="en-US" altLang="ko-KR" sz="2400" dirty="0"/>
-              <a:t>6</a:t>
-            </a:r>
-            <a:r>
-              <a:rPr lang="ko-KR" altLang="ko-KR" sz="2400" dirty="0"/>
-              <a:t>월 </a:t>
-            </a:r>
-            <a:r>
-              <a:rPr lang="en-US" altLang="ko-KR" sz="2400" dirty="0"/>
-              <a:t>13</a:t>
-            </a:r>
-            <a:r>
-              <a:rPr lang="ko-KR" altLang="ko-KR" sz="2400" dirty="0"/>
-              <a:t>일 지방선거의 </a:t>
+              <a:t>, </a:t>
+            </a:r>
+            <a:r>
+              <a:rPr lang="ko-KR" altLang="en-US" sz="2400" dirty="0" smtClean="0"/>
+              <a:t>이용을 거부할 권리 </a:t>
+            </a:r>
+            <a:endParaRPr lang="en-US" altLang="ko-KR" sz="2400" dirty="0" smtClean="0"/>
+          </a:p>
+          <a:p>
+            <a:r>
+              <a:rPr lang="ko-KR" altLang="en-US" sz="2400" dirty="0" smtClean="0"/>
+              <a:t>사용처</a:t>
             </a:r>
             <a:r>
               <a:rPr lang="en-US" altLang="ko-KR" sz="2400" dirty="0" smtClean="0"/>
-              <a:t>(</a:t>
-            </a:r>
-            <a:r>
-              <a:rPr lang="ko-KR" altLang="ko-KR" sz="2400" dirty="0" smtClean="0"/>
-              <a:t>예비</a:t>
+              <a:t> </a:t>
+            </a:r>
+            <a:r>
+              <a:rPr lang="ko-KR" altLang="en-US" sz="2400" dirty="0" smtClean="0"/>
+              <a:t>통보</a:t>
+            </a:r>
+            <a:endParaRPr lang="en-US" altLang="ko-KR" sz="2400" dirty="0" smtClean="0"/>
+          </a:p>
+          <a:p>
+            <a:endParaRPr lang="en-US" altLang="ko-KR" sz="2400" dirty="0" smtClean="0"/>
+          </a:p>
+          <a:p>
+            <a:r>
+              <a:rPr lang="ko-KR" altLang="en-US" sz="2400" dirty="0" smtClean="0"/>
+              <a:t>통계결과 공개</a:t>
             </a:r>
             <a:r>
               <a:rPr lang="en-US" altLang="ko-KR" sz="2400" dirty="0" smtClean="0"/>
-              <a:t>)</a:t>
-            </a:r>
-            <a:r>
-              <a:rPr lang="ko-KR" altLang="ko-KR" sz="2400" dirty="0" smtClean="0"/>
-              <a:t>후보들의 </a:t>
-            </a:r>
-            <a:r>
-              <a:rPr lang="ko-KR" altLang="ko-KR" sz="2400" dirty="0"/>
-              <a:t>인기도를 조사하는 애플리케이션으로 변형할 수 있다</a:t>
-            </a:r>
-            <a:r>
-              <a:rPr lang="en-US" altLang="ko-KR" sz="2400" dirty="0"/>
-              <a:t>. </a:t>
-            </a:r>
-            <a:r>
-              <a:rPr lang="ko-KR" altLang="ko-KR" sz="2400" dirty="0"/>
-              <a:t>단</a:t>
-            </a:r>
-            <a:r>
-              <a:rPr lang="en-US" altLang="ko-KR" sz="2400" dirty="0"/>
+              <a:t> – </a:t>
+            </a:r>
+            <a:r>
+              <a:rPr lang="ko-KR" altLang="en-US" sz="2400" dirty="0" smtClean="0"/>
+              <a:t>데이터 분석기술 필요 </a:t>
+            </a:r>
+            <a:endParaRPr lang="en-US" altLang="ko-KR" sz="2400" b="1" dirty="0" smtClean="0"/>
+          </a:p>
+          <a:p>
+            <a:r>
+              <a:rPr lang="ko-KR" altLang="en-US" sz="2400" dirty="0" smtClean="0"/>
+              <a:t>정당</a:t>
+            </a:r>
+            <a:r>
+              <a:rPr lang="en-US" altLang="ko-KR" sz="2400" dirty="0" smtClean="0"/>
               <a:t>, </a:t>
             </a:r>
             <a:r>
-              <a:rPr lang="ko-KR" altLang="ko-KR" sz="2400" dirty="0"/>
-              <a:t>출시할 때는 선거법 위반</a:t>
-            </a:r>
-            <a:r>
-              <a:rPr lang="en-US" altLang="ko-KR" sz="2400" dirty="0"/>
-              <a:t>(</a:t>
-            </a:r>
-            <a:r>
-              <a:rPr lang="ko-KR" altLang="ko-KR" sz="2400" dirty="0"/>
-              <a:t>선거운동</a:t>
-            </a:r>
-            <a:r>
-              <a:rPr lang="en-US" altLang="ko-KR" sz="2400" dirty="0"/>
-              <a:t>)</a:t>
-            </a:r>
-            <a:r>
-              <a:rPr lang="ko-KR" altLang="ko-KR" sz="2400" dirty="0"/>
-              <a:t>에 유의하여야 </a:t>
-            </a:r>
-            <a:r>
-              <a:rPr lang="ko-KR" altLang="ko-KR" sz="2400" dirty="0" smtClean="0"/>
-              <a:t>한다</a:t>
+              <a:rPr lang="ko-KR" altLang="en-US" sz="2400" dirty="0" smtClean="0"/>
+              <a:t>후보자를 위한 데이터 분석 서비스 </a:t>
+            </a:r>
+            <a:endParaRPr lang="en-US" altLang="ko-KR" sz="2400" dirty="0" smtClean="0"/>
+          </a:p>
+          <a:p>
+            <a:endParaRPr lang="en-US" altLang="ko-KR" sz="2400" dirty="0" smtClean="0"/>
+          </a:p>
+          <a:p>
+            <a:r>
+              <a:rPr lang="ko-KR" altLang="en-US" sz="2400" dirty="0" smtClean="0"/>
+              <a:t>모의투표와 결과 공개 </a:t>
             </a:r>
             <a:r>
               <a:rPr lang="en-US" altLang="ko-KR" sz="2400" dirty="0" smtClean="0"/>
-              <a:t>.</a:t>
-            </a:r>
-          </a:p>
-          <a:p>
-            <a:r>
-              <a:rPr lang="ko-KR" altLang="ko-KR" sz="2400" dirty="0"/>
-              <a:t>정치 컨설팅</a:t>
-            </a:r>
-            <a:r>
-              <a:rPr lang="en-US" altLang="ko-KR" sz="2400" dirty="0"/>
-              <a:t>, </a:t>
-            </a:r>
-            <a:r>
-              <a:rPr lang="ko-KR" altLang="ko-KR" sz="2400" dirty="0"/>
-              <a:t>여론조사로 활용 </a:t>
-            </a:r>
-            <a:r>
-              <a:rPr lang="ko-KR" altLang="ko-KR" sz="2400" dirty="0" smtClean="0"/>
-              <a:t>가능</a:t>
-            </a:r>
-            <a:r>
-              <a:rPr lang="en-US" altLang="ko-KR" sz="2400" dirty="0" smtClean="0"/>
-              <a:t>, PC </a:t>
+              <a:t>- </a:t>
             </a:r>
             <a:r>
               <a:rPr lang="ko-KR" altLang="en-US" sz="2400" dirty="0" smtClean="0"/>
-              <a:t>버전 </a:t>
-            </a:r>
-            <a:endParaRPr lang="ko-KR" altLang="ko-KR" sz="2400" dirty="0"/>
-          </a:p>
-          <a:p>
-            <a:pPr lvl="1"/>
-            <a:endParaRPr lang="ko-KR" altLang="ko-KR" dirty="0"/>
-          </a:p>
-          <a:p>
-            <a:endParaRPr lang="ko-KR" altLang="en-US" dirty="0"/>
+              <a:t>선거법 위반에 유의 </a:t>
+            </a:r>
+            <a:endParaRPr lang="en-US" altLang="ko-KR" sz="2400" dirty="0" smtClean="0"/>
           </a:p>
         </p:txBody>
       </p:sp>
